--- a/SQL-latest (1) (4).pptx
+++ b/SQL-latest (1) (4).pptx
@@ -29,50 +29,68 @@
     <p:sldId id="261" r:id="rId23"/>
     <p:sldId id="343" r:id="rId24"/>
     <p:sldId id="259" r:id="rId25"/>
-    <p:sldId id="262" r:id="rId26"/>
-    <p:sldId id="263" r:id="rId27"/>
-    <p:sldId id="282" r:id="rId28"/>
-    <p:sldId id="283" r:id="rId29"/>
-    <p:sldId id="284" r:id="rId30"/>
-    <p:sldId id="285" r:id="rId31"/>
-    <p:sldId id="281" r:id="rId32"/>
-    <p:sldId id="286" r:id="rId33"/>
-    <p:sldId id="287" r:id="rId34"/>
-    <p:sldId id="288" r:id="rId35"/>
-    <p:sldId id="289" r:id="rId36"/>
-    <p:sldId id="290" r:id="rId37"/>
-    <p:sldId id="291" r:id="rId38"/>
-    <p:sldId id="292" r:id="rId39"/>
-    <p:sldId id="293" r:id="rId40"/>
-    <p:sldId id="294" r:id="rId41"/>
-    <p:sldId id="295" r:id="rId42"/>
-    <p:sldId id="296" r:id="rId43"/>
-    <p:sldId id="297" r:id="rId44"/>
-    <p:sldId id="298" r:id="rId45"/>
-    <p:sldId id="299" r:id="rId46"/>
-    <p:sldId id="300" r:id="rId47"/>
-    <p:sldId id="301" r:id="rId48"/>
-    <p:sldId id="302" r:id="rId49"/>
-    <p:sldId id="303" r:id="rId50"/>
-    <p:sldId id="304" r:id="rId51"/>
-    <p:sldId id="305" r:id="rId52"/>
-    <p:sldId id="306" r:id="rId53"/>
-    <p:sldId id="307" r:id="rId54"/>
-    <p:sldId id="308" r:id="rId55"/>
-    <p:sldId id="309" r:id="rId56"/>
-    <p:sldId id="310" r:id="rId57"/>
-    <p:sldId id="311" r:id="rId58"/>
-    <p:sldId id="312" r:id="rId59"/>
-    <p:sldId id="313" r:id="rId60"/>
-    <p:sldId id="314" r:id="rId61"/>
-    <p:sldId id="315" r:id="rId62"/>
-    <p:sldId id="316" r:id="rId63"/>
-    <p:sldId id="317" r:id="rId64"/>
-    <p:sldId id="318" r:id="rId65"/>
-    <p:sldId id="319" r:id="rId66"/>
-    <p:sldId id="320" r:id="rId67"/>
-    <p:sldId id="321" r:id="rId68"/>
-    <p:sldId id="322" r:id="rId69"/>
+    <p:sldId id="344" r:id="rId26"/>
+    <p:sldId id="345" r:id="rId27"/>
+    <p:sldId id="346" r:id="rId28"/>
+    <p:sldId id="347" r:id="rId29"/>
+    <p:sldId id="348" r:id="rId30"/>
+    <p:sldId id="349" r:id="rId31"/>
+    <p:sldId id="350" r:id="rId32"/>
+    <p:sldId id="351" r:id="rId33"/>
+    <p:sldId id="352" r:id="rId34"/>
+    <p:sldId id="353" r:id="rId35"/>
+    <p:sldId id="354" r:id="rId36"/>
+    <p:sldId id="355" r:id="rId37"/>
+    <p:sldId id="356" r:id="rId38"/>
+    <p:sldId id="357" r:id="rId39"/>
+    <p:sldId id="358" r:id="rId40"/>
+    <p:sldId id="359" r:id="rId41"/>
+    <p:sldId id="360" r:id="rId42"/>
+    <p:sldId id="361" r:id="rId43"/>
+    <p:sldId id="262" r:id="rId44"/>
+    <p:sldId id="263" r:id="rId45"/>
+    <p:sldId id="282" r:id="rId46"/>
+    <p:sldId id="283" r:id="rId47"/>
+    <p:sldId id="284" r:id="rId48"/>
+    <p:sldId id="285" r:id="rId49"/>
+    <p:sldId id="281" r:id="rId50"/>
+    <p:sldId id="286" r:id="rId51"/>
+    <p:sldId id="287" r:id="rId52"/>
+    <p:sldId id="288" r:id="rId53"/>
+    <p:sldId id="289" r:id="rId54"/>
+    <p:sldId id="290" r:id="rId55"/>
+    <p:sldId id="291" r:id="rId56"/>
+    <p:sldId id="292" r:id="rId57"/>
+    <p:sldId id="293" r:id="rId58"/>
+    <p:sldId id="294" r:id="rId59"/>
+    <p:sldId id="295" r:id="rId60"/>
+    <p:sldId id="296" r:id="rId61"/>
+    <p:sldId id="297" r:id="rId62"/>
+    <p:sldId id="298" r:id="rId63"/>
+    <p:sldId id="299" r:id="rId64"/>
+    <p:sldId id="300" r:id="rId65"/>
+    <p:sldId id="301" r:id="rId66"/>
+    <p:sldId id="302" r:id="rId67"/>
+    <p:sldId id="303" r:id="rId68"/>
+    <p:sldId id="304" r:id="rId69"/>
+    <p:sldId id="305" r:id="rId70"/>
+    <p:sldId id="306" r:id="rId71"/>
+    <p:sldId id="307" r:id="rId72"/>
+    <p:sldId id="308" r:id="rId73"/>
+    <p:sldId id="309" r:id="rId74"/>
+    <p:sldId id="310" r:id="rId75"/>
+    <p:sldId id="311" r:id="rId76"/>
+    <p:sldId id="312" r:id="rId77"/>
+    <p:sldId id="313" r:id="rId78"/>
+    <p:sldId id="314" r:id="rId79"/>
+    <p:sldId id="315" r:id="rId80"/>
+    <p:sldId id="316" r:id="rId81"/>
+    <p:sldId id="317" r:id="rId82"/>
+    <p:sldId id="318" r:id="rId83"/>
+    <p:sldId id="319" r:id="rId84"/>
+    <p:sldId id="320" r:id="rId85"/>
+    <p:sldId id="321" r:id="rId86"/>
+    <p:sldId id="322" r:id="rId87"/>
   </p:sldIdLst>
   <p:sldSz cx="9144000" cy="6858000" type="screen4x3"/>
   <p:notesSz cx="6858000" cy="9144000"/>
@@ -10462,7 +10480,7 @@
         </p:nvGraphicFramePr>
         <p:xfrm>
           <a:off x="1047750" y="4737194"/>
-          <a:ext cx="7047864" cy="2112455"/>
+          <a:ext cx="7047864" cy="2182368"/>
         </p:xfrm>
         <a:graphic>
           <a:graphicData uri="http://schemas.openxmlformats.org/drawingml/2006/table">
@@ -12134,11 +12152,7 @@
             </a:pPr>
             <a:r>
               <a:rPr lang="en-US" sz="2400" dirty="0" smtClean="0"/>
-              <a:t>Ex</a:t>
-            </a:r>
-            <a:r>
-              <a:rPr lang="en-US" sz="2400" dirty="0" smtClean="0"/>
-              <a:t>:</a:t>
+              <a:t>Ex:</a:t>
             </a:r>
           </a:p>
           <a:p>
@@ -12878,6 +12892,5863 @@
           <a:lstStyle/>
           <a:p>
             <a:r>
+              <a:rPr lang="en-US" sz="2400" dirty="0" err="1" smtClean="0"/>
+              <a:t>Constriants</a:t>
+            </a:r>
+            <a:endParaRPr lang="en-IN" sz="2400" dirty="0"/>
+          </a:p>
+        </p:txBody>
+      </p:sp>
+      <p:sp>
+        <p:nvSpPr>
+          <p:cNvPr id="3" name="Content Placeholder 2"/>
+          <p:cNvSpPr>
+            <a:spLocks noGrp="1"/>
+          </p:cNvSpPr>
+          <p:nvPr>
+            <p:ph idx="1"/>
+          </p:nvPr>
+        </p:nvSpPr>
+        <p:spPr/>
+        <p:txBody>
+          <a:bodyPr>
+            <a:normAutofit/>
+          </a:bodyPr>
+          <a:lstStyle/>
+          <a:p>
+            <a:pPr fontAlgn="base"/>
+            <a:r>
+              <a:rPr lang="en-US" sz="1600" b="1" dirty="0"/>
+              <a:t>NOT NULL</a:t>
+            </a:r>
+            <a:r>
+              <a:rPr lang="en-US" sz="1600" dirty="0"/>
+              <a:t>: This constraint tells that we cannot store a null value in a column. That is, if a column is specified as NOT NULL then we will not be able to store null in this particular column any more.</a:t>
+            </a:r>
+          </a:p>
+          <a:p>
+            <a:pPr fontAlgn="base"/>
+            <a:r>
+              <a:rPr lang="en-US" sz="1600" b="1" dirty="0"/>
+              <a:t>UNIQUE</a:t>
+            </a:r>
+            <a:r>
+              <a:rPr lang="en-US" sz="1600" dirty="0"/>
+              <a:t>: This constraint when specified with a column, tells that all the values in the column must be unique. That is, the values in any row of a column must not be repeated.</a:t>
+            </a:r>
+          </a:p>
+          <a:p>
+            <a:pPr fontAlgn="base"/>
+            <a:r>
+              <a:rPr lang="en-US" sz="1600" b="1" dirty="0"/>
+              <a:t>PRIMARY KEY</a:t>
+            </a:r>
+            <a:r>
+              <a:rPr lang="en-US" sz="1600" dirty="0"/>
+              <a:t>: A primary key is a field which can uniquely identify each row in a table. And this constraint is used to specify a field in a table as primary key.</a:t>
+            </a:r>
+          </a:p>
+          <a:p>
+            <a:pPr fontAlgn="base"/>
+            <a:r>
+              <a:rPr lang="en-US" sz="1600" b="1" dirty="0"/>
+              <a:t>FOREIGN KEY</a:t>
+            </a:r>
+            <a:r>
+              <a:rPr lang="en-US" sz="1600" dirty="0"/>
+              <a:t>: A Foreign key is a field which can uniquely identify each row in a another table. And this constraint is used to specify a field as Foreign key.</a:t>
+            </a:r>
+          </a:p>
+          <a:p>
+            <a:pPr fontAlgn="base"/>
+            <a:r>
+              <a:rPr lang="en-US" sz="1600" b="1" dirty="0"/>
+              <a:t>CHECK</a:t>
+            </a:r>
+            <a:r>
+              <a:rPr lang="en-US" sz="1600" dirty="0"/>
+              <a:t>: This constraint helps to validate the values of a column to meet a particular condition. That is, it helps to ensure that the value stored in a column meets a specific condition.</a:t>
+            </a:r>
+          </a:p>
+          <a:p>
+            <a:pPr fontAlgn="base"/>
+            <a:r>
+              <a:rPr lang="en-US" sz="1600" b="1" dirty="0"/>
+              <a:t>DEFAULT</a:t>
+            </a:r>
+            <a:r>
+              <a:rPr lang="en-US" sz="1600" dirty="0"/>
+              <a:t>: This constraint specifies a default value for the column when no value is specified by the user.</a:t>
+            </a:r>
+          </a:p>
+          <a:p>
+            <a:endParaRPr lang="en-IN" sz="1600" dirty="0"/>
+          </a:p>
+        </p:txBody>
+      </p:sp>
+    </p:spTree>
+    <p:extLst>
+      <p:ext uri="{BB962C8B-B14F-4D97-AF65-F5344CB8AC3E}">
+        <p14:creationId xmlns:p14="http://schemas.microsoft.com/office/powerpoint/2010/main" val="1963449558"/>
+      </p:ext>
+    </p:extLst>
+  </p:cSld>
+  <p:clrMapOvr>
+    <a:masterClrMapping/>
+  </p:clrMapOvr>
+</p:sld>
+</file>
+
+<file path=ppt/slides/slide26.xml><?xml version="1.0" encoding="utf-8"?>
+<p:sld xmlns:a="http://schemas.openxmlformats.org/drawingml/2006/main" xmlns:r="http://schemas.openxmlformats.org/officeDocument/2006/relationships" xmlns:p="http://schemas.openxmlformats.org/presentationml/2006/main">
+  <p:cSld>
+    <p:spTree>
+      <p:nvGrpSpPr>
+        <p:cNvPr id="1" name=""/>
+        <p:cNvGrpSpPr/>
+        <p:nvPr/>
+      </p:nvGrpSpPr>
+      <p:grpSpPr>
+        <a:xfrm>
+          <a:off x="0" y="0"/>
+          <a:ext cx="0" cy="0"/>
+          <a:chOff x="0" y="0"/>
+          <a:chExt cx="0" cy="0"/>
+        </a:xfrm>
+      </p:grpSpPr>
+      <p:sp>
+        <p:nvSpPr>
+          <p:cNvPr id="2" name="Title 1"/>
+          <p:cNvSpPr>
+            <a:spLocks noGrp="1"/>
+          </p:cNvSpPr>
+          <p:nvPr>
+            <p:ph type="title"/>
+          </p:nvPr>
+        </p:nvSpPr>
+        <p:spPr/>
+        <p:txBody>
+          <a:bodyPr/>
+          <a:lstStyle/>
+          <a:p>
+            <a:endParaRPr lang="en-IN"/>
+          </a:p>
+        </p:txBody>
+      </p:sp>
+      <p:sp>
+        <p:nvSpPr>
+          <p:cNvPr id="3" name="Content Placeholder 2"/>
+          <p:cNvSpPr>
+            <a:spLocks noGrp="1"/>
+          </p:cNvSpPr>
+          <p:nvPr>
+            <p:ph idx="1"/>
+          </p:nvPr>
+        </p:nvSpPr>
+        <p:spPr/>
+        <p:txBody>
+          <a:bodyPr>
+            <a:normAutofit/>
+          </a:bodyPr>
+          <a:lstStyle/>
+          <a:p>
+            <a:r>
+              <a:rPr lang="en-US" sz="2800" dirty="0" smtClean="0"/>
+              <a:t>Syntax:</a:t>
+            </a:r>
+          </a:p>
+          <a:p>
+            <a:r>
+              <a:rPr lang="en-US" sz="1600" dirty="0"/>
+              <a:t>CREATE TABLE </a:t>
+            </a:r>
+            <a:r>
+              <a:rPr lang="en-US" sz="1600" dirty="0" err="1"/>
+              <a:t>sample_table</a:t>
+            </a:r>
+            <a:r>
+              <a:rPr lang="en-US" sz="1600" dirty="0"/>
+              <a:t> </a:t>
+            </a:r>
+            <a:r>
+              <a:rPr lang="en-US" sz="1600" dirty="0" smtClean="0"/>
+              <a:t>(</a:t>
+            </a:r>
+          </a:p>
+          <a:p>
+            <a:r>
+              <a:rPr lang="en-US" sz="1600" dirty="0" smtClean="0"/>
+              <a:t> </a:t>
+            </a:r>
+            <a:r>
+              <a:rPr lang="en-US" sz="1600" dirty="0"/>
+              <a:t>column1 </a:t>
+            </a:r>
+            <a:r>
+              <a:rPr lang="en-US" sz="1600" dirty="0" err="1"/>
+              <a:t>data_type</a:t>
+            </a:r>
+            <a:r>
+              <a:rPr lang="en-US" sz="1600" dirty="0"/>
+              <a:t>(size) </a:t>
+            </a:r>
+            <a:r>
+              <a:rPr lang="en-US" sz="1600" dirty="0" err="1"/>
+              <a:t>constraint_name</a:t>
+            </a:r>
+            <a:r>
+              <a:rPr lang="en-US" sz="1600" dirty="0"/>
+              <a:t>, </a:t>
+            </a:r>
+            <a:endParaRPr lang="en-US" sz="1600" dirty="0" smtClean="0"/>
+          </a:p>
+          <a:p>
+            <a:r>
+              <a:rPr lang="en-US" sz="1600" dirty="0" smtClean="0"/>
+              <a:t>column2 </a:t>
+            </a:r>
+            <a:r>
+              <a:rPr lang="en-US" sz="1600" dirty="0" err="1"/>
+              <a:t>data_type</a:t>
+            </a:r>
+            <a:r>
+              <a:rPr lang="en-US" sz="1600" dirty="0"/>
+              <a:t>(size) </a:t>
+            </a:r>
+            <a:r>
+              <a:rPr lang="en-US" sz="1600" dirty="0" err="1"/>
+              <a:t>constraint_name</a:t>
+            </a:r>
+            <a:r>
+              <a:rPr lang="en-US" sz="1600" dirty="0"/>
+              <a:t>, </a:t>
+            </a:r>
+            <a:endParaRPr lang="en-US" sz="1600" dirty="0" smtClean="0"/>
+          </a:p>
+          <a:p>
+            <a:r>
+              <a:rPr lang="en-US" sz="1600" dirty="0" smtClean="0"/>
+              <a:t>column3 </a:t>
+            </a:r>
+            <a:r>
+              <a:rPr lang="en-US" sz="1600" dirty="0" err="1"/>
+              <a:t>data_type</a:t>
+            </a:r>
+            <a:r>
+              <a:rPr lang="en-US" sz="1600" dirty="0"/>
+              <a:t>(size) </a:t>
+            </a:r>
+            <a:r>
+              <a:rPr lang="en-US" sz="1600" dirty="0" err="1"/>
+              <a:t>constraint_name</a:t>
+            </a:r>
+            <a:r>
+              <a:rPr lang="en-US" sz="1600" dirty="0"/>
+              <a:t>, .... ); </a:t>
+            </a:r>
+            <a:endParaRPr lang="en-US" sz="1600" dirty="0" smtClean="0"/>
+          </a:p>
+          <a:p>
+            <a:endParaRPr lang="en-US" sz="1600" b="1" dirty="0"/>
+          </a:p>
+          <a:p>
+            <a:r>
+              <a:rPr lang="en-US" sz="1600" b="1" dirty="0" err="1" smtClean="0"/>
+              <a:t>sample_table</a:t>
+            </a:r>
+            <a:r>
+              <a:rPr lang="en-US" sz="1600" dirty="0"/>
+              <a:t>: Name of the table to be created</a:t>
+            </a:r>
+            <a:r>
+              <a:rPr lang="en-US" sz="1600" dirty="0" smtClean="0"/>
+              <a:t>.</a:t>
+            </a:r>
+          </a:p>
+          <a:p>
+            <a:r>
+              <a:rPr lang="en-US" sz="1600" dirty="0" smtClean="0"/>
+              <a:t> </a:t>
+            </a:r>
+            <a:r>
+              <a:rPr lang="en-US" sz="1600" b="1" dirty="0" err="1"/>
+              <a:t>data_type</a:t>
+            </a:r>
+            <a:r>
+              <a:rPr lang="en-US" sz="1600" dirty="0"/>
+              <a:t>: Type of data that can be stored in the field. </a:t>
+            </a:r>
+            <a:endParaRPr lang="en-US" sz="1600" dirty="0" smtClean="0"/>
+          </a:p>
+          <a:p>
+            <a:r>
+              <a:rPr lang="en-US" sz="1600" b="1" dirty="0" err="1" smtClean="0"/>
+              <a:t>constraint_name</a:t>
+            </a:r>
+            <a:r>
+              <a:rPr lang="en-US" sz="1600" dirty="0"/>
+              <a:t>: Name of the constraint. for example- NOT NULL, UNIQUE, PRIMARY KEY etc. </a:t>
+            </a:r>
+            <a:endParaRPr lang="en-IN" sz="1600" dirty="0"/>
+          </a:p>
+        </p:txBody>
+      </p:sp>
+    </p:spTree>
+    <p:extLst>
+      <p:ext uri="{BB962C8B-B14F-4D97-AF65-F5344CB8AC3E}">
+        <p14:creationId xmlns:p14="http://schemas.microsoft.com/office/powerpoint/2010/main" val="2742241931"/>
+      </p:ext>
+    </p:extLst>
+  </p:cSld>
+  <p:clrMapOvr>
+    <a:masterClrMapping/>
+  </p:clrMapOvr>
+</p:sld>
+</file>
+
+<file path=ppt/slides/slide27.xml><?xml version="1.0" encoding="utf-8"?>
+<p:sld xmlns:a="http://schemas.openxmlformats.org/drawingml/2006/main" xmlns:r="http://schemas.openxmlformats.org/officeDocument/2006/relationships" xmlns:p="http://schemas.openxmlformats.org/presentationml/2006/main">
+  <p:cSld>
+    <p:spTree>
+      <p:nvGrpSpPr>
+        <p:cNvPr id="1" name=""/>
+        <p:cNvGrpSpPr/>
+        <p:nvPr/>
+      </p:nvGrpSpPr>
+      <p:grpSpPr>
+        <a:xfrm>
+          <a:off x="0" y="0"/>
+          <a:ext cx="0" cy="0"/>
+          <a:chOff x="0" y="0"/>
+          <a:chExt cx="0" cy="0"/>
+        </a:xfrm>
+      </p:grpSpPr>
+      <p:sp>
+        <p:nvSpPr>
+          <p:cNvPr id="2" name="Title 1"/>
+          <p:cNvSpPr>
+            <a:spLocks noGrp="1"/>
+          </p:cNvSpPr>
+          <p:nvPr>
+            <p:ph type="title"/>
+          </p:nvPr>
+        </p:nvSpPr>
+        <p:spPr/>
+        <p:txBody>
+          <a:bodyPr/>
+          <a:lstStyle/>
+          <a:p>
+            <a:endParaRPr lang="en-IN"/>
+          </a:p>
+        </p:txBody>
+      </p:sp>
+      <p:sp>
+        <p:nvSpPr>
+          <p:cNvPr id="3" name="Content Placeholder 2"/>
+          <p:cNvSpPr>
+            <a:spLocks noGrp="1"/>
+          </p:cNvSpPr>
+          <p:nvPr>
+            <p:ph idx="1"/>
+          </p:nvPr>
+        </p:nvSpPr>
+        <p:spPr/>
+        <p:txBody>
+          <a:bodyPr>
+            <a:normAutofit/>
+          </a:bodyPr>
+          <a:lstStyle/>
+          <a:p>
+            <a:r>
+              <a:rPr lang="en-US" sz="2800" dirty="0" smtClean="0"/>
+              <a:t>Not Null:</a:t>
+            </a:r>
+          </a:p>
+          <a:p>
+            <a:r>
+              <a:rPr lang="en-US" sz="1600" dirty="0"/>
+              <a:t>CREATE TABLE Student ( </a:t>
+            </a:r>
+            <a:endParaRPr lang="en-US" sz="1600" dirty="0" smtClean="0"/>
+          </a:p>
+          <a:p>
+            <a:r>
+              <a:rPr lang="en-US" sz="1600" dirty="0" smtClean="0"/>
+              <a:t>ID </a:t>
+            </a:r>
+            <a:r>
+              <a:rPr lang="en-US" sz="1600" dirty="0" err="1"/>
+              <a:t>int</a:t>
+            </a:r>
+            <a:r>
+              <a:rPr lang="en-US" sz="1600" dirty="0"/>
+              <a:t>(6) NOT NULL</a:t>
+            </a:r>
+            <a:r>
+              <a:rPr lang="en-US" sz="1600" dirty="0" smtClean="0"/>
+              <a:t>,</a:t>
+            </a:r>
+          </a:p>
+          <a:p>
+            <a:r>
+              <a:rPr lang="en-US" sz="1600" dirty="0" smtClean="0"/>
+              <a:t> </a:t>
+            </a:r>
+            <a:r>
+              <a:rPr lang="en-US" sz="1600" dirty="0"/>
+              <a:t>NAME </a:t>
+            </a:r>
+            <a:r>
+              <a:rPr lang="en-US" sz="1600" dirty="0" err="1"/>
+              <a:t>varchar</a:t>
+            </a:r>
+            <a:r>
+              <a:rPr lang="en-US" sz="1600" dirty="0"/>
+              <a:t>(10) NOT NULL</a:t>
+            </a:r>
+            <a:r>
+              <a:rPr lang="en-US" sz="1600" dirty="0" smtClean="0"/>
+              <a:t>,</a:t>
+            </a:r>
+          </a:p>
+          <a:p>
+            <a:r>
+              <a:rPr lang="en-US" sz="1600" dirty="0" smtClean="0"/>
+              <a:t> ADDRESS </a:t>
+            </a:r>
+            <a:r>
+              <a:rPr lang="en-US" sz="1600" dirty="0" err="1"/>
+              <a:t>varchar</a:t>
+            </a:r>
+            <a:r>
+              <a:rPr lang="en-US" sz="1600" dirty="0"/>
+              <a:t>(20) </a:t>
+            </a:r>
+            <a:r>
+              <a:rPr lang="en-US" sz="1600" dirty="0" smtClean="0"/>
+              <a:t>);</a:t>
+            </a:r>
+          </a:p>
+          <a:p>
+            <a:endParaRPr lang="en-US" sz="1600" dirty="0"/>
+          </a:p>
+          <a:p>
+            <a:r>
+              <a:rPr lang="en-US" sz="2800" dirty="0" smtClean="0"/>
+              <a:t>Unique:</a:t>
+            </a:r>
+          </a:p>
+          <a:p>
+            <a:r>
+              <a:rPr lang="en-US" sz="1600" dirty="0"/>
+              <a:t>CREATE TABLE Student ( </a:t>
+            </a:r>
+            <a:endParaRPr lang="en-US" sz="1600" dirty="0" smtClean="0"/>
+          </a:p>
+          <a:p>
+            <a:r>
+              <a:rPr lang="en-US" sz="1600" dirty="0" smtClean="0"/>
+              <a:t>ID </a:t>
+            </a:r>
+            <a:r>
+              <a:rPr lang="en-US" sz="1600" dirty="0" err="1"/>
+              <a:t>int</a:t>
+            </a:r>
+            <a:r>
+              <a:rPr lang="en-US" sz="1600" dirty="0"/>
+              <a:t>(6) NOT NULL UNIQUE</a:t>
+            </a:r>
+            <a:r>
+              <a:rPr lang="en-US" sz="1600" dirty="0" smtClean="0"/>
+              <a:t>,</a:t>
+            </a:r>
+          </a:p>
+          <a:p>
+            <a:r>
+              <a:rPr lang="en-US" sz="1600" dirty="0" smtClean="0"/>
+              <a:t> </a:t>
+            </a:r>
+            <a:r>
+              <a:rPr lang="en-US" sz="1600" dirty="0"/>
+              <a:t>NAME </a:t>
+            </a:r>
+            <a:r>
+              <a:rPr lang="en-US" sz="1600" dirty="0" err="1"/>
+              <a:t>varchar</a:t>
+            </a:r>
+            <a:r>
+              <a:rPr lang="en-US" sz="1600" dirty="0"/>
+              <a:t>(10), </a:t>
+            </a:r>
+            <a:endParaRPr lang="en-US" sz="1600" dirty="0" smtClean="0"/>
+          </a:p>
+          <a:p>
+            <a:r>
+              <a:rPr lang="en-US" sz="1600" dirty="0" smtClean="0"/>
+              <a:t>ADDRESS </a:t>
+            </a:r>
+            <a:r>
+              <a:rPr lang="en-US" sz="1600" dirty="0" err="1"/>
+              <a:t>varchar</a:t>
+            </a:r>
+            <a:r>
+              <a:rPr lang="en-US" sz="1600" dirty="0"/>
+              <a:t>(20) );</a:t>
+            </a:r>
+            <a:endParaRPr lang="en-IN" sz="1600" dirty="0"/>
+          </a:p>
+        </p:txBody>
+      </p:sp>
+    </p:spTree>
+    <p:extLst>
+      <p:ext uri="{BB962C8B-B14F-4D97-AF65-F5344CB8AC3E}">
+        <p14:creationId xmlns:p14="http://schemas.microsoft.com/office/powerpoint/2010/main" val="3509320845"/>
+      </p:ext>
+    </p:extLst>
+  </p:cSld>
+  <p:clrMapOvr>
+    <a:masterClrMapping/>
+  </p:clrMapOvr>
+</p:sld>
+</file>
+
+<file path=ppt/slides/slide28.xml><?xml version="1.0" encoding="utf-8"?>
+<p:sld xmlns:a="http://schemas.openxmlformats.org/drawingml/2006/main" xmlns:r="http://schemas.openxmlformats.org/officeDocument/2006/relationships" xmlns:p="http://schemas.openxmlformats.org/presentationml/2006/main">
+  <p:cSld>
+    <p:spTree>
+      <p:nvGrpSpPr>
+        <p:cNvPr id="1" name=""/>
+        <p:cNvGrpSpPr/>
+        <p:nvPr/>
+      </p:nvGrpSpPr>
+      <p:grpSpPr>
+        <a:xfrm>
+          <a:off x="0" y="0"/>
+          <a:ext cx="0" cy="0"/>
+          <a:chOff x="0" y="0"/>
+          <a:chExt cx="0" cy="0"/>
+        </a:xfrm>
+      </p:grpSpPr>
+      <p:sp>
+        <p:nvSpPr>
+          <p:cNvPr id="2" name="Title 1"/>
+          <p:cNvSpPr>
+            <a:spLocks noGrp="1"/>
+          </p:cNvSpPr>
+          <p:nvPr>
+            <p:ph type="title"/>
+          </p:nvPr>
+        </p:nvSpPr>
+        <p:spPr/>
+        <p:txBody>
+          <a:bodyPr/>
+          <a:lstStyle/>
+          <a:p>
+            <a:endParaRPr lang="en-IN"/>
+          </a:p>
+        </p:txBody>
+      </p:sp>
+      <p:sp>
+        <p:nvSpPr>
+          <p:cNvPr id="3" name="Content Placeholder 2"/>
+          <p:cNvSpPr>
+            <a:spLocks noGrp="1"/>
+          </p:cNvSpPr>
+          <p:nvPr>
+            <p:ph idx="1"/>
+          </p:nvPr>
+        </p:nvSpPr>
+        <p:spPr/>
+        <p:txBody>
+          <a:bodyPr>
+            <a:normAutofit/>
+          </a:bodyPr>
+          <a:lstStyle/>
+          <a:p>
+            <a:r>
+              <a:rPr lang="en-US" sz="1800" dirty="0" smtClean="0"/>
+              <a:t>Primary Key:</a:t>
+            </a:r>
+          </a:p>
+          <a:p>
+            <a:r>
+              <a:rPr lang="en-US" sz="1800" dirty="0"/>
+              <a:t>CREATE TABLE Student </a:t>
+            </a:r>
+            <a:r>
+              <a:rPr lang="en-US" sz="1800" dirty="0" smtClean="0"/>
+              <a:t>(</a:t>
+            </a:r>
+          </a:p>
+          <a:p>
+            <a:r>
+              <a:rPr lang="en-US" sz="1800" dirty="0" smtClean="0"/>
+              <a:t> </a:t>
+            </a:r>
+            <a:r>
+              <a:rPr lang="en-US" sz="1800" dirty="0"/>
+              <a:t>ID </a:t>
+            </a:r>
+            <a:r>
+              <a:rPr lang="en-US" sz="1800" dirty="0" err="1"/>
+              <a:t>int</a:t>
+            </a:r>
+            <a:r>
+              <a:rPr lang="en-US" sz="1800" dirty="0"/>
+              <a:t>(6) NOT NULL UNIQUE, </a:t>
+            </a:r>
+            <a:endParaRPr lang="en-US" sz="1800" dirty="0" smtClean="0"/>
+          </a:p>
+          <a:p>
+            <a:r>
+              <a:rPr lang="en-US" sz="1800" dirty="0" smtClean="0"/>
+              <a:t>NAME </a:t>
+            </a:r>
+            <a:r>
+              <a:rPr lang="en-US" sz="1800" dirty="0" err="1"/>
+              <a:t>varchar</a:t>
+            </a:r>
+            <a:r>
+              <a:rPr lang="en-US" sz="1800" dirty="0"/>
+              <a:t>(10</a:t>
+            </a:r>
+            <a:r>
+              <a:rPr lang="en-US" sz="1800" dirty="0" smtClean="0"/>
+              <a:t>),</a:t>
+            </a:r>
+          </a:p>
+          <a:p>
+            <a:r>
+              <a:rPr lang="en-US" sz="1800" dirty="0" smtClean="0"/>
+              <a:t> </a:t>
+            </a:r>
+            <a:r>
+              <a:rPr lang="en-US" sz="1800" dirty="0"/>
+              <a:t>ADDRESS </a:t>
+            </a:r>
+            <a:r>
+              <a:rPr lang="en-US" sz="1800" dirty="0" err="1"/>
+              <a:t>varchar</a:t>
+            </a:r>
+            <a:r>
+              <a:rPr lang="en-US" sz="1800" dirty="0"/>
+              <a:t>(20</a:t>
+            </a:r>
+            <a:r>
+              <a:rPr lang="en-US" sz="1800" dirty="0" smtClean="0"/>
+              <a:t>),</a:t>
+            </a:r>
+          </a:p>
+          <a:p>
+            <a:r>
+              <a:rPr lang="en-US" sz="1800" dirty="0" smtClean="0"/>
+              <a:t> </a:t>
+            </a:r>
+            <a:r>
+              <a:rPr lang="en-US" sz="1800" dirty="0"/>
+              <a:t>PRIMARY KEY(ID) );</a:t>
+            </a:r>
+            <a:endParaRPr lang="en-IN" sz="1800" dirty="0"/>
+          </a:p>
+        </p:txBody>
+      </p:sp>
+    </p:spTree>
+    <p:extLst>
+      <p:ext uri="{BB962C8B-B14F-4D97-AF65-F5344CB8AC3E}">
+        <p14:creationId xmlns:p14="http://schemas.microsoft.com/office/powerpoint/2010/main" val="1217017210"/>
+      </p:ext>
+    </p:extLst>
+  </p:cSld>
+  <p:clrMapOvr>
+    <a:masterClrMapping/>
+  </p:clrMapOvr>
+</p:sld>
+</file>
+
+<file path=ppt/slides/slide29.xml><?xml version="1.0" encoding="utf-8"?>
+<p:sld xmlns:a="http://schemas.openxmlformats.org/drawingml/2006/main" xmlns:r="http://schemas.openxmlformats.org/officeDocument/2006/relationships" xmlns:p="http://schemas.openxmlformats.org/presentationml/2006/main">
+  <p:cSld>
+    <p:spTree>
+      <p:nvGrpSpPr>
+        <p:cNvPr id="1" name=""/>
+        <p:cNvGrpSpPr/>
+        <p:nvPr/>
+      </p:nvGrpSpPr>
+      <p:grpSpPr>
+        <a:xfrm>
+          <a:off x="0" y="0"/>
+          <a:ext cx="0" cy="0"/>
+          <a:chOff x="0" y="0"/>
+          <a:chExt cx="0" cy="0"/>
+        </a:xfrm>
+      </p:grpSpPr>
+      <p:sp>
+        <p:nvSpPr>
+          <p:cNvPr id="2" name="Title 1"/>
+          <p:cNvSpPr>
+            <a:spLocks noGrp="1"/>
+          </p:cNvSpPr>
+          <p:nvPr>
+            <p:ph type="title"/>
+          </p:nvPr>
+        </p:nvSpPr>
+        <p:spPr/>
+        <p:txBody>
+          <a:bodyPr>
+            <a:normAutofit/>
+          </a:bodyPr>
+          <a:lstStyle/>
+          <a:p>
+            <a:r>
+              <a:rPr lang="en-US" sz="1200" dirty="0" smtClean="0"/>
+              <a:t>Foreign Key:</a:t>
+            </a:r>
+            <a:br>
+              <a:rPr lang="en-US" sz="1200" dirty="0" smtClean="0"/>
+            </a:br>
+            <a:endParaRPr lang="en-IN" sz="1200" dirty="0"/>
+          </a:p>
+        </p:txBody>
+      </p:sp>
+      <p:sp>
+        <p:nvSpPr>
+          <p:cNvPr id="3" name="Content Placeholder 2"/>
+          <p:cNvSpPr>
+            <a:spLocks noGrp="1"/>
+          </p:cNvSpPr>
+          <p:nvPr>
+            <p:ph idx="1"/>
+          </p:nvPr>
+        </p:nvSpPr>
+        <p:spPr/>
+        <p:txBody>
+          <a:bodyPr>
+            <a:normAutofit/>
+          </a:bodyPr>
+          <a:lstStyle/>
+          <a:p>
+            <a:r>
+              <a:rPr lang="en-US" sz="1600" dirty="0"/>
+              <a:t>Foreign Key is a field in a table which uniquely identifies each row of a another table. That is, this field points to primary key of another table. This usually creates a kind of link between the tables. </a:t>
+            </a:r>
+            <a:r>
+              <a:rPr lang="en-US" sz="1600" dirty="0"/>
+              <a:t/>
+            </a:r>
+            <a:br>
+              <a:rPr lang="en-US" sz="1600" dirty="0"/>
+            </a:br>
+            <a:r>
+              <a:rPr lang="en-US" sz="1600" dirty="0"/>
+              <a:t>Consider the two tables as shown below: </a:t>
+            </a:r>
+            <a:endParaRPr lang="en-US" sz="1600" dirty="0" smtClean="0"/>
+          </a:p>
+          <a:p>
+            <a:r>
+              <a:rPr lang="en-US" sz="1600" dirty="0" err="1" smtClean="0"/>
+              <a:t>Oredrs</a:t>
+            </a:r>
+            <a:r>
+              <a:rPr lang="en-US" sz="1600" dirty="0" smtClean="0"/>
+              <a:t> table:</a:t>
+            </a:r>
+            <a:r>
+              <a:rPr lang="en-US" sz="1600" dirty="0"/>
+              <a:t/>
+            </a:r>
+            <a:br>
+              <a:rPr lang="en-US" sz="1600" dirty="0"/>
+            </a:br>
+            <a:r>
+              <a:rPr lang="en-US" sz="1600" dirty="0"/>
+              <a:t> </a:t>
+            </a:r>
+            <a:endParaRPr lang="en-US" sz="1600" dirty="0" smtClean="0"/>
+          </a:p>
+          <a:p>
+            <a:endParaRPr lang="en-IN" sz="1600" dirty="0"/>
+          </a:p>
+        </p:txBody>
+      </p:sp>
+      <p:graphicFrame>
+        <p:nvGraphicFramePr>
+          <p:cNvPr id="4" name="Table 3"/>
+          <p:cNvGraphicFramePr>
+            <a:graphicFrameLocks noGrp="1"/>
+          </p:cNvGraphicFramePr>
+          <p:nvPr>
+            <p:extLst>
+              <p:ext uri="{D42A27DB-BD31-4B8C-83A1-F6EECF244321}">
+                <p14:modId xmlns:p14="http://schemas.microsoft.com/office/powerpoint/2010/main" val="1140270496"/>
+              </p:ext>
+            </p:extLst>
+          </p:nvPr>
+        </p:nvGraphicFramePr>
+        <p:xfrm>
+          <a:off x="838199" y="2948781"/>
+          <a:ext cx="5715000" cy="1828800"/>
+        </p:xfrm>
+        <a:graphic>
+          <a:graphicData uri="http://schemas.openxmlformats.org/drawingml/2006/table">
+            <a:tbl>
+              <a:tblPr/>
+              <a:tblGrid>
+                <a:gridCol w="1651000"/>
+                <a:gridCol w="2032000"/>
+                <a:gridCol w="2032000"/>
+              </a:tblGrid>
+              <a:tr h="233204">
+                <a:tc>
+                  <a:txBody>
+                    <a:bodyPr/>
+                    <a:lstStyle/>
+                    <a:p>
+                      <a:pPr algn="l" fontAlgn="base"/>
+                      <a:r>
+                        <a:rPr lang="en-IN" b="0">
+                          <a:effectLst/>
+                        </a:rPr>
+                        <a:t>O_ID</a:t>
+                      </a:r>
+                    </a:p>
+                  </a:txBody>
+                  <a:tcPr anchor="ctr">
+                    <a:lnL>
+                      <a:noFill/>
+                    </a:lnL>
+                    <a:lnR>
+                      <a:noFill/>
+                    </a:lnR>
+                    <a:lnT>
+                      <a:noFill/>
+                    </a:lnT>
+                    <a:lnB>
+                      <a:noFill/>
+                    </a:lnB>
+                  </a:tcPr>
+                </a:tc>
+                <a:tc>
+                  <a:txBody>
+                    <a:bodyPr/>
+                    <a:lstStyle/>
+                    <a:p>
+                      <a:pPr algn="l" fontAlgn="base"/>
+                      <a:r>
+                        <a:rPr lang="en-IN" b="0">
+                          <a:effectLst/>
+                        </a:rPr>
+                        <a:t>ORDER_NO</a:t>
+                      </a:r>
+                    </a:p>
+                  </a:txBody>
+                  <a:tcPr anchor="ctr">
+                    <a:lnL>
+                      <a:noFill/>
+                    </a:lnL>
+                    <a:lnR>
+                      <a:noFill/>
+                    </a:lnR>
+                    <a:lnT>
+                      <a:noFill/>
+                    </a:lnT>
+                    <a:lnB>
+                      <a:noFill/>
+                    </a:lnB>
+                  </a:tcPr>
+                </a:tc>
+                <a:tc>
+                  <a:txBody>
+                    <a:bodyPr/>
+                    <a:lstStyle/>
+                    <a:p>
+                      <a:pPr algn="l" fontAlgn="base"/>
+                      <a:r>
+                        <a:rPr lang="en-IN" b="0">
+                          <a:effectLst/>
+                        </a:rPr>
+                        <a:t>C_ID</a:t>
+                      </a:r>
+                    </a:p>
+                  </a:txBody>
+                  <a:tcPr anchor="ctr">
+                    <a:lnL>
+                      <a:noFill/>
+                    </a:lnL>
+                    <a:lnR>
+                      <a:noFill/>
+                    </a:lnR>
+                    <a:lnT>
+                      <a:noFill/>
+                    </a:lnT>
+                    <a:lnB>
+                      <a:noFill/>
+                    </a:lnB>
+                  </a:tcPr>
+                </a:tc>
+              </a:tr>
+              <a:tr h="233204">
+                <a:tc>
+                  <a:txBody>
+                    <a:bodyPr/>
+                    <a:lstStyle/>
+                    <a:p>
+                      <a:pPr algn="l" fontAlgn="base"/>
+                      <a:r>
+                        <a:rPr lang="en-IN" b="0">
+                          <a:effectLst/>
+                        </a:rPr>
+                        <a:t>1</a:t>
+                      </a:r>
+                    </a:p>
+                  </a:txBody>
+                  <a:tcPr anchor="ctr">
+                    <a:lnL>
+                      <a:noFill/>
+                    </a:lnL>
+                    <a:lnR>
+                      <a:noFill/>
+                    </a:lnR>
+                    <a:lnT>
+                      <a:noFill/>
+                    </a:lnT>
+                    <a:lnB>
+                      <a:noFill/>
+                    </a:lnB>
+                  </a:tcPr>
+                </a:tc>
+                <a:tc>
+                  <a:txBody>
+                    <a:bodyPr/>
+                    <a:lstStyle/>
+                    <a:p>
+                      <a:pPr algn="l" fontAlgn="base"/>
+                      <a:r>
+                        <a:rPr lang="en-IN" b="0">
+                          <a:effectLst/>
+                        </a:rPr>
+                        <a:t>2253</a:t>
+                      </a:r>
+                    </a:p>
+                  </a:txBody>
+                  <a:tcPr anchor="ctr">
+                    <a:lnL>
+                      <a:noFill/>
+                    </a:lnL>
+                    <a:lnR>
+                      <a:noFill/>
+                    </a:lnR>
+                    <a:lnT>
+                      <a:noFill/>
+                    </a:lnT>
+                    <a:lnB>
+                      <a:noFill/>
+                    </a:lnB>
+                  </a:tcPr>
+                </a:tc>
+                <a:tc>
+                  <a:txBody>
+                    <a:bodyPr/>
+                    <a:lstStyle/>
+                    <a:p>
+                      <a:pPr algn="l" fontAlgn="base"/>
+                      <a:r>
+                        <a:rPr lang="en-IN" b="0">
+                          <a:effectLst/>
+                        </a:rPr>
+                        <a:t>3</a:t>
+                      </a:r>
+                    </a:p>
+                  </a:txBody>
+                  <a:tcPr anchor="ctr">
+                    <a:lnL>
+                      <a:noFill/>
+                    </a:lnL>
+                    <a:lnR>
+                      <a:noFill/>
+                    </a:lnR>
+                    <a:lnT>
+                      <a:noFill/>
+                    </a:lnT>
+                    <a:lnB>
+                      <a:noFill/>
+                    </a:lnB>
+                  </a:tcPr>
+                </a:tc>
+              </a:tr>
+              <a:tr h="233204">
+                <a:tc>
+                  <a:txBody>
+                    <a:bodyPr/>
+                    <a:lstStyle/>
+                    <a:p>
+                      <a:pPr algn="l" fontAlgn="base"/>
+                      <a:r>
+                        <a:rPr lang="en-IN" b="0">
+                          <a:effectLst/>
+                        </a:rPr>
+                        <a:t>2</a:t>
+                      </a:r>
+                    </a:p>
+                  </a:txBody>
+                  <a:tcPr anchor="ctr">
+                    <a:lnL>
+                      <a:noFill/>
+                    </a:lnL>
+                    <a:lnR>
+                      <a:noFill/>
+                    </a:lnR>
+                    <a:lnT>
+                      <a:noFill/>
+                    </a:lnT>
+                    <a:lnB>
+                      <a:noFill/>
+                    </a:lnB>
+                  </a:tcPr>
+                </a:tc>
+                <a:tc>
+                  <a:txBody>
+                    <a:bodyPr/>
+                    <a:lstStyle/>
+                    <a:p>
+                      <a:pPr algn="l" fontAlgn="base"/>
+                      <a:r>
+                        <a:rPr lang="en-IN" b="0">
+                          <a:effectLst/>
+                        </a:rPr>
+                        <a:t>3325</a:t>
+                      </a:r>
+                    </a:p>
+                  </a:txBody>
+                  <a:tcPr anchor="ctr">
+                    <a:lnL>
+                      <a:noFill/>
+                    </a:lnL>
+                    <a:lnR>
+                      <a:noFill/>
+                    </a:lnR>
+                    <a:lnT>
+                      <a:noFill/>
+                    </a:lnT>
+                    <a:lnB>
+                      <a:noFill/>
+                    </a:lnB>
+                  </a:tcPr>
+                </a:tc>
+                <a:tc>
+                  <a:txBody>
+                    <a:bodyPr/>
+                    <a:lstStyle/>
+                    <a:p>
+                      <a:pPr algn="l" fontAlgn="base"/>
+                      <a:r>
+                        <a:rPr lang="en-IN" b="0">
+                          <a:effectLst/>
+                        </a:rPr>
+                        <a:t>3</a:t>
+                      </a:r>
+                    </a:p>
+                  </a:txBody>
+                  <a:tcPr anchor="ctr">
+                    <a:lnL>
+                      <a:noFill/>
+                    </a:lnL>
+                    <a:lnR>
+                      <a:noFill/>
+                    </a:lnR>
+                    <a:lnT>
+                      <a:noFill/>
+                    </a:lnT>
+                    <a:lnB>
+                      <a:noFill/>
+                    </a:lnB>
+                  </a:tcPr>
+                </a:tc>
+              </a:tr>
+              <a:tr h="233204">
+                <a:tc>
+                  <a:txBody>
+                    <a:bodyPr/>
+                    <a:lstStyle/>
+                    <a:p>
+                      <a:pPr algn="l" fontAlgn="base"/>
+                      <a:r>
+                        <a:rPr lang="en-IN" b="0">
+                          <a:effectLst/>
+                        </a:rPr>
+                        <a:t>3</a:t>
+                      </a:r>
+                    </a:p>
+                  </a:txBody>
+                  <a:tcPr anchor="ctr">
+                    <a:lnL>
+                      <a:noFill/>
+                    </a:lnL>
+                    <a:lnR>
+                      <a:noFill/>
+                    </a:lnR>
+                    <a:lnT>
+                      <a:noFill/>
+                    </a:lnT>
+                    <a:lnB>
+                      <a:noFill/>
+                    </a:lnB>
+                  </a:tcPr>
+                </a:tc>
+                <a:tc>
+                  <a:txBody>
+                    <a:bodyPr/>
+                    <a:lstStyle/>
+                    <a:p>
+                      <a:pPr algn="l" fontAlgn="base"/>
+                      <a:r>
+                        <a:rPr lang="en-IN" b="0">
+                          <a:effectLst/>
+                        </a:rPr>
+                        <a:t>4521</a:t>
+                      </a:r>
+                    </a:p>
+                  </a:txBody>
+                  <a:tcPr anchor="ctr">
+                    <a:lnL>
+                      <a:noFill/>
+                    </a:lnL>
+                    <a:lnR>
+                      <a:noFill/>
+                    </a:lnR>
+                    <a:lnT>
+                      <a:noFill/>
+                    </a:lnT>
+                    <a:lnB>
+                      <a:noFill/>
+                    </a:lnB>
+                  </a:tcPr>
+                </a:tc>
+                <a:tc>
+                  <a:txBody>
+                    <a:bodyPr/>
+                    <a:lstStyle/>
+                    <a:p>
+                      <a:pPr algn="l" fontAlgn="base"/>
+                      <a:r>
+                        <a:rPr lang="en-IN" b="0">
+                          <a:effectLst/>
+                        </a:rPr>
+                        <a:t>2</a:t>
+                      </a:r>
+                    </a:p>
+                  </a:txBody>
+                  <a:tcPr anchor="ctr">
+                    <a:lnL>
+                      <a:noFill/>
+                    </a:lnL>
+                    <a:lnR>
+                      <a:noFill/>
+                    </a:lnR>
+                    <a:lnT>
+                      <a:noFill/>
+                    </a:lnT>
+                    <a:lnB>
+                      <a:noFill/>
+                    </a:lnB>
+                  </a:tcPr>
+                </a:tc>
+              </a:tr>
+              <a:tr h="233204">
+                <a:tc>
+                  <a:txBody>
+                    <a:bodyPr/>
+                    <a:lstStyle/>
+                    <a:p>
+                      <a:pPr algn="l" fontAlgn="base"/>
+                      <a:r>
+                        <a:rPr lang="en-IN" b="0">
+                          <a:effectLst/>
+                        </a:rPr>
+                        <a:t>4</a:t>
+                      </a:r>
+                    </a:p>
+                  </a:txBody>
+                  <a:tcPr anchor="ctr">
+                    <a:lnL>
+                      <a:noFill/>
+                    </a:lnL>
+                    <a:lnR>
+                      <a:noFill/>
+                    </a:lnR>
+                    <a:lnT>
+                      <a:noFill/>
+                    </a:lnT>
+                    <a:lnB>
+                      <a:noFill/>
+                    </a:lnB>
+                  </a:tcPr>
+                </a:tc>
+                <a:tc>
+                  <a:txBody>
+                    <a:bodyPr/>
+                    <a:lstStyle/>
+                    <a:p>
+                      <a:pPr algn="l" fontAlgn="base"/>
+                      <a:r>
+                        <a:rPr lang="en-IN" b="0">
+                          <a:effectLst/>
+                        </a:rPr>
+                        <a:t>8532</a:t>
+                      </a:r>
+                    </a:p>
+                  </a:txBody>
+                  <a:tcPr anchor="ctr">
+                    <a:lnL>
+                      <a:noFill/>
+                    </a:lnL>
+                    <a:lnR>
+                      <a:noFill/>
+                    </a:lnR>
+                    <a:lnT>
+                      <a:noFill/>
+                    </a:lnT>
+                    <a:lnB>
+                      <a:noFill/>
+                    </a:lnB>
+                  </a:tcPr>
+                </a:tc>
+                <a:tc>
+                  <a:txBody>
+                    <a:bodyPr/>
+                    <a:lstStyle/>
+                    <a:p>
+                      <a:pPr algn="l" fontAlgn="base"/>
+                      <a:r>
+                        <a:rPr lang="en-IN" b="0" dirty="0">
+                          <a:effectLst/>
+                        </a:rPr>
+                        <a:t>1</a:t>
+                      </a:r>
+                    </a:p>
+                  </a:txBody>
+                  <a:tcPr anchor="ctr">
+                    <a:lnL>
+                      <a:noFill/>
+                    </a:lnL>
+                    <a:lnR>
+                      <a:noFill/>
+                    </a:lnR>
+                    <a:lnT>
+                      <a:noFill/>
+                    </a:lnT>
+                    <a:lnB>
+                      <a:noFill/>
+                    </a:lnB>
+                  </a:tcPr>
+                </a:tc>
+              </a:tr>
+            </a:tbl>
+          </a:graphicData>
+        </a:graphic>
+      </p:graphicFrame>
+      <p:sp>
+        <p:nvSpPr>
+          <p:cNvPr id="5" name="Rectangle 1"/>
+          <p:cNvSpPr>
+            <a:spLocks noChangeArrowheads="1"/>
+          </p:cNvSpPr>
+          <p:nvPr/>
+        </p:nvSpPr>
+        <p:spPr bwMode="auto">
+          <a:xfrm>
+            <a:off x="1219200" y="3266688"/>
+            <a:ext cx="65" cy="276999"/>
+          </a:xfrm>
+          <a:prstGeom prst="rect">
+            <a:avLst/>
+          </a:prstGeom>
+          <a:solidFill>
+            <a:srgbClr val="FFFFFF"/>
+          </a:solidFill>
+          <a:ln>
+            <a:noFill/>
+          </a:ln>
+          <a:effectLst/>
+          <a:extLst>
+            <a:ext uri="{91240B29-F687-4F45-9708-019B960494DF}">
+              <a14:hiddenLine xmlns:a14="http://schemas.microsoft.com/office/drawing/2010/main" w="9525">
+                <a:solidFill>
+                  <a:schemeClr val="tx1"/>
+                </a:solidFill>
+                <a:miter lim="800000"/>
+                <a:headEnd/>
+                <a:tailEnd/>
+              </a14:hiddenLine>
+            </a:ext>
+            <a:ext uri="{AF507438-7753-43E0-B8FC-AC1667EBCBE1}">
+              <a14:hiddenEffects xmlns:a14="http://schemas.microsoft.com/office/drawing/2010/main">
+                <a:effectLst>
+                  <a:outerShdw dist="35921" dir="2700000" algn="ctr" rotWithShape="0">
+                    <a:schemeClr val="bg2"/>
+                  </a:outerShdw>
+                </a:effectLst>
+              </a14:hiddenEffects>
+            </a:ext>
+          </a:extLst>
+        </p:spPr>
+        <p:txBody>
+          <a:bodyPr vert="horz" wrap="none" lIns="0" tIns="0" rIns="0" bIns="0" numCol="1" anchor="ctr" anchorCtr="0" compatLnSpc="1">
+            <a:prstTxWarp prst="textNoShape">
+              <a:avLst/>
+            </a:prstTxWarp>
+            <a:spAutoFit/>
+          </a:bodyPr>
+          <a:lstStyle/>
+          <a:p>
+            <a:pPr marL="0" marR="0" lvl="0" indent="0" algn="l" defTabSz="914400" rtl="0" eaLnBrk="1" fontAlgn="base" latinLnBrk="0" hangingPunct="1">
+              <a:lnSpc>
+                <a:spcPct val="100000"/>
+              </a:lnSpc>
+              <a:spcBef>
+                <a:spcPct val="0"/>
+              </a:spcBef>
+              <a:spcAft>
+                <a:spcPct val="0"/>
+              </a:spcAft>
+              <a:buClrTx/>
+              <a:buSzTx/>
+              <a:buFontTx/>
+              <a:buNone/>
+              <a:tabLst/>
+            </a:pPr>
+            <a:endParaRPr kumimoji="0" lang="en-US" sz="1800" b="0" i="0" u="none" strike="noStrike" cap="none" normalizeH="0" baseline="0" dirty="0" smtClean="0">
+              <a:ln>
+                <a:noFill/>
+              </a:ln>
+              <a:solidFill>
+                <a:schemeClr val="tx1"/>
+              </a:solidFill>
+              <a:effectLst/>
+              <a:latin typeface="Arial" pitchFamily="34" charset="0"/>
+              <a:cs typeface="Arial" pitchFamily="34" charset="0"/>
+            </a:endParaRPr>
+          </a:p>
+        </p:txBody>
+      </p:sp>
+    </p:spTree>
+    <p:extLst>
+      <p:ext uri="{BB962C8B-B14F-4D97-AF65-F5344CB8AC3E}">
+        <p14:creationId xmlns:p14="http://schemas.microsoft.com/office/powerpoint/2010/main" val="2352191165"/>
+      </p:ext>
+    </p:extLst>
+  </p:cSld>
+  <p:clrMapOvr>
+    <a:masterClrMapping/>
+  </p:clrMapOvr>
+</p:sld>
+</file>
+
+<file path=ppt/slides/slide3.xml><?xml version="1.0" encoding="utf-8"?>
+<p:sld xmlns:a="http://schemas.openxmlformats.org/drawingml/2006/main" xmlns:r="http://schemas.openxmlformats.org/officeDocument/2006/relationships" xmlns:p="http://schemas.openxmlformats.org/presentationml/2006/main">
+  <p:cSld>
+    <p:spTree>
+      <p:nvGrpSpPr>
+        <p:cNvPr id="1" name=""/>
+        <p:cNvGrpSpPr/>
+        <p:nvPr/>
+      </p:nvGrpSpPr>
+      <p:grpSpPr>
+        <a:xfrm>
+          <a:off x="0" y="0"/>
+          <a:ext cx="0" cy="0"/>
+          <a:chOff x="0" y="0"/>
+          <a:chExt cx="0" cy="0"/>
+        </a:xfrm>
+      </p:grpSpPr>
+      <p:sp>
+        <p:nvSpPr>
+          <p:cNvPr id="2" name="Title 1"/>
+          <p:cNvSpPr>
+            <a:spLocks noGrp="1"/>
+          </p:cNvSpPr>
+          <p:nvPr>
+            <p:ph type="title"/>
+          </p:nvPr>
+        </p:nvSpPr>
+        <p:spPr/>
+        <p:txBody>
+          <a:bodyPr>
+            <a:normAutofit/>
+          </a:bodyPr>
+          <a:lstStyle/>
+          <a:p>
+            <a:r>
+              <a:rPr lang="en-IN" sz="1600" dirty="0"/>
+              <a:t>What is field</a:t>
+            </a:r>
+            <a:r>
+              <a:rPr lang="en-IN" sz="1600" b="1" dirty="0"/>
+              <a:t/>
+            </a:r>
+            <a:br>
+              <a:rPr lang="en-IN" sz="1600" b="1" dirty="0"/>
+            </a:br>
+            <a:r>
+              <a:rPr lang="en-IN" sz="1600" dirty="0" err="1"/>
+              <a:t>Field</a:t>
+            </a:r>
+            <a:r>
+              <a:rPr lang="en-IN" sz="1600" dirty="0"/>
+              <a:t> is a smaller entity of the table which contains specific information about every record in the table. In the above example, the field in the student table consist of id, name, age, course.</a:t>
+            </a:r>
+            <a:br>
+              <a:rPr lang="en-IN" sz="1600" dirty="0"/>
+            </a:br>
+            <a:endParaRPr lang="en-IN" sz="1600" dirty="0"/>
+          </a:p>
+        </p:txBody>
+      </p:sp>
+      <p:sp>
+        <p:nvSpPr>
+          <p:cNvPr id="3" name="Content Placeholder 2"/>
+          <p:cNvSpPr>
+            <a:spLocks noGrp="1"/>
+          </p:cNvSpPr>
+          <p:nvPr>
+            <p:ph idx="1"/>
+          </p:nvPr>
+        </p:nvSpPr>
+        <p:spPr/>
+        <p:txBody>
+          <a:bodyPr>
+            <a:normAutofit/>
+          </a:bodyPr>
+          <a:lstStyle/>
+          <a:p>
+            <a:r>
+              <a:rPr lang="en-IN" sz="1600" dirty="0"/>
+              <a:t>What is row or record</a:t>
+            </a:r>
+            <a:endParaRPr lang="en-IN" sz="1600" b="1" dirty="0"/>
+          </a:p>
+          <a:p>
+            <a:r>
+              <a:rPr lang="en-IN" sz="1600" dirty="0"/>
+              <a:t>A row of a table is also called record. It contains the specific information of each individual entry in the table. It is a horizontal entity in the table. For example: The above table contains 5 records.</a:t>
+            </a:r>
+          </a:p>
+          <a:p>
+            <a:r>
+              <a:rPr lang="en-IN" sz="1600" dirty="0"/>
+              <a:t>Let's see one record/row in the table.</a:t>
+            </a:r>
+          </a:p>
+          <a:p>
+            <a:r>
+              <a:rPr lang="en-IN" sz="1600" dirty="0"/>
+              <a:t>What is column</a:t>
+            </a:r>
+            <a:endParaRPr lang="en-IN" sz="1600" b="1" dirty="0"/>
+          </a:p>
+          <a:p>
+            <a:r>
+              <a:rPr lang="en-IN" sz="1600" dirty="0"/>
+              <a:t>A column is a vertical entity in the table which contains all information associated with a specific field in a table. For example: "name" is a column in the above table which contains all information about student's </a:t>
+            </a:r>
+            <a:r>
+              <a:rPr lang="en-IN" sz="1600" dirty="0" smtClean="0"/>
+              <a:t>name</a:t>
+            </a:r>
+          </a:p>
+          <a:p>
+            <a:endParaRPr lang="en-US" sz="1600" dirty="0"/>
+          </a:p>
+          <a:p>
+            <a:r>
+              <a:rPr lang="en-IN" sz="1600" dirty="0"/>
+              <a:t>NULL Values</a:t>
+            </a:r>
+            <a:endParaRPr lang="en-IN" sz="1600" b="1" dirty="0"/>
+          </a:p>
+          <a:p>
+            <a:r>
+              <a:rPr lang="en-IN" sz="1600" dirty="0"/>
+              <a:t>The NULL value of the table specifies that the field has been left blank during record creation. It is totally different from the value filled with zero or a field that contains space.</a:t>
+            </a:r>
+          </a:p>
+          <a:p>
+            <a:endParaRPr lang="en-IN" sz="1600" dirty="0"/>
+          </a:p>
+        </p:txBody>
+      </p:sp>
+    </p:spTree>
+    <p:extLst>
+      <p:ext uri="{BB962C8B-B14F-4D97-AF65-F5344CB8AC3E}">
+        <p14:creationId xmlns:p14="http://schemas.microsoft.com/office/powerpoint/2010/main" val="3944194929"/>
+      </p:ext>
+    </p:extLst>
+  </p:cSld>
+  <p:clrMapOvr>
+    <a:masterClrMapping/>
+  </p:clrMapOvr>
+</p:sld>
+</file>
+
+<file path=ppt/slides/slide30.xml><?xml version="1.0" encoding="utf-8"?>
+<p:sld xmlns:a="http://schemas.openxmlformats.org/drawingml/2006/main" xmlns:r="http://schemas.openxmlformats.org/officeDocument/2006/relationships" xmlns:p="http://schemas.openxmlformats.org/presentationml/2006/main">
+  <p:cSld>
+    <p:spTree>
+      <p:nvGrpSpPr>
+        <p:cNvPr id="1" name=""/>
+        <p:cNvGrpSpPr/>
+        <p:nvPr/>
+      </p:nvGrpSpPr>
+      <p:grpSpPr>
+        <a:xfrm>
+          <a:off x="0" y="0"/>
+          <a:ext cx="0" cy="0"/>
+          <a:chOff x="0" y="0"/>
+          <a:chExt cx="0" cy="0"/>
+        </a:xfrm>
+      </p:grpSpPr>
+      <p:sp>
+        <p:nvSpPr>
+          <p:cNvPr id="2" name="Title 1"/>
+          <p:cNvSpPr>
+            <a:spLocks noGrp="1"/>
+          </p:cNvSpPr>
+          <p:nvPr>
+            <p:ph type="title"/>
+          </p:nvPr>
+        </p:nvSpPr>
+        <p:spPr/>
+        <p:txBody>
+          <a:bodyPr>
+            <a:normAutofit/>
+          </a:bodyPr>
+          <a:lstStyle/>
+          <a:p>
+            <a:endParaRPr lang="en-IN" sz="1600" dirty="0"/>
+          </a:p>
+        </p:txBody>
+      </p:sp>
+      <p:sp>
+        <p:nvSpPr>
+          <p:cNvPr id="3" name="Content Placeholder 2"/>
+          <p:cNvSpPr>
+            <a:spLocks noGrp="1"/>
+          </p:cNvSpPr>
+          <p:nvPr>
+            <p:ph idx="1"/>
+          </p:nvPr>
+        </p:nvSpPr>
+        <p:spPr/>
+        <p:txBody>
+          <a:bodyPr>
+            <a:normAutofit/>
+          </a:bodyPr>
+          <a:lstStyle/>
+          <a:p>
+            <a:r>
+              <a:rPr lang="en-IN" sz="1400" b="1" dirty="0" smtClean="0"/>
+              <a:t>Customers:</a:t>
+            </a:r>
+          </a:p>
+          <a:p>
+            <a:endParaRPr lang="en-US" sz="1400" b="1" dirty="0"/>
+          </a:p>
+          <a:p>
+            <a:endParaRPr lang="en-IN" sz="1400" dirty="0"/>
+          </a:p>
+        </p:txBody>
+      </p:sp>
+      <p:graphicFrame>
+        <p:nvGraphicFramePr>
+          <p:cNvPr id="4" name="Table 3"/>
+          <p:cNvGraphicFramePr>
+            <a:graphicFrameLocks noGrp="1"/>
+          </p:cNvGraphicFramePr>
+          <p:nvPr>
+            <p:extLst>
+              <p:ext uri="{D42A27DB-BD31-4B8C-83A1-F6EECF244321}">
+                <p14:modId xmlns:p14="http://schemas.microsoft.com/office/powerpoint/2010/main" val="3038425409"/>
+              </p:ext>
+            </p:extLst>
+          </p:nvPr>
+        </p:nvGraphicFramePr>
+        <p:xfrm>
+          <a:off x="1066800" y="2057400"/>
+          <a:ext cx="7467600" cy="4800600"/>
+        </p:xfrm>
+        <a:graphic>
+          <a:graphicData uri="http://schemas.openxmlformats.org/drawingml/2006/table">
+            <a:tbl>
+              <a:tblPr/>
+              <a:tblGrid>
+                <a:gridCol w="3446585"/>
+                <a:gridCol w="3446585"/>
+                <a:gridCol w="574430"/>
+              </a:tblGrid>
+              <a:tr h="1257301">
+                <a:tc>
+                  <a:txBody>
+                    <a:bodyPr/>
+                    <a:lstStyle/>
+                    <a:p>
+                      <a:pPr algn="l" fontAlgn="base"/>
+                      <a:r>
+                        <a:rPr lang="en-IN" b="0" dirty="0">
+                          <a:effectLst/>
+                        </a:rPr>
+                        <a:t>C_ID</a:t>
+                      </a:r>
+                    </a:p>
+                  </a:txBody>
+                  <a:tcPr anchor="ctr">
+                    <a:lnL>
+                      <a:noFill/>
+                    </a:lnL>
+                    <a:lnR>
+                      <a:noFill/>
+                    </a:lnR>
+                    <a:lnT>
+                      <a:noFill/>
+                    </a:lnT>
+                    <a:lnB>
+                      <a:noFill/>
+                    </a:lnB>
+                    <a:solidFill>
+                      <a:srgbClr val="FFFFFF"/>
+                    </a:solidFill>
+                  </a:tcPr>
+                </a:tc>
+                <a:tc>
+                  <a:txBody>
+                    <a:bodyPr/>
+                    <a:lstStyle/>
+                    <a:p>
+                      <a:pPr algn="l" fontAlgn="base"/>
+                      <a:r>
+                        <a:rPr lang="en-IN" b="0">
+                          <a:effectLst/>
+                        </a:rPr>
+                        <a:t>NAME</a:t>
+                      </a:r>
+                    </a:p>
+                  </a:txBody>
+                  <a:tcPr anchor="ctr">
+                    <a:lnL>
+                      <a:noFill/>
+                    </a:lnL>
+                    <a:lnR>
+                      <a:noFill/>
+                    </a:lnR>
+                    <a:lnT>
+                      <a:noFill/>
+                    </a:lnT>
+                    <a:lnB>
+                      <a:noFill/>
+                    </a:lnB>
+                    <a:solidFill>
+                      <a:srgbClr val="FFFFFF"/>
+                    </a:solidFill>
+                  </a:tcPr>
+                </a:tc>
+                <a:tc>
+                  <a:txBody>
+                    <a:bodyPr/>
+                    <a:lstStyle/>
+                    <a:p>
+                      <a:pPr algn="l" fontAlgn="base"/>
+                      <a:r>
+                        <a:rPr lang="en-IN" b="0" dirty="0">
+                          <a:effectLst/>
+                        </a:rPr>
+                        <a:t>ADDRESS</a:t>
+                      </a:r>
+                    </a:p>
+                  </a:txBody>
+                  <a:tcPr anchor="ctr">
+                    <a:lnL>
+                      <a:noFill/>
+                    </a:lnL>
+                    <a:lnR>
+                      <a:noFill/>
+                    </a:lnR>
+                    <a:lnT>
+                      <a:noFill/>
+                    </a:lnT>
+                    <a:lnB>
+                      <a:noFill/>
+                    </a:lnB>
+                    <a:solidFill>
+                      <a:srgbClr val="FFFFFF"/>
+                    </a:solidFill>
+                  </a:tcPr>
+                </a:tc>
+              </a:tr>
+              <a:tr h="908538">
+                <a:tc>
+                  <a:txBody>
+                    <a:bodyPr/>
+                    <a:lstStyle/>
+                    <a:p>
+                      <a:pPr algn="l" fontAlgn="base"/>
+                      <a:r>
+                        <a:rPr lang="en-IN" b="0">
+                          <a:effectLst/>
+                        </a:rPr>
+                        <a:t>1</a:t>
+                      </a:r>
+                    </a:p>
+                  </a:txBody>
+                  <a:tcPr anchor="ctr">
+                    <a:lnL>
+                      <a:noFill/>
+                    </a:lnL>
+                    <a:lnR>
+                      <a:noFill/>
+                    </a:lnR>
+                    <a:lnT>
+                      <a:noFill/>
+                    </a:lnT>
+                    <a:lnB>
+                      <a:noFill/>
+                    </a:lnB>
+                    <a:solidFill>
+                      <a:srgbClr val="FFFFFF"/>
+                    </a:solidFill>
+                  </a:tcPr>
+                </a:tc>
+                <a:tc>
+                  <a:txBody>
+                    <a:bodyPr/>
+                    <a:lstStyle/>
+                    <a:p>
+                      <a:pPr algn="l" fontAlgn="base"/>
+                      <a:r>
+                        <a:rPr lang="en-IN" b="0">
+                          <a:effectLst/>
+                        </a:rPr>
+                        <a:t>RAMESH</a:t>
+                      </a:r>
+                    </a:p>
+                  </a:txBody>
+                  <a:tcPr anchor="ctr">
+                    <a:lnL>
+                      <a:noFill/>
+                    </a:lnL>
+                    <a:lnR>
+                      <a:noFill/>
+                    </a:lnR>
+                    <a:lnT>
+                      <a:noFill/>
+                    </a:lnT>
+                    <a:lnB>
+                      <a:noFill/>
+                    </a:lnB>
+                    <a:solidFill>
+                      <a:srgbClr val="FFFFFF"/>
+                    </a:solidFill>
+                  </a:tcPr>
+                </a:tc>
+                <a:tc>
+                  <a:txBody>
+                    <a:bodyPr/>
+                    <a:lstStyle/>
+                    <a:p>
+                      <a:pPr algn="l" fontAlgn="base"/>
+                      <a:r>
+                        <a:rPr lang="en-IN" b="0">
+                          <a:effectLst/>
+                        </a:rPr>
+                        <a:t>DELHI</a:t>
+                      </a:r>
+                    </a:p>
+                  </a:txBody>
+                  <a:tcPr anchor="ctr">
+                    <a:lnL>
+                      <a:noFill/>
+                    </a:lnL>
+                    <a:lnR>
+                      <a:noFill/>
+                    </a:lnR>
+                    <a:lnT>
+                      <a:noFill/>
+                    </a:lnT>
+                    <a:lnB>
+                      <a:noFill/>
+                    </a:lnB>
+                    <a:solidFill>
+                      <a:srgbClr val="FFFFFF"/>
+                    </a:solidFill>
+                  </a:tcPr>
+                </a:tc>
+              </a:tr>
+              <a:tr h="908538">
+                <a:tc>
+                  <a:txBody>
+                    <a:bodyPr/>
+                    <a:lstStyle/>
+                    <a:p>
+                      <a:pPr algn="l" fontAlgn="base"/>
+                      <a:r>
+                        <a:rPr lang="en-IN" b="0">
+                          <a:effectLst/>
+                        </a:rPr>
+                        <a:t>2</a:t>
+                      </a:r>
+                    </a:p>
+                  </a:txBody>
+                  <a:tcPr anchor="ctr">
+                    <a:lnL>
+                      <a:noFill/>
+                    </a:lnL>
+                    <a:lnR>
+                      <a:noFill/>
+                    </a:lnR>
+                    <a:lnT>
+                      <a:noFill/>
+                    </a:lnT>
+                    <a:lnB>
+                      <a:noFill/>
+                    </a:lnB>
+                    <a:solidFill>
+                      <a:srgbClr val="FFFFFF"/>
+                    </a:solidFill>
+                  </a:tcPr>
+                </a:tc>
+                <a:tc>
+                  <a:txBody>
+                    <a:bodyPr/>
+                    <a:lstStyle/>
+                    <a:p>
+                      <a:pPr algn="l" fontAlgn="base"/>
+                      <a:r>
+                        <a:rPr lang="en-IN" b="0">
+                          <a:effectLst/>
+                        </a:rPr>
+                        <a:t>SURESH</a:t>
+                      </a:r>
+                    </a:p>
+                  </a:txBody>
+                  <a:tcPr anchor="ctr">
+                    <a:lnL>
+                      <a:noFill/>
+                    </a:lnL>
+                    <a:lnR>
+                      <a:noFill/>
+                    </a:lnR>
+                    <a:lnT>
+                      <a:noFill/>
+                    </a:lnT>
+                    <a:lnB>
+                      <a:noFill/>
+                    </a:lnB>
+                    <a:solidFill>
+                      <a:srgbClr val="FFFFFF"/>
+                    </a:solidFill>
+                  </a:tcPr>
+                </a:tc>
+                <a:tc>
+                  <a:txBody>
+                    <a:bodyPr/>
+                    <a:lstStyle/>
+                    <a:p>
+                      <a:pPr algn="l" fontAlgn="base"/>
+                      <a:r>
+                        <a:rPr lang="en-IN" b="0">
+                          <a:effectLst/>
+                        </a:rPr>
+                        <a:t>NOIDA</a:t>
+                      </a:r>
+                    </a:p>
+                  </a:txBody>
+                  <a:tcPr anchor="ctr">
+                    <a:lnL>
+                      <a:noFill/>
+                    </a:lnL>
+                    <a:lnR>
+                      <a:noFill/>
+                    </a:lnR>
+                    <a:lnT>
+                      <a:noFill/>
+                    </a:lnT>
+                    <a:lnB>
+                      <a:noFill/>
+                    </a:lnB>
+                    <a:solidFill>
+                      <a:srgbClr val="FFFFFF"/>
+                    </a:solidFill>
+                  </a:tcPr>
+                </a:tc>
+              </a:tr>
+              <a:tr h="1726223">
+                <a:tc>
+                  <a:txBody>
+                    <a:bodyPr/>
+                    <a:lstStyle/>
+                    <a:p>
+                      <a:pPr algn="l" fontAlgn="base"/>
+                      <a:r>
+                        <a:rPr lang="en-IN" b="0">
+                          <a:effectLst/>
+                        </a:rPr>
+                        <a:t>3</a:t>
+                      </a:r>
+                    </a:p>
+                  </a:txBody>
+                  <a:tcPr anchor="ctr">
+                    <a:lnL>
+                      <a:noFill/>
+                    </a:lnL>
+                    <a:lnR>
+                      <a:noFill/>
+                    </a:lnR>
+                    <a:lnT>
+                      <a:noFill/>
+                    </a:lnT>
+                    <a:lnB>
+                      <a:noFill/>
+                    </a:lnB>
+                    <a:solidFill>
+                      <a:srgbClr val="FFFFFF"/>
+                    </a:solidFill>
+                  </a:tcPr>
+                </a:tc>
+                <a:tc>
+                  <a:txBody>
+                    <a:bodyPr/>
+                    <a:lstStyle/>
+                    <a:p>
+                      <a:pPr algn="l" fontAlgn="base"/>
+                      <a:r>
+                        <a:rPr lang="en-IN" b="0">
+                          <a:effectLst/>
+                        </a:rPr>
+                        <a:t>DHARMESH</a:t>
+                      </a:r>
+                    </a:p>
+                  </a:txBody>
+                  <a:tcPr anchor="ctr">
+                    <a:lnL>
+                      <a:noFill/>
+                    </a:lnL>
+                    <a:lnR>
+                      <a:noFill/>
+                    </a:lnR>
+                    <a:lnT>
+                      <a:noFill/>
+                    </a:lnT>
+                    <a:lnB>
+                      <a:noFill/>
+                    </a:lnB>
+                    <a:solidFill>
+                      <a:srgbClr val="FFFFFF"/>
+                    </a:solidFill>
+                  </a:tcPr>
+                </a:tc>
+                <a:tc>
+                  <a:txBody>
+                    <a:bodyPr/>
+                    <a:lstStyle/>
+                    <a:p>
+                      <a:pPr algn="l" fontAlgn="base"/>
+                      <a:r>
+                        <a:rPr lang="en-IN" b="0" dirty="0">
+                          <a:effectLst/>
+                        </a:rPr>
+                        <a:t>GURGAON</a:t>
+                      </a:r>
+                    </a:p>
+                  </a:txBody>
+                  <a:tcPr anchor="ctr">
+                    <a:lnL>
+                      <a:noFill/>
+                    </a:lnL>
+                    <a:lnR>
+                      <a:noFill/>
+                    </a:lnR>
+                    <a:lnT>
+                      <a:noFill/>
+                    </a:lnT>
+                    <a:lnB>
+                      <a:noFill/>
+                    </a:lnB>
+                    <a:solidFill>
+                      <a:srgbClr val="FFFFFF"/>
+                    </a:solidFill>
+                  </a:tcPr>
+                </a:tc>
+              </a:tr>
+            </a:tbl>
+          </a:graphicData>
+        </a:graphic>
+      </p:graphicFrame>
+    </p:spTree>
+    <p:extLst>
+      <p:ext uri="{BB962C8B-B14F-4D97-AF65-F5344CB8AC3E}">
+        <p14:creationId xmlns:p14="http://schemas.microsoft.com/office/powerpoint/2010/main" val="1160500370"/>
+      </p:ext>
+    </p:extLst>
+  </p:cSld>
+  <p:clrMapOvr>
+    <a:masterClrMapping/>
+  </p:clrMapOvr>
+</p:sld>
+</file>
+
+<file path=ppt/slides/slide31.xml><?xml version="1.0" encoding="utf-8"?>
+<p:sld xmlns:a="http://schemas.openxmlformats.org/drawingml/2006/main" xmlns:r="http://schemas.openxmlformats.org/officeDocument/2006/relationships" xmlns:p="http://schemas.openxmlformats.org/presentationml/2006/main">
+  <p:cSld>
+    <p:spTree>
+      <p:nvGrpSpPr>
+        <p:cNvPr id="1" name=""/>
+        <p:cNvGrpSpPr/>
+        <p:nvPr/>
+      </p:nvGrpSpPr>
+      <p:grpSpPr>
+        <a:xfrm>
+          <a:off x="0" y="0"/>
+          <a:ext cx="0" cy="0"/>
+          <a:chOff x="0" y="0"/>
+          <a:chExt cx="0" cy="0"/>
+        </a:xfrm>
+      </p:grpSpPr>
+      <p:sp>
+        <p:nvSpPr>
+          <p:cNvPr id="2" name="Title 1"/>
+          <p:cNvSpPr>
+            <a:spLocks noGrp="1"/>
+          </p:cNvSpPr>
+          <p:nvPr>
+            <p:ph type="title"/>
+          </p:nvPr>
+        </p:nvSpPr>
+        <p:spPr/>
+        <p:txBody>
+          <a:bodyPr/>
+          <a:lstStyle/>
+          <a:p>
+            <a:endParaRPr lang="en-IN"/>
+          </a:p>
+        </p:txBody>
+      </p:sp>
+      <p:sp>
+        <p:nvSpPr>
+          <p:cNvPr id="3" name="Content Placeholder 2"/>
+          <p:cNvSpPr>
+            <a:spLocks noGrp="1"/>
+          </p:cNvSpPr>
+          <p:nvPr>
+            <p:ph idx="1"/>
+          </p:nvPr>
+        </p:nvSpPr>
+        <p:spPr/>
+        <p:txBody>
+          <a:bodyPr>
+            <a:normAutofit/>
+          </a:bodyPr>
+          <a:lstStyle/>
+          <a:p>
+            <a:r>
+              <a:rPr lang="en-US" sz="1800" dirty="0"/>
+              <a:t>CREATE TABLE Orders </a:t>
+            </a:r>
+            <a:r>
+              <a:rPr lang="en-US" sz="1800" dirty="0" smtClean="0"/>
+              <a:t>(</a:t>
+            </a:r>
+          </a:p>
+          <a:p>
+            <a:r>
+              <a:rPr lang="en-US" sz="1800" dirty="0" smtClean="0"/>
+              <a:t> </a:t>
+            </a:r>
+            <a:r>
+              <a:rPr lang="en-US" sz="1800" dirty="0"/>
+              <a:t>O_ID </a:t>
+            </a:r>
+            <a:r>
+              <a:rPr lang="en-US" sz="1800" dirty="0" err="1"/>
+              <a:t>int</a:t>
+            </a:r>
+            <a:r>
+              <a:rPr lang="en-US" sz="1800" dirty="0"/>
+              <a:t> NOT NULL</a:t>
+            </a:r>
+            <a:r>
+              <a:rPr lang="en-US" sz="1800" dirty="0" smtClean="0"/>
+              <a:t>,</a:t>
+            </a:r>
+          </a:p>
+          <a:p>
+            <a:r>
+              <a:rPr lang="en-US" sz="1800" dirty="0" smtClean="0"/>
+              <a:t> </a:t>
+            </a:r>
+            <a:r>
+              <a:rPr lang="en-US" sz="1800" dirty="0"/>
+              <a:t>ORDER_NO </a:t>
+            </a:r>
+            <a:r>
+              <a:rPr lang="en-US" sz="1800" dirty="0" err="1"/>
+              <a:t>int</a:t>
+            </a:r>
+            <a:r>
+              <a:rPr lang="en-US" sz="1800" dirty="0"/>
+              <a:t> NOT NULL, </a:t>
+            </a:r>
+            <a:endParaRPr lang="en-US" sz="1800" dirty="0" smtClean="0"/>
+          </a:p>
+          <a:p>
+            <a:r>
+              <a:rPr lang="en-US" sz="1800" dirty="0" smtClean="0"/>
+              <a:t>C_ID </a:t>
+            </a:r>
+            <a:r>
+              <a:rPr lang="en-US" sz="1800" dirty="0" err="1"/>
+              <a:t>int</a:t>
+            </a:r>
+            <a:r>
+              <a:rPr lang="en-US" sz="1800" dirty="0" smtClean="0"/>
+              <a:t>,</a:t>
+            </a:r>
+          </a:p>
+          <a:p>
+            <a:r>
+              <a:rPr lang="en-US" sz="1800" dirty="0" smtClean="0"/>
+              <a:t> </a:t>
+            </a:r>
+            <a:r>
+              <a:rPr lang="en-US" sz="1800" dirty="0"/>
+              <a:t>PRIMARY KEY (O_ID</a:t>
+            </a:r>
+            <a:r>
+              <a:rPr lang="en-US" sz="1800" dirty="0" smtClean="0"/>
+              <a:t>),</a:t>
+            </a:r>
+          </a:p>
+          <a:p>
+            <a:r>
+              <a:rPr lang="en-US" sz="1800" dirty="0" smtClean="0"/>
+              <a:t> </a:t>
+            </a:r>
+            <a:r>
+              <a:rPr lang="en-US" sz="1800" dirty="0"/>
+              <a:t>FOREIGN KEY (C_ID) REFERENCES Customers(C_ID) )</a:t>
+            </a:r>
+            <a:endParaRPr lang="en-IN" sz="1800" dirty="0"/>
+          </a:p>
+        </p:txBody>
+      </p:sp>
+    </p:spTree>
+    <p:extLst>
+      <p:ext uri="{BB962C8B-B14F-4D97-AF65-F5344CB8AC3E}">
+        <p14:creationId xmlns:p14="http://schemas.microsoft.com/office/powerpoint/2010/main" val="344706137"/>
+      </p:ext>
+    </p:extLst>
+  </p:cSld>
+  <p:clrMapOvr>
+    <a:masterClrMapping/>
+  </p:clrMapOvr>
+</p:sld>
+</file>
+
+<file path=ppt/slides/slide32.xml><?xml version="1.0" encoding="utf-8"?>
+<p:sld xmlns:a="http://schemas.openxmlformats.org/drawingml/2006/main" xmlns:r="http://schemas.openxmlformats.org/officeDocument/2006/relationships" xmlns:p="http://schemas.openxmlformats.org/presentationml/2006/main">
+  <p:cSld>
+    <p:spTree>
+      <p:nvGrpSpPr>
+        <p:cNvPr id="1" name=""/>
+        <p:cNvGrpSpPr/>
+        <p:nvPr/>
+      </p:nvGrpSpPr>
+      <p:grpSpPr>
+        <a:xfrm>
+          <a:off x="0" y="0"/>
+          <a:ext cx="0" cy="0"/>
+          <a:chOff x="0" y="0"/>
+          <a:chExt cx="0" cy="0"/>
+        </a:xfrm>
+      </p:grpSpPr>
+      <p:sp>
+        <p:nvSpPr>
+          <p:cNvPr id="2" name="Title 1"/>
+          <p:cNvSpPr>
+            <a:spLocks noGrp="1"/>
+          </p:cNvSpPr>
+          <p:nvPr>
+            <p:ph type="title"/>
+          </p:nvPr>
+        </p:nvSpPr>
+        <p:spPr/>
+        <p:txBody>
+          <a:bodyPr>
+            <a:normAutofit/>
+          </a:bodyPr>
+          <a:lstStyle/>
+          <a:p>
+            <a:endParaRPr lang="en-IN" sz="1600" dirty="0"/>
+          </a:p>
+        </p:txBody>
+      </p:sp>
+      <p:sp>
+        <p:nvSpPr>
+          <p:cNvPr id="3" name="Content Placeholder 2"/>
+          <p:cNvSpPr>
+            <a:spLocks noGrp="1"/>
+          </p:cNvSpPr>
+          <p:nvPr>
+            <p:ph idx="1"/>
+          </p:nvPr>
+        </p:nvSpPr>
+        <p:spPr/>
+        <p:txBody>
+          <a:bodyPr>
+            <a:normAutofit/>
+          </a:bodyPr>
+          <a:lstStyle/>
+          <a:p>
+            <a:r>
+              <a:rPr lang="en-US" sz="1600" dirty="0" smtClean="0"/>
+              <a:t>Check:</a:t>
+            </a:r>
+          </a:p>
+          <a:p>
+            <a:r>
+              <a:rPr lang="en-US" sz="1600" dirty="0" smtClean="0"/>
+              <a:t>CREATE </a:t>
+            </a:r>
+            <a:r>
+              <a:rPr lang="en-US" sz="1600" dirty="0"/>
+              <a:t>TABLE Student </a:t>
+            </a:r>
+            <a:r>
+              <a:rPr lang="en-US" sz="1600" dirty="0" smtClean="0"/>
+              <a:t>(</a:t>
+            </a:r>
+          </a:p>
+          <a:p>
+            <a:r>
+              <a:rPr lang="en-US" sz="1600" dirty="0" smtClean="0"/>
+              <a:t> </a:t>
+            </a:r>
+            <a:r>
+              <a:rPr lang="en-US" sz="1600" dirty="0"/>
+              <a:t>ID </a:t>
+            </a:r>
+            <a:r>
+              <a:rPr lang="en-US" sz="1600" dirty="0" err="1"/>
+              <a:t>int</a:t>
+            </a:r>
+            <a:r>
+              <a:rPr lang="en-US" sz="1600" dirty="0"/>
+              <a:t>(6) NOT NULL</a:t>
+            </a:r>
+            <a:r>
+              <a:rPr lang="en-US" sz="1600" dirty="0" smtClean="0"/>
+              <a:t>,</a:t>
+            </a:r>
+          </a:p>
+          <a:p>
+            <a:r>
+              <a:rPr lang="en-US" sz="1600" dirty="0" smtClean="0"/>
+              <a:t> </a:t>
+            </a:r>
+            <a:r>
+              <a:rPr lang="en-US" sz="1600" dirty="0"/>
+              <a:t>NAME </a:t>
+            </a:r>
+            <a:r>
+              <a:rPr lang="en-US" sz="1600" dirty="0" err="1"/>
+              <a:t>varchar</a:t>
+            </a:r>
+            <a:r>
+              <a:rPr lang="en-US" sz="1600" dirty="0"/>
+              <a:t>(10) NOT NULL, </a:t>
+            </a:r>
+            <a:endParaRPr lang="en-US" sz="1600" dirty="0" smtClean="0"/>
+          </a:p>
+          <a:p>
+            <a:r>
+              <a:rPr lang="en-US" sz="1600" dirty="0" smtClean="0"/>
+              <a:t>AGE </a:t>
+            </a:r>
+            <a:r>
+              <a:rPr lang="en-US" sz="1600" dirty="0" err="1"/>
+              <a:t>int</a:t>
+            </a:r>
+            <a:r>
+              <a:rPr lang="en-US" sz="1600" dirty="0"/>
+              <a:t> NOT NULL CHECK (AGE &gt;= 18) </a:t>
+            </a:r>
+            <a:r>
+              <a:rPr lang="en-US" sz="1600" dirty="0" smtClean="0"/>
+              <a:t>);</a:t>
+            </a:r>
+          </a:p>
+          <a:p>
+            <a:endParaRPr lang="en-US" sz="1600" dirty="0"/>
+          </a:p>
+          <a:p>
+            <a:endParaRPr lang="en-US" sz="1600" dirty="0" smtClean="0"/>
+          </a:p>
+          <a:p>
+            <a:r>
+              <a:rPr lang="en-US" sz="1600" dirty="0" smtClean="0"/>
+              <a:t>Default:</a:t>
+            </a:r>
+          </a:p>
+          <a:p>
+            <a:r>
+              <a:rPr lang="en-US" sz="1600" dirty="0"/>
+              <a:t>CREATE TABLE Student ( </a:t>
+            </a:r>
+            <a:endParaRPr lang="en-US" sz="1600" dirty="0" smtClean="0"/>
+          </a:p>
+          <a:p>
+            <a:r>
+              <a:rPr lang="en-US" sz="1600" dirty="0" smtClean="0"/>
+              <a:t>ID </a:t>
+            </a:r>
+            <a:r>
+              <a:rPr lang="en-US" sz="1600" dirty="0" err="1"/>
+              <a:t>int</a:t>
+            </a:r>
+            <a:r>
+              <a:rPr lang="en-US" sz="1600" dirty="0"/>
+              <a:t>(6) NOT NULL</a:t>
+            </a:r>
+            <a:r>
+              <a:rPr lang="en-US" sz="1600" dirty="0" smtClean="0"/>
+              <a:t>,</a:t>
+            </a:r>
+          </a:p>
+          <a:p>
+            <a:r>
+              <a:rPr lang="en-US" sz="1600" dirty="0" smtClean="0"/>
+              <a:t> </a:t>
+            </a:r>
+            <a:r>
+              <a:rPr lang="en-US" sz="1600" dirty="0"/>
+              <a:t>NAME </a:t>
+            </a:r>
+            <a:r>
+              <a:rPr lang="en-US" sz="1600" dirty="0" err="1"/>
+              <a:t>varchar</a:t>
+            </a:r>
+            <a:r>
+              <a:rPr lang="en-US" sz="1600" dirty="0"/>
+              <a:t>(10) NOT NULL, </a:t>
+            </a:r>
+            <a:endParaRPr lang="en-US" sz="1600" dirty="0" smtClean="0"/>
+          </a:p>
+          <a:p>
+            <a:r>
+              <a:rPr lang="en-US" sz="1600" dirty="0" smtClean="0"/>
+              <a:t>AGE </a:t>
+            </a:r>
+            <a:r>
+              <a:rPr lang="en-US" sz="1600" dirty="0" err="1"/>
+              <a:t>int</a:t>
+            </a:r>
+            <a:r>
+              <a:rPr lang="en-US" sz="1600" dirty="0"/>
+              <a:t> DEFAULT 18 );</a:t>
+            </a:r>
+            <a:endParaRPr lang="en-IN" sz="1600" dirty="0"/>
+          </a:p>
+        </p:txBody>
+      </p:sp>
+    </p:spTree>
+    <p:extLst>
+      <p:ext uri="{BB962C8B-B14F-4D97-AF65-F5344CB8AC3E}">
+        <p14:creationId xmlns:p14="http://schemas.microsoft.com/office/powerpoint/2010/main" val="1621116581"/>
+      </p:ext>
+    </p:extLst>
+  </p:cSld>
+  <p:clrMapOvr>
+    <a:masterClrMapping/>
+  </p:clrMapOvr>
+</p:sld>
+</file>
+
+<file path=ppt/slides/slide33.xml><?xml version="1.0" encoding="utf-8"?>
+<p:sld xmlns:a="http://schemas.openxmlformats.org/drawingml/2006/main" xmlns:r="http://schemas.openxmlformats.org/officeDocument/2006/relationships" xmlns:p="http://schemas.openxmlformats.org/presentationml/2006/main">
+  <p:cSld>
+    <p:spTree>
+      <p:nvGrpSpPr>
+        <p:cNvPr id="1" name=""/>
+        <p:cNvGrpSpPr/>
+        <p:nvPr/>
+      </p:nvGrpSpPr>
+      <p:grpSpPr>
+        <a:xfrm>
+          <a:off x="0" y="0"/>
+          <a:ext cx="0" cy="0"/>
+          <a:chOff x="0" y="0"/>
+          <a:chExt cx="0" cy="0"/>
+        </a:xfrm>
+      </p:grpSpPr>
+      <p:sp>
+        <p:nvSpPr>
+          <p:cNvPr id="2" name="Title 1"/>
+          <p:cNvSpPr>
+            <a:spLocks noGrp="1"/>
+          </p:cNvSpPr>
+          <p:nvPr>
+            <p:ph type="title"/>
+          </p:nvPr>
+        </p:nvSpPr>
+        <p:spPr/>
+        <p:txBody>
+          <a:bodyPr>
+            <a:normAutofit/>
+          </a:bodyPr>
+          <a:lstStyle/>
+          <a:p>
+            <a:r>
+              <a:rPr lang="en-IN" sz="2400" dirty="0"/>
+              <a:t>SQL INDEX</a:t>
+            </a:r>
+            <a:br>
+              <a:rPr lang="en-IN" sz="2400" dirty="0"/>
+            </a:br>
+            <a:endParaRPr lang="en-IN" sz="2400" dirty="0"/>
+          </a:p>
+        </p:txBody>
+      </p:sp>
+      <p:sp>
+        <p:nvSpPr>
+          <p:cNvPr id="3" name="Content Placeholder 2"/>
+          <p:cNvSpPr>
+            <a:spLocks noGrp="1"/>
+          </p:cNvSpPr>
+          <p:nvPr>
+            <p:ph idx="1"/>
+          </p:nvPr>
+        </p:nvSpPr>
+        <p:spPr/>
+        <p:txBody>
+          <a:bodyPr>
+            <a:normAutofit/>
+          </a:bodyPr>
+          <a:lstStyle/>
+          <a:p>
+            <a:r>
+              <a:rPr lang="en-US" sz="1600" dirty="0"/>
+              <a:t>The Index in SQL is a special table used to speed up the searching of the data in the database tables. It also retrieves a vast amount of data from the tables frequently. The INDEX requires its own space in the hard disk.</a:t>
+            </a:r>
+          </a:p>
+          <a:p>
+            <a:r>
+              <a:rPr lang="en-US" sz="1600" dirty="0"/>
+              <a:t>The index concept in SQL is same as the index concept in the novel or a book.</a:t>
+            </a:r>
+          </a:p>
+          <a:p>
+            <a:r>
+              <a:rPr lang="en-US" sz="1600" dirty="0"/>
+              <a:t>It is the best SQL technique for improving the performance of queries. The drawback of using indexes is that they slow down the execution time of UPDATE and INSERT statements. But they have one advantage also as they speed up the execution time of SELECT and WHERE statements.</a:t>
+            </a:r>
+          </a:p>
+          <a:p>
+            <a:r>
+              <a:rPr lang="en-US" sz="1600" dirty="0"/>
+              <a:t>In SQL, an Index is created on the fields of the tables. We can easily build one or more indexes on a table. The creation and deletion of the Index do not affect the data of the database.</a:t>
+            </a:r>
+          </a:p>
+          <a:p>
+            <a:endParaRPr lang="en-IN" sz="1200" dirty="0"/>
+          </a:p>
+        </p:txBody>
+      </p:sp>
+    </p:spTree>
+    <p:extLst>
+      <p:ext uri="{BB962C8B-B14F-4D97-AF65-F5344CB8AC3E}">
+        <p14:creationId xmlns:p14="http://schemas.microsoft.com/office/powerpoint/2010/main" val="4069862360"/>
+      </p:ext>
+    </p:extLst>
+  </p:cSld>
+  <p:clrMapOvr>
+    <a:masterClrMapping/>
+  </p:clrMapOvr>
+</p:sld>
+</file>
+
+<file path=ppt/slides/slide34.xml><?xml version="1.0" encoding="utf-8"?>
+<p:sld xmlns:a="http://schemas.openxmlformats.org/drawingml/2006/main" xmlns:r="http://schemas.openxmlformats.org/officeDocument/2006/relationships" xmlns:p="http://schemas.openxmlformats.org/presentationml/2006/main">
+  <p:cSld>
+    <p:spTree>
+      <p:nvGrpSpPr>
+        <p:cNvPr id="1" name=""/>
+        <p:cNvGrpSpPr/>
+        <p:nvPr/>
+      </p:nvGrpSpPr>
+      <p:grpSpPr>
+        <a:xfrm>
+          <a:off x="0" y="0"/>
+          <a:ext cx="0" cy="0"/>
+          <a:chOff x="0" y="0"/>
+          <a:chExt cx="0" cy="0"/>
+        </a:xfrm>
+      </p:grpSpPr>
+      <p:sp>
+        <p:nvSpPr>
+          <p:cNvPr id="2" name="Title 1"/>
+          <p:cNvSpPr>
+            <a:spLocks noGrp="1"/>
+          </p:cNvSpPr>
+          <p:nvPr>
+            <p:ph type="title"/>
+          </p:nvPr>
+        </p:nvSpPr>
+        <p:spPr/>
+        <p:txBody>
+          <a:bodyPr/>
+          <a:lstStyle/>
+          <a:p>
+            <a:endParaRPr lang="en-IN"/>
+          </a:p>
+        </p:txBody>
+      </p:sp>
+      <p:sp>
+        <p:nvSpPr>
+          <p:cNvPr id="3" name="Content Placeholder 2"/>
+          <p:cNvSpPr>
+            <a:spLocks noGrp="1"/>
+          </p:cNvSpPr>
+          <p:nvPr>
+            <p:ph idx="1"/>
+          </p:nvPr>
+        </p:nvSpPr>
+        <p:spPr/>
+        <p:txBody>
+          <a:bodyPr>
+            <a:normAutofit/>
+          </a:bodyPr>
+          <a:lstStyle/>
+          <a:p>
+            <a:r>
+              <a:rPr lang="en-US" sz="2800" dirty="0"/>
+              <a:t>Why SQL Index?</a:t>
+            </a:r>
+          </a:p>
+          <a:p>
+            <a:r>
+              <a:rPr lang="en-US" sz="1600" dirty="0"/>
+              <a:t>The following reasons tell why Index is necessary in SQL:</a:t>
+            </a:r>
+          </a:p>
+          <a:p>
+            <a:r>
+              <a:rPr lang="en-US" sz="1600" dirty="0"/>
+              <a:t>SQL Indexes can search the information of the large database quickly.</a:t>
+            </a:r>
+          </a:p>
+          <a:p>
+            <a:r>
+              <a:rPr lang="en-US" sz="1600" dirty="0"/>
+              <a:t>This concept is a quick process for those columns, including different values.</a:t>
+            </a:r>
+          </a:p>
+          <a:p>
+            <a:r>
+              <a:rPr lang="en-US" sz="1600" dirty="0"/>
+              <a:t>This data structure sorts the data values of columns (fields) either in ascending or descending order. And then, it assigns the entry for each value.</a:t>
+            </a:r>
+          </a:p>
+          <a:p>
+            <a:r>
+              <a:rPr lang="en-US" sz="1600" dirty="0"/>
+              <a:t>Each Index table contains only two columns. The first column is </a:t>
+            </a:r>
+            <a:r>
+              <a:rPr lang="en-US" sz="1600" dirty="0" err="1"/>
+              <a:t>row_id</a:t>
+            </a:r>
+            <a:r>
+              <a:rPr lang="en-US" sz="1600" dirty="0"/>
+              <a:t>, and the other is indexed-column.</a:t>
+            </a:r>
+          </a:p>
+          <a:p>
+            <a:r>
+              <a:rPr lang="en-US" sz="1600" dirty="0"/>
+              <a:t>When indexes are used with smaller tables, the performance of the index may not be recognized.</a:t>
+            </a:r>
+          </a:p>
+          <a:p>
+            <a:endParaRPr lang="en-IN" sz="1600" dirty="0"/>
+          </a:p>
+        </p:txBody>
+      </p:sp>
+    </p:spTree>
+    <p:extLst>
+      <p:ext uri="{BB962C8B-B14F-4D97-AF65-F5344CB8AC3E}">
+        <p14:creationId xmlns:p14="http://schemas.microsoft.com/office/powerpoint/2010/main" val="881774071"/>
+      </p:ext>
+    </p:extLst>
+  </p:cSld>
+  <p:clrMapOvr>
+    <a:masterClrMapping/>
+  </p:clrMapOvr>
+</p:sld>
+</file>
+
+<file path=ppt/slides/slide35.xml><?xml version="1.0" encoding="utf-8"?>
+<p:sld xmlns:a="http://schemas.openxmlformats.org/drawingml/2006/main" xmlns:r="http://schemas.openxmlformats.org/officeDocument/2006/relationships" xmlns:p="http://schemas.openxmlformats.org/presentationml/2006/main">
+  <p:cSld>
+    <p:spTree>
+      <p:nvGrpSpPr>
+        <p:cNvPr id="1" name=""/>
+        <p:cNvGrpSpPr/>
+        <p:nvPr/>
+      </p:nvGrpSpPr>
+      <p:grpSpPr>
+        <a:xfrm>
+          <a:off x="0" y="0"/>
+          <a:ext cx="0" cy="0"/>
+          <a:chOff x="0" y="0"/>
+          <a:chExt cx="0" cy="0"/>
+        </a:xfrm>
+      </p:grpSpPr>
+      <p:sp>
+        <p:nvSpPr>
+          <p:cNvPr id="2" name="Title 1"/>
+          <p:cNvSpPr>
+            <a:spLocks noGrp="1"/>
+          </p:cNvSpPr>
+          <p:nvPr>
+            <p:ph type="title"/>
+          </p:nvPr>
+        </p:nvSpPr>
+        <p:spPr/>
+        <p:txBody>
+          <a:bodyPr/>
+          <a:lstStyle/>
+          <a:p>
+            <a:endParaRPr lang="en-IN"/>
+          </a:p>
+        </p:txBody>
+      </p:sp>
+      <p:sp>
+        <p:nvSpPr>
+          <p:cNvPr id="3" name="Content Placeholder 2"/>
+          <p:cNvSpPr>
+            <a:spLocks noGrp="1"/>
+          </p:cNvSpPr>
+          <p:nvPr>
+            <p:ph idx="1"/>
+          </p:nvPr>
+        </p:nvSpPr>
+        <p:spPr/>
+        <p:txBody>
+          <a:bodyPr>
+            <a:normAutofit/>
+          </a:bodyPr>
+          <a:lstStyle/>
+          <a:p>
+            <a:r>
+              <a:rPr lang="en-US" sz="2800" dirty="0"/>
+              <a:t>Create an INDEX</a:t>
+            </a:r>
+          </a:p>
+          <a:p>
+            <a:r>
+              <a:rPr lang="en-US" sz="1600" dirty="0"/>
+              <a:t>In SQL, we can easily create the Index using the following CREATE Statement</a:t>
+            </a:r>
+            <a:r>
+              <a:rPr lang="en-US" sz="1600" dirty="0" smtClean="0"/>
+              <a:t>:</a:t>
+            </a:r>
+          </a:p>
+          <a:p>
+            <a:r>
+              <a:rPr lang="en-US" sz="1600" dirty="0" smtClean="0"/>
+              <a:t>Syntax:</a:t>
+            </a:r>
+            <a:endParaRPr lang="en-US" sz="1600" dirty="0"/>
+          </a:p>
+          <a:p>
+            <a:r>
+              <a:rPr lang="en-US" sz="1600" b="1" dirty="0"/>
+              <a:t>CREATE</a:t>
+            </a:r>
+            <a:r>
+              <a:rPr lang="en-US" sz="1600" dirty="0"/>
+              <a:t> </a:t>
+            </a:r>
+            <a:r>
+              <a:rPr lang="en-US" sz="1600" b="1" dirty="0"/>
+              <a:t>INDEX</a:t>
+            </a:r>
+            <a:r>
+              <a:rPr lang="en-US" sz="1600" dirty="0"/>
+              <a:t> </a:t>
+            </a:r>
+            <a:r>
+              <a:rPr lang="en-US" sz="1600" dirty="0" err="1"/>
+              <a:t>Index_Name</a:t>
+            </a:r>
+            <a:r>
+              <a:rPr lang="en-US" sz="1600" dirty="0"/>
+              <a:t> </a:t>
+            </a:r>
+            <a:r>
+              <a:rPr lang="en-US" sz="1600" b="1" dirty="0"/>
+              <a:t>ON</a:t>
+            </a:r>
+            <a:r>
+              <a:rPr lang="en-US" sz="1600" dirty="0"/>
+              <a:t> </a:t>
+            </a:r>
+            <a:r>
+              <a:rPr lang="en-US" sz="1600" dirty="0" err="1"/>
+              <a:t>Table_Name</a:t>
+            </a:r>
+            <a:r>
+              <a:rPr lang="en-US" sz="1600" dirty="0"/>
+              <a:t> ( </a:t>
+            </a:r>
+            <a:r>
+              <a:rPr lang="en-US" sz="1600" dirty="0" err="1"/>
+              <a:t>Column_Name</a:t>
+            </a:r>
+            <a:r>
+              <a:rPr lang="en-US" sz="1600" dirty="0"/>
+              <a:t>);  </a:t>
+            </a:r>
+            <a:endParaRPr lang="en-US" sz="1600" dirty="0" smtClean="0"/>
+          </a:p>
+          <a:p>
+            <a:endParaRPr lang="en-US" sz="1600" dirty="0"/>
+          </a:p>
+          <a:p>
+            <a:r>
+              <a:rPr lang="en-US" sz="1600" dirty="0"/>
+              <a:t>Here, </a:t>
+            </a:r>
+            <a:r>
+              <a:rPr lang="en-US" sz="1600" b="1" dirty="0" err="1"/>
+              <a:t>Index_Name</a:t>
+            </a:r>
+            <a:r>
+              <a:rPr lang="en-US" sz="1600" dirty="0"/>
+              <a:t> is the name of that index that we want to create, and </a:t>
+            </a:r>
+            <a:r>
+              <a:rPr lang="en-US" sz="1600" b="1" dirty="0" err="1"/>
+              <a:t>Table_Name</a:t>
+            </a:r>
+            <a:r>
+              <a:rPr lang="en-US" sz="1600" dirty="0"/>
+              <a:t> is the name of the table on which the index is to be created. The </a:t>
+            </a:r>
+            <a:r>
+              <a:rPr lang="en-US" sz="1600" b="1" dirty="0" err="1"/>
+              <a:t>Column_Name</a:t>
+            </a:r>
+            <a:r>
+              <a:rPr lang="en-US" sz="1600" dirty="0"/>
+              <a:t> represents the name of the column on which index is to be applied.</a:t>
+            </a:r>
+          </a:p>
+          <a:p>
+            <a:r>
+              <a:rPr lang="en-US" sz="1600" dirty="0"/>
+              <a:t>If we want to create an index on the combination of two or more columns, then the following syntax can be used in SQL</a:t>
+            </a:r>
+            <a:r>
+              <a:rPr lang="en-US" sz="1600" dirty="0" smtClean="0"/>
+              <a:t>:</a:t>
+            </a:r>
+          </a:p>
+          <a:p>
+            <a:endParaRPr lang="en-US" sz="1600" dirty="0"/>
+          </a:p>
+          <a:p>
+            <a:r>
+              <a:rPr lang="en-US" sz="1600" b="1" dirty="0"/>
+              <a:t>CREATE</a:t>
+            </a:r>
+            <a:r>
+              <a:rPr lang="en-US" sz="1600" dirty="0"/>
+              <a:t> </a:t>
+            </a:r>
+            <a:r>
+              <a:rPr lang="en-US" sz="1600" b="1" dirty="0"/>
+              <a:t>INDEX</a:t>
+            </a:r>
+            <a:r>
+              <a:rPr lang="en-US" sz="1600" dirty="0"/>
+              <a:t> </a:t>
+            </a:r>
+            <a:r>
+              <a:rPr lang="en-US" sz="1600" dirty="0" err="1"/>
+              <a:t>Index_Name</a:t>
+            </a:r>
+            <a:r>
+              <a:rPr lang="en-US" sz="1600" dirty="0"/>
+              <a:t> </a:t>
+            </a:r>
+            <a:r>
+              <a:rPr lang="en-US" sz="1600" b="1" dirty="0"/>
+              <a:t>ON</a:t>
+            </a:r>
+            <a:r>
+              <a:rPr lang="en-US" sz="1600" dirty="0"/>
+              <a:t> </a:t>
+            </a:r>
+            <a:r>
+              <a:rPr lang="en-US" sz="1600" dirty="0" err="1"/>
+              <a:t>Table_Name</a:t>
+            </a:r>
+            <a:r>
+              <a:rPr lang="en-US" sz="1600" dirty="0"/>
+              <a:t> ( column_name1, column_name2, ...., </a:t>
+            </a:r>
+            <a:r>
+              <a:rPr lang="en-US" sz="1600" dirty="0" err="1"/>
+              <a:t>column_nameN</a:t>
+            </a:r>
+            <a:r>
+              <a:rPr lang="en-US" sz="1600" dirty="0"/>
+              <a:t>);  </a:t>
+            </a:r>
+          </a:p>
+          <a:p>
+            <a:endParaRPr lang="en-IN" sz="1600" dirty="0"/>
+          </a:p>
+        </p:txBody>
+      </p:sp>
+    </p:spTree>
+    <p:extLst>
+      <p:ext uri="{BB962C8B-B14F-4D97-AF65-F5344CB8AC3E}">
+        <p14:creationId xmlns:p14="http://schemas.microsoft.com/office/powerpoint/2010/main" val="27924746"/>
+      </p:ext>
+    </p:extLst>
+  </p:cSld>
+  <p:clrMapOvr>
+    <a:masterClrMapping/>
+  </p:clrMapOvr>
+</p:sld>
+</file>
+
+<file path=ppt/slides/slide36.xml><?xml version="1.0" encoding="utf-8"?>
+<p:sld xmlns:a="http://schemas.openxmlformats.org/drawingml/2006/main" xmlns:r="http://schemas.openxmlformats.org/officeDocument/2006/relationships" xmlns:p="http://schemas.openxmlformats.org/presentationml/2006/main">
+  <p:cSld>
+    <p:spTree>
+      <p:nvGrpSpPr>
+        <p:cNvPr id="1" name=""/>
+        <p:cNvGrpSpPr/>
+        <p:nvPr/>
+      </p:nvGrpSpPr>
+      <p:grpSpPr>
+        <a:xfrm>
+          <a:off x="0" y="0"/>
+          <a:ext cx="0" cy="0"/>
+          <a:chOff x="0" y="0"/>
+          <a:chExt cx="0" cy="0"/>
+        </a:xfrm>
+      </p:grpSpPr>
+      <p:sp>
+        <p:nvSpPr>
+          <p:cNvPr id="2" name="Title 1"/>
+          <p:cNvSpPr>
+            <a:spLocks noGrp="1"/>
+          </p:cNvSpPr>
+          <p:nvPr>
+            <p:ph type="title"/>
+          </p:nvPr>
+        </p:nvSpPr>
+        <p:spPr/>
+        <p:txBody>
+          <a:bodyPr/>
+          <a:lstStyle/>
+          <a:p>
+            <a:endParaRPr lang="en-IN"/>
+          </a:p>
+        </p:txBody>
+      </p:sp>
+      <p:sp>
+        <p:nvSpPr>
+          <p:cNvPr id="3" name="Content Placeholder 2"/>
+          <p:cNvSpPr>
+            <a:spLocks noGrp="1"/>
+          </p:cNvSpPr>
+          <p:nvPr>
+            <p:ph idx="1"/>
+          </p:nvPr>
+        </p:nvSpPr>
+        <p:spPr/>
+        <p:txBody>
+          <a:bodyPr>
+            <a:normAutofit/>
+          </a:bodyPr>
+          <a:lstStyle/>
+          <a:p>
+            <a:r>
+              <a:rPr lang="en-US" sz="1600" b="1" dirty="0"/>
+              <a:t>Example for creating an Index in SQL:</a:t>
+            </a:r>
+            <a:endParaRPr lang="en-US" sz="1600" dirty="0"/>
+          </a:p>
+          <a:p>
+            <a:r>
+              <a:rPr lang="en-US" sz="1600" dirty="0"/>
+              <a:t>Let's take an Employee table:</a:t>
+            </a:r>
+          </a:p>
+          <a:p>
+            <a:pPr marL="0" indent="0">
+              <a:buNone/>
+            </a:pPr>
+            <a:endParaRPr lang="en-IN" sz="1600" dirty="0"/>
+          </a:p>
+        </p:txBody>
+      </p:sp>
+      <p:graphicFrame>
+        <p:nvGraphicFramePr>
+          <p:cNvPr id="4" name="Table 3"/>
+          <p:cNvGraphicFramePr>
+            <a:graphicFrameLocks noGrp="1"/>
+          </p:cNvGraphicFramePr>
+          <p:nvPr/>
+        </p:nvGraphicFramePr>
+        <p:xfrm>
+          <a:off x="1048045" y="2758281"/>
+          <a:ext cx="7047910" cy="2209800"/>
+        </p:xfrm>
+        <a:graphic>
+          <a:graphicData uri="http://schemas.openxmlformats.org/drawingml/2006/table">
+            <a:tbl>
+              <a:tblPr/>
+              <a:tblGrid>
+                <a:gridCol w="1409582"/>
+                <a:gridCol w="1409582"/>
+                <a:gridCol w="1409582"/>
+                <a:gridCol w="1409582"/>
+                <a:gridCol w="1409582"/>
+              </a:tblGrid>
+              <a:tr h="0">
+                <a:tc>
+                  <a:txBody>
+                    <a:bodyPr/>
+                    <a:lstStyle/>
+                    <a:p>
+                      <a:pPr algn="l" fontAlgn="t"/>
+                      <a:r>
+                        <a:rPr lang="en-IN">
+                          <a:solidFill>
+                            <a:srgbClr val="000000"/>
+                          </a:solidFill>
+                          <a:effectLst/>
+                          <a:latin typeface="times new roman"/>
+                        </a:rPr>
+                        <a:t>Emp_Id</a:t>
+                      </a:r>
+                    </a:p>
+                  </a:txBody>
+                  <a:tcPr marL="114300" marR="114300" marT="114300" marB="114300">
+                    <a:lnL w="9525" cap="flat" cmpd="sng" algn="ctr">
+                      <a:solidFill>
+                        <a:srgbClr val="D01F2F"/>
+                      </a:solidFill>
+                      <a:prstDash val="solid"/>
+                      <a:round/>
+                      <a:headEnd type="none" w="med" len="med"/>
+                      <a:tailEnd type="none" w="med" len="med"/>
+                    </a:lnL>
+                    <a:lnR w="9525" cap="flat" cmpd="sng" algn="ctr">
+                      <a:solidFill>
+                        <a:srgbClr val="D01F2F"/>
+                      </a:solidFill>
+                      <a:prstDash val="solid"/>
+                      <a:round/>
+                      <a:headEnd type="none" w="med" len="med"/>
+                      <a:tailEnd type="none" w="med" len="med"/>
+                    </a:lnR>
+                    <a:lnT w="9525" cap="flat" cmpd="sng" algn="ctr">
+                      <a:solidFill>
+                        <a:srgbClr val="D01F2F"/>
+                      </a:solidFill>
+                      <a:prstDash val="solid"/>
+                      <a:round/>
+                      <a:headEnd type="none" w="med" len="med"/>
+                      <a:tailEnd type="none" w="med" len="med"/>
+                    </a:lnT>
+                    <a:lnB w="9525" cap="flat" cmpd="sng" algn="ctr">
+                      <a:solidFill>
+                        <a:srgbClr val="C7CCBE"/>
+                      </a:solidFill>
+                      <a:prstDash val="solid"/>
+                      <a:round/>
+                      <a:headEnd type="none" w="med" len="med"/>
+                      <a:tailEnd type="none" w="med" len="med"/>
+                    </a:lnB>
+                    <a:solidFill>
+                      <a:srgbClr val="C7CCBE"/>
+                    </a:solidFill>
+                  </a:tcPr>
+                </a:tc>
+                <a:tc>
+                  <a:txBody>
+                    <a:bodyPr/>
+                    <a:lstStyle/>
+                    <a:p>
+                      <a:pPr algn="l" fontAlgn="t"/>
+                      <a:r>
+                        <a:rPr lang="en-IN">
+                          <a:solidFill>
+                            <a:srgbClr val="000000"/>
+                          </a:solidFill>
+                          <a:effectLst/>
+                          <a:latin typeface="times new roman"/>
+                        </a:rPr>
+                        <a:t>Emp_Name</a:t>
+                      </a:r>
+                    </a:p>
+                  </a:txBody>
+                  <a:tcPr marL="114300" marR="114300" marT="114300" marB="114300">
+                    <a:lnL w="9525" cap="flat" cmpd="sng" algn="ctr">
+                      <a:solidFill>
+                        <a:srgbClr val="D01F2F"/>
+                      </a:solidFill>
+                      <a:prstDash val="solid"/>
+                      <a:round/>
+                      <a:headEnd type="none" w="med" len="med"/>
+                      <a:tailEnd type="none" w="med" len="med"/>
+                    </a:lnL>
+                    <a:lnR w="9525" cap="flat" cmpd="sng" algn="ctr">
+                      <a:solidFill>
+                        <a:srgbClr val="D01F2F"/>
+                      </a:solidFill>
+                      <a:prstDash val="solid"/>
+                      <a:round/>
+                      <a:headEnd type="none" w="med" len="med"/>
+                      <a:tailEnd type="none" w="med" len="med"/>
+                    </a:lnR>
+                    <a:lnT w="9525" cap="flat" cmpd="sng" algn="ctr">
+                      <a:solidFill>
+                        <a:srgbClr val="D01F2F"/>
+                      </a:solidFill>
+                      <a:prstDash val="solid"/>
+                      <a:round/>
+                      <a:headEnd type="none" w="med" len="med"/>
+                      <a:tailEnd type="none" w="med" len="med"/>
+                    </a:lnT>
+                    <a:lnB w="9525" cap="flat" cmpd="sng" algn="ctr">
+                      <a:solidFill>
+                        <a:srgbClr val="C7CCBE"/>
+                      </a:solidFill>
+                      <a:prstDash val="solid"/>
+                      <a:round/>
+                      <a:headEnd type="none" w="med" len="med"/>
+                      <a:tailEnd type="none" w="med" len="med"/>
+                    </a:lnB>
+                    <a:solidFill>
+                      <a:srgbClr val="C7CCBE"/>
+                    </a:solidFill>
+                  </a:tcPr>
+                </a:tc>
+                <a:tc>
+                  <a:txBody>
+                    <a:bodyPr/>
+                    <a:lstStyle/>
+                    <a:p>
+                      <a:pPr algn="l" fontAlgn="t"/>
+                      <a:r>
+                        <a:rPr lang="en-IN">
+                          <a:solidFill>
+                            <a:srgbClr val="000000"/>
+                          </a:solidFill>
+                          <a:effectLst/>
+                          <a:latin typeface="times new roman"/>
+                        </a:rPr>
+                        <a:t>Emp_Salary</a:t>
+                      </a:r>
+                    </a:p>
+                  </a:txBody>
+                  <a:tcPr marL="114300" marR="114300" marT="114300" marB="114300">
+                    <a:lnL w="9525" cap="flat" cmpd="sng" algn="ctr">
+                      <a:solidFill>
+                        <a:srgbClr val="D01F2F"/>
+                      </a:solidFill>
+                      <a:prstDash val="solid"/>
+                      <a:round/>
+                      <a:headEnd type="none" w="med" len="med"/>
+                      <a:tailEnd type="none" w="med" len="med"/>
+                    </a:lnL>
+                    <a:lnR w="9525" cap="flat" cmpd="sng" algn="ctr">
+                      <a:solidFill>
+                        <a:srgbClr val="D01F2F"/>
+                      </a:solidFill>
+                      <a:prstDash val="solid"/>
+                      <a:round/>
+                      <a:headEnd type="none" w="med" len="med"/>
+                      <a:tailEnd type="none" w="med" len="med"/>
+                    </a:lnR>
+                    <a:lnT w="9525" cap="flat" cmpd="sng" algn="ctr">
+                      <a:solidFill>
+                        <a:srgbClr val="D01F2F"/>
+                      </a:solidFill>
+                      <a:prstDash val="solid"/>
+                      <a:round/>
+                      <a:headEnd type="none" w="med" len="med"/>
+                      <a:tailEnd type="none" w="med" len="med"/>
+                    </a:lnT>
+                    <a:lnB w="9525" cap="flat" cmpd="sng" algn="ctr">
+                      <a:solidFill>
+                        <a:srgbClr val="C7CCBE"/>
+                      </a:solidFill>
+                      <a:prstDash val="solid"/>
+                      <a:round/>
+                      <a:headEnd type="none" w="med" len="med"/>
+                      <a:tailEnd type="none" w="med" len="med"/>
+                    </a:lnB>
+                    <a:solidFill>
+                      <a:srgbClr val="C7CCBE"/>
+                    </a:solidFill>
+                  </a:tcPr>
+                </a:tc>
+                <a:tc>
+                  <a:txBody>
+                    <a:bodyPr/>
+                    <a:lstStyle/>
+                    <a:p>
+                      <a:pPr algn="l" fontAlgn="t"/>
+                      <a:r>
+                        <a:rPr lang="en-IN">
+                          <a:solidFill>
+                            <a:srgbClr val="000000"/>
+                          </a:solidFill>
+                          <a:effectLst/>
+                          <a:latin typeface="times new roman"/>
+                        </a:rPr>
+                        <a:t>Emp_City</a:t>
+                      </a:r>
+                    </a:p>
+                  </a:txBody>
+                  <a:tcPr marL="114300" marR="114300" marT="114300" marB="114300">
+                    <a:lnL w="9525" cap="flat" cmpd="sng" algn="ctr">
+                      <a:solidFill>
+                        <a:srgbClr val="D01F2F"/>
+                      </a:solidFill>
+                      <a:prstDash val="solid"/>
+                      <a:round/>
+                      <a:headEnd type="none" w="med" len="med"/>
+                      <a:tailEnd type="none" w="med" len="med"/>
+                    </a:lnL>
+                    <a:lnR w="9525" cap="flat" cmpd="sng" algn="ctr">
+                      <a:solidFill>
+                        <a:srgbClr val="D01F2F"/>
+                      </a:solidFill>
+                      <a:prstDash val="solid"/>
+                      <a:round/>
+                      <a:headEnd type="none" w="med" len="med"/>
+                      <a:tailEnd type="none" w="med" len="med"/>
+                    </a:lnR>
+                    <a:lnT w="9525" cap="flat" cmpd="sng" algn="ctr">
+                      <a:solidFill>
+                        <a:srgbClr val="D01F2F"/>
+                      </a:solidFill>
+                      <a:prstDash val="solid"/>
+                      <a:round/>
+                      <a:headEnd type="none" w="med" len="med"/>
+                      <a:tailEnd type="none" w="med" len="med"/>
+                    </a:lnT>
+                    <a:lnB w="9525" cap="flat" cmpd="sng" algn="ctr">
+                      <a:solidFill>
+                        <a:srgbClr val="C7CCBE"/>
+                      </a:solidFill>
+                      <a:prstDash val="solid"/>
+                      <a:round/>
+                      <a:headEnd type="none" w="med" len="med"/>
+                      <a:tailEnd type="none" w="med" len="med"/>
+                    </a:lnB>
+                    <a:solidFill>
+                      <a:srgbClr val="C7CCBE"/>
+                    </a:solidFill>
+                  </a:tcPr>
+                </a:tc>
+                <a:tc>
+                  <a:txBody>
+                    <a:bodyPr/>
+                    <a:lstStyle/>
+                    <a:p>
+                      <a:pPr algn="l" fontAlgn="t"/>
+                      <a:r>
+                        <a:rPr lang="en-IN">
+                          <a:solidFill>
+                            <a:srgbClr val="000000"/>
+                          </a:solidFill>
+                          <a:effectLst/>
+                          <a:latin typeface="times new roman"/>
+                        </a:rPr>
+                        <a:t>Emp_State</a:t>
+                      </a:r>
+                    </a:p>
+                  </a:txBody>
+                  <a:tcPr marL="114300" marR="114300" marT="114300" marB="114300">
+                    <a:lnL w="9525" cap="flat" cmpd="sng" algn="ctr">
+                      <a:solidFill>
+                        <a:srgbClr val="D01F2F"/>
+                      </a:solidFill>
+                      <a:prstDash val="solid"/>
+                      <a:round/>
+                      <a:headEnd type="none" w="med" len="med"/>
+                      <a:tailEnd type="none" w="med" len="med"/>
+                    </a:lnL>
+                    <a:lnR w="9525" cap="flat" cmpd="sng" algn="ctr">
+                      <a:solidFill>
+                        <a:srgbClr val="D01F2F"/>
+                      </a:solidFill>
+                      <a:prstDash val="solid"/>
+                      <a:round/>
+                      <a:headEnd type="none" w="med" len="med"/>
+                      <a:tailEnd type="none" w="med" len="med"/>
+                    </a:lnR>
+                    <a:lnT w="9525" cap="flat" cmpd="sng" algn="ctr">
+                      <a:solidFill>
+                        <a:srgbClr val="D01F2F"/>
+                      </a:solidFill>
+                      <a:prstDash val="solid"/>
+                      <a:round/>
+                      <a:headEnd type="none" w="med" len="med"/>
+                      <a:tailEnd type="none" w="med" len="med"/>
+                    </a:lnT>
+                    <a:lnB w="9525" cap="flat" cmpd="sng" algn="ctr">
+                      <a:solidFill>
+                        <a:srgbClr val="C7CCBE"/>
+                      </a:solidFill>
+                      <a:prstDash val="solid"/>
+                      <a:round/>
+                      <a:headEnd type="none" w="med" len="med"/>
+                      <a:tailEnd type="none" w="med" len="med"/>
+                    </a:lnB>
+                    <a:solidFill>
+                      <a:srgbClr val="C7CCBE"/>
+                    </a:solidFill>
+                  </a:tcPr>
+                </a:tc>
+              </a:tr>
+              <a:tr h="0">
+                <a:tc>
+                  <a:txBody>
+                    <a:bodyPr/>
+                    <a:lstStyle/>
+                    <a:p>
+                      <a:pPr algn="just" fontAlgn="t"/>
+                      <a:r>
+                        <a:rPr lang="en-IN">
+                          <a:solidFill>
+                            <a:srgbClr val="333333"/>
+                          </a:solidFill>
+                          <a:effectLst/>
+                          <a:latin typeface="inter-regular"/>
+                        </a:rPr>
+                        <a:t>1001</a:t>
+                      </a:r>
+                    </a:p>
+                  </a:txBody>
+                  <a:tcPr marL="76200" marR="76200" marT="76200" marB="76200">
+                    <a:lnL w="9525" cap="flat" cmpd="sng" algn="ctr">
+                      <a:solidFill>
+                        <a:srgbClr val="C7CCBE"/>
+                      </a:solidFill>
+                      <a:prstDash val="solid"/>
+                      <a:round/>
+                      <a:headEnd type="none" w="med" len="med"/>
+                      <a:tailEnd type="none" w="med" len="med"/>
+                    </a:lnL>
+                    <a:lnR w="9525" cap="flat" cmpd="sng" algn="ctr">
+                      <a:solidFill>
+                        <a:srgbClr val="C7CCBE"/>
+                      </a:solidFill>
+                      <a:prstDash val="solid"/>
+                      <a:round/>
+                      <a:headEnd type="none" w="med" len="med"/>
+                      <a:tailEnd type="none" w="med" len="med"/>
+                    </a:lnR>
+                    <a:lnT w="9525" cap="flat" cmpd="sng" algn="ctr">
+                      <a:solidFill>
+                        <a:srgbClr val="C7CCBE"/>
+                      </a:solidFill>
+                      <a:prstDash val="solid"/>
+                      <a:round/>
+                      <a:headEnd type="none" w="med" len="med"/>
+                      <a:tailEnd type="none" w="med" len="med"/>
+                    </a:lnT>
+                    <a:lnB w="9525" cap="flat" cmpd="sng" algn="ctr">
+                      <a:solidFill>
+                        <a:srgbClr val="C7CCBE"/>
+                      </a:solidFill>
+                      <a:prstDash val="solid"/>
+                      <a:round/>
+                      <a:headEnd type="none" w="med" len="med"/>
+                      <a:tailEnd type="none" w="med" len="med"/>
+                    </a:lnB>
+                    <a:solidFill>
+                      <a:srgbClr val="FFFFFF"/>
+                    </a:solidFill>
+                  </a:tcPr>
+                </a:tc>
+                <a:tc>
+                  <a:txBody>
+                    <a:bodyPr/>
+                    <a:lstStyle/>
+                    <a:p>
+                      <a:pPr algn="just" fontAlgn="t"/>
+                      <a:r>
+                        <a:rPr lang="en-IN">
+                          <a:solidFill>
+                            <a:srgbClr val="333333"/>
+                          </a:solidFill>
+                          <a:effectLst/>
+                          <a:latin typeface="inter-regular"/>
+                        </a:rPr>
+                        <a:t>Akshay</a:t>
+                      </a:r>
+                    </a:p>
+                  </a:txBody>
+                  <a:tcPr marL="76200" marR="76200" marT="76200" marB="76200">
+                    <a:lnL w="9525" cap="flat" cmpd="sng" algn="ctr">
+                      <a:solidFill>
+                        <a:srgbClr val="C7CCBE"/>
+                      </a:solidFill>
+                      <a:prstDash val="solid"/>
+                      <a:round/>
+                      <a:headEnd type="none" w="med" len="med"/>
+                      <a:tailEnd type="none" w="med" len="med"/>
+                    </a:lnL>
+                    <a:lnR w="9525" cap="flat" cmpd="sng" algn="ctr">
+                      <a:solidFill>
+                        <a:srgbClr val="C7CCBE"/>
+                      </a:solidFill>
+                      <a:prstDash val="solid"/>
+                      <a:round/>
+                      <a:headEnd type="none" w="med" len="med"/>
+                      <a:tailEnd type="none" w="med" len="med"/>
+                    </a:lnR>
+                    <a:lnT w="9525" cap="flat" cmpd="sng" algn="ctr">
+                      <a:solidFill>
+                        <a:srgbClr val="C7CCBE"/>
+                      </a:solidFill>
+                      <a:prstDash val="solid"/>
+                      <a:round/>
+                      <a:headEnd type="none" w="med" len="med"/>
+                      <a:tailEnd type="none" w="med" len="med"/>
+                    </a:lnT>
+                    <a:lnB w="9525" cap="flat" cmpd="sng" algn="ctr">
+                      <a:solidFill>
+                        <a:srgbClr val="C7CCBE"/>
+                      </a:solidFill>
+                      <a:prstDash val="solid"/>
+                      <a:round/>
+                      <a:headEnd type="none" w="med" len="med"/>
+                      <a:tailEnd type="none" w="med" len="med"/>
+                    </a:lnB>
+                    <a:solidFill>
+                      <a:srgbClr val="FFFFFF"/>
+                    </a:solidFill>
+                  </a:tcPr>
+                </a:tc>
+                <a:tc>
+                  <a:txBody>
+                    <a:bodyPr/>
+                    <a:lstStyle/>
+                    <a:p>
+                      <a:pPr algn="just" fontAlgn="t"/>
+                      <a:r>
+                        <a:rPr lang="en-IN">
+                          <a:solidFill>
+                            <a:srgbClr val="333333"/>
+                          </a:solidFill>
+                          <a:effectLst/>
+                          <a:latin typeface="inter-regular"/>
+                        </a:rPr>
+                        <a:t>20000</a:t>
+                      </a:r>
+                    </a:p>
+                  </a:txBody>
+                  <a:tcPr marL="76200" marR="76200" marT="76200" marB="76200">
+                    <a:lnL w="9525" cap="flat" cmpd="sng" algn="ctr">
+                      <a:solidFill>
+                        <a:srgbClr val="C7CCBE"/>
+                      </a:solidFill>
+                      <a:prstDash val="solid"/>
+                      <a:round/>
+                      <a:headEnd type="none" w="med" len="med"/>
+                      <a:tailEnd type="none" w="med" len="med"/>
+                    </a:lnL>
+                    <a:lnR w="9525" cap="flat" cmpd="sng" algn="ctr">
+                      <a:solidFill>
+                        <a:srgbClr val="C7CCBE"/>
+                      </a:solidFill>
+                      <a:prstDash val="solid"/>
+                      <a:round/>
+                      <a:headEnd type="none" w="med" len="med"/>
+                      <a:tailEnd type="none" w="med" len="med"/>
+                    </a:lnR>
+                    <a:lnT w="9525" cap="flat" cmpd="sng" algn="ctr">
+                      <a:solidFill>
+                        <a:srgbClr val="C7CCBE"/>
+                      </a:solidFill>
+                      <a:prstDash val="solid"/>
+                      <a:round/>
+                      <a:headEnd type="none" w="med" len="med"/>
+                      <a:tailEnd type="none" w="med" len="med"/>
+                    </a:lnT>
+                    <a:lnB w="9525" cap="flat" cmpd="sng" algn="ctr">
+                      <a:solidFill>
+                        <a:srgbClr val="C7CCBE"/>
+                      </a:solidFill>
+                      <a:prstDash val="solid"/>
+                      <a:round/>
+                      <a:headEnd type="none" w="med" len="med"/>
+                      <a:tailEnd type="none" w="med" len="med"/>
+                    </a:lnB>
+                    <a:solidFill>
+                      <a:srgbClr val="FFFFFF"/>
+                    </a:solidFill>
+                  </a:tcPr>
+                </a:tc>
+                <a:tc>
+                  <a:txBody>
+                    <a:bodyPr/>
+                    <a:lstStyle/>
+                    <a:p>
+                      <a:pPr algn="just" fontAlgn="t"/>
+                      <a:r>
+                        <a:rPr lang="en-IN">
+                          <a:solidFill>
+                            <a:srgbClr val="333333"/>
+                          </a:solidFill>
+                          <a:effectLst/>
+                          <a:latin typeface="inter-regular"/>
+                        </a:rPr>
+                        <a:t>Noida</a:t>
+                      </a:r>
+                    </a:p>
+                  </a:txBody>
+                  <a:tcPr marL="76200" marR="76200" marT="76200" marB="76200">
+                    <a:lnL w="9525" cap="flat" cmpd="sng" algn="ctr">
+                      <a:solidFill>
+                        <a:srgbClr val="C7CCBE"/>
+                      </a:solidFill>
+                      <a:prstDash val="solid"/>
+                      <a:round/>
+                      <a:headEnd type="none" w="med" len="med"/>
+                      <a:tailEnd type="none" w="med" len="med"/>
+                    </a:lnL>
+                    <a:lnR w="9525" cap="flat" cmpd="sng" algn="ctr">
+                      <a:solidFill>
+                        <a:srgbClr val="C7CCBE"/>
+                      </a:solidFill>
+                      <a:prstDash val="solid"/>
+                      <a:round/>
+                      <a:headEnd type="none" w="med" len="med"/>
+                      <a:tailEnd type="none" w="med" len="med"/>
+                    </a:lnR>
+                    <a:lnT w="9525" cap="flat" cmpd="sng" algn="ctr">
+                      <a:solidFill>
+                        <a:srgbClr val="C7CCBE"/>
+                      </a:solidFill>
+                      <a:prstDash val="solid"/>
+                      <a:round/>
+                      <a:headEnd type="none" w="med" len="med"/>
+                      <a:tailEnd type="none" w="med" len="med"/>
+                    </a:lnT>
+                    <a:lnB w="9525" cap="flat" cmpd="sng" algn="ctr">
+                      <a:solidFill>
+                        <a:srgbClr val="C7CCBE"/>
+                      </a:solidFill>
+                      <a:prstDash val="solid"/>
+                      <a:round/>
+                      <a:headEnd type="none" w="med" len="med"/>
+                      <a:tailEnd type="none" w="med" len="med"/>
+                    </a:lnB>
+                    <a:solidFill>
+                      <a:srgbClr val="FFFFFF"/>
+                    </a:solidFill>
+                  </a:tcPr>
+                </a:tc>
+                <a:tc>
+                  <a:txBody>
+                    <a:bodyPr/>
+                    <a:lstStyle/>
+                    <a:p>
+                      <a:pPr algn="just" fontAlgn="t"/>
+                      <a:r>
+                        <a:rPr lang="en-IN">
+                          <a:solidFill>
+                            <a:srgbClr val="333333"/>
+                          </a:solidFill>
+                          <a:effectLst/>
+                          <a:latin typeface="inter-regular"/>
+                        </a:rPr>
+                        <a:t>U.P</a:t>
+                      </a:r>
+                    </a:p>
+                  </a:txBody>
+                  <a:tcPr marL="76200" marR="76200" marT="76200" marB="76200">
+                    <a:lnL w="9525" cap="flat" cmpd="sng" algn="ctr">
+                      <a:solidFill>
+                        <a:srgbClr val="C7CCBE"/>
+                      </a:solidFill>
+                      <a:prstDash val="solid"/>
+                      <a:round/>
+                      <a:headEnd type="none" w="med" len="med"/>
+                      <a:tailEnd type="none" w="med" len="med"/>
+                    </a:lnL>
+                    <a:lnR w="9525" cap="flat" cmpd="sng" algn="ctr">
+                      <a:solidFill>
+                        <a:srgbClr val="C7CCBE"/>
+                      </a:solidFill>
+                      <a:prstDash val="solid"/>
+                      <a:round/>
+                      <a:headEnd type="none" w="med" len="med"/>
+                      <a:tailEnd type="none" w="med" len="med"/>
+                    </a:lnR>
+                    <a:lnT w="9525" cap="flat" cmpd="sng" algn="ctr">
+                      <a:solidFill>
+                        <a:srgbClr val="C7CCBE"/>
+                      </a:solidFill>
+                      <a:prstDash val="solid"/>
+                      <a:round/>
+                      <a:headEnd type="none" w="med" len="med"/>
+                      <a:tailEnd type="none" w="med" len="med"/>
+                    </a:lnT>
+                    <a:lnB w="9525" cap="flat" cmpd="sng" algn="ctr">
+                      <a:solidFill>
+                        <a:srgbClr val="C7CCBE"/>
+                      </a:solidFill>
+                      <a:prstDash val="solid"/>
+                      <a:round/>
+                      <a:headEnd type="none" w="med" len="med"/>
+                      <a:tailEnd type="none" w="med" len="med"/>
+                    </a:lnB>
+                    <a:solidFill>
+                      <a:srgbClr val="FFFFFF"/>
+                    </a:solidFill>
+                  </a:tcPr>
+                </a:tc>
+              </a:tr>
+              <a:tr h="0">
+                <a:tc>
+                  <a:txBody>
+                    <a:bodyPr/>
+                    <a:lstStyle/>
+                    <a:p>
+                      <a:pPr algn="just" fontAlgn="t"/>
+                      <a:r>
+                        <a:rPr lang="en-IN">
+                          <a:solidFill>
+                            <a:srgbClr val="333333"/>
+                          </a:solidFill>
+                          <a:effectLst/>
+                          <a:latin typeface="inter-regular"/>
+                        </a:rPr>
+                        <a:t>1002</a:t>
+                      </a:r>
+                    </a:p>
+                  </a:txBody>
+                  <a:tcPr marL="76200" marR="76200" marT="76200" marB="76200">
+                    <a:lnL w="9525" cap="flat" cmpd="sng" algn="ctr">
+                      <a:solidFill>
+                        <a:srgbClr val="C7CCBE"/>
+                      </a:solidFill>
+                      <a:prstDash val="solid"/>
+                      <a:round/>
+                      <a:headEnd type="none" w="med" len="med"/>
+                      <a:tailEnd type="none" w="med" len="med"/>
+                    </a:lnL>
+                    <a:lnR w="9525" cap="flat" cmpd="sng" algn="ctr">
+                      <a:solidFill>
+                        <a:srgbClr val="C7CCBE"/>
+                      </a:solidFill>
+                      <a:prstDash val="solid"/>
+                      <a:round/>
+                      <a:headEnd type="none" w="med" len="med"/>
+                      <a:tailEnd type="none" w="med" len="med"/>
+                    </a:lnR>
+                    <a:lnT w="9525" cap="flat" cmpd="sng" algn="ctr">
+                      <a:solidFill>
+                        <a:srgbClr val="C7CCBE"/>
+                      </a:solidFill>
+                      <a:prstDash val="solid"/>
+                      <a:round/>
+                      <a:headEnd type="none" w="med" len="med"/>
+                      <a:tailEnd type="none" w="med" len="med"/>
+                    </a:lnT>
+                    <a:lnB w="9525" cap="flat" cmpd="sng" algn="ctr">
+                      <a:solidFill>
+                        <a:srgbClr val="C7CCBE"/>
+                      </a:solidFill>
+                      <a:prstDash val="solid"/>
+                      <a:round/>
+                      <a:headEnd type="none" w="med" len="med"/>
+                      <a:tailEnd type="none" w="med" len="med"/>
+                    </a:lnB>
+                    <a:solidFill>
+                      <a:srgbClr val="EFF1EB"/>
+                    </a:solidFill>
+                  </a:tcPr>
+                </a:tc>
+                <a:tc>
+                  <a:txBody>
+                    <a:bodyPr/>
+                    <a:lstStyle/>
+                    <a:p>
+                      <a:pPr algn="just" fontAlgn="t"/>
+                      <a:r>
+                        <a:rPr lang="en-IN">
+                          <a:solidFill>
+                            <a:srgbClr val="333333"/>
+                          </a:solidFill>
+                          <a:effectLst/>
+                          <a:latin typeface="inter-regular"/>
+                        </a:rPr>
+                        <a:t>Ram</a:t>
+                      </a:r>
+                    </a:p>
+                  </a:txBody>
+                  <a:tcPr marL="76200" marR="76200" marT="76200" marB="76200">
+                    <a:lnL w="9525" cap="flat" cmpd="sng" algn="ctr">
+                      <a:solidFill>
+                        <a:srgbClr val="C7CCBE"/>
+                      </a:solidFill>
+                      <a:prstDash val="solid"/>
+                      <a:round/>
+                      <a:headEnd type="none" w="med" len="med"/>
+                      <a:tailEnd type="none" w="med" len="med"/>
+                    </a:lnL>
+                    <a:lnR w="9525" cap="flat" cmpd="sng" algn="ctr">
+                      <a:solidFill>
+                        <a:srgbClr val="C7CCBE"/>
+                      </a:solidFill>
+                      <a:prstDash val="solid"/>
+                      <a:round/>
+                      <a:headEnd type="none" w="med" len="med"/>
+                      <a:tailEnd type="none" w="med" len="med"/>
+                    </a:lnR>
+                    <a:lnT w="9525" cap="flat" cmpd="sng" algn="ctr">
+                      <a:solidFill>
+                        <a:srgbClr val="C7CCBE"/>
+                      </a:solidFill>
+                      <a:prstDash val="solid"/>
+                      <a:round/>
+                      <a:headEnd type="none" w="med" len="med"/>
+                      <a:tailEnd type="none" w="med" len="med"/>
+                    </a:lnT>
+                    <a:lnB w="9525" cap="flat" cmpd="sng" algn="ctr">
+                      <a:solidFill>
+                        <a:srgbClr val="C7CCBE"/>
+                      </a:solidFill>
+                      <a:prstDash val="solid"/>
+                      <a:round/>
+                      <a:headEnd type="none" w="med" len="med"/>
+                      <a:tailEnd type="none" w="med" len="med"/>
+                    </a:lnB>
+                    <a:solidFill>
+                      <a:srgbClr val="EFF1EB"/>
+                    </a:solidFill>
+                  </a:tcPr>
+                </a:tc>
+                <a:tc>
+                  <a:txBody>
+                    <a:bodyPr/>
+                    <a:lstStyle/>
+                    <a:p>
+                      <a:pPr algn="just" fontAlgn="t"/>
+                      <a:r>
+                        <a:rPr lang="en-IN">
+                          <a:solidFill>
+                            <a:srgbClr val="333333"/>
+                          </a:solidFill>
+                          <a:effectLst/>
+                          <a:latin typeface="inter-regular"/>
+                        </a:rPr>
+                        <a:t>35000</a:t>
+                      </a:r>
+                    </a:p>
+                  </a:txBody>
+                  <a:tcPr marL="76200" marR="76200" marT="76200" marB="76200">
+                    <a:lnL w="9525" cap="flat" cmpd="sng" algn="ctr">
+                      <a:solidFill>
+                        <a:srgbClr val="C7CCBE"/>
+                      </a:solidFill>
+                      <a:prstDash val="solid"/>
+                      <a:round/>
+                      <a:headEnd type="none" w="med" len="med"/>
+                      <a:tailEnd type="none" w="med" len="med"/>
+                    </a:lnL>
+                    <a:lnR w="9525" cap="flat" cmpd="sng" algn="ctr">
+                      <a:solidFill>
+                        <a:srgbClr val="C7CCBE"/>
+                      </a:solidFill>
+                      <a:prstDash val="solid"/>
+                      <a:round/>
+                      <a:headEnd type="none" w="med" len="med"/>
+                      <a:tailEnd type="none" w="med" len="med"/>
+                    </a:lnR>
+                    <a:lnT w="9525" cap="flat" cmpd="sng" algn="ctr">
+                      <a:solidFill>
+                        <a:srgbClr val="C7CCBE"/>
+                      </a:solidFill>
+                      <a:prstDash val="solid"/>
+                      <a:round/>
+                      <a:headEnd type="none" w="med" len="med"/>
+                      <a:tailEnd type="none" w="med" len="med"/>
+                    </a:lnT>
+                    <a:lnB w="9525" cap="flat" cmpd="sng" algn="ctr">
+                      <a:solidFill>
+                        <a:srgbClr val="C7CCBE"/>
+                      </a:solidFill>
+                      <a:prstDash val="solid"/>
+                      <a:round/>
+                      <a:headEnd type="none" w="med" len="med"/>
+                      <a:tailEnd type="none" w="med" len="med"/>
+                    </a:lnB>
+                    <a:solidFill>
+                      <a:srgbClr val="EFF1EB"/>
+                    </a:solidFill>
+                  </a:tcPr>
+                </a:tc>
+                <a:tc>
+                  <a:txBody>
+                    <a:bodyPr/>
+                    <a:lstStyle/>
+                    <a:p>
+                      <a:pPr algn="just" fontAlgn="t"/>
+                      <a:r>
+                        <a:rPr lang="en-IN">
+                          <a:solidFill>
+                            <a:srgbClr val="333333"/>
+                          </a:solidFill>
+                          <a:effectLst/>
+                          <a:latin typeface="inter-regular"/>
+                        </a:rPr>
+                        <a:t>Jaipur</a:t>
+                      </a:r>
+                    </a:p>
+                  </a:txBody>
+                  <a:tcPr marL="76200" marR="76200" marT="76200" marB="76200">
+                    <a:lnL w="9525" cap="flat" cmpd="sng" algn="ctr">
+                      <a:solidFill>
+                        <a:srgbClr val="C7CCBE"/>
+                      </a:solidFill>
+                      <a:prstDash val="solid"/>
+                      <a:round/>
+                      <a:headEnd type="none" w="med" len="med"/>
+                      <a:tailEnd type="none" w="med" len="med"/>
+                    </a:lnL>
+                    <a:lnR w="9525" cap="flat" cmpd="sng" algn="ctr">
+                      <a:solidFill>
+                        <a:srgbClr val="C7CCBE"/>
+                      </a:solidFill>
+                      <a:prstDash val="solid"/>
+                      <a:round/>
+                      <a:headEnd type="none" w="med" len="med"/>
+                      <a:tailEnd type="none" w="med" len="med"/>
+                    </a:lnR>
+                    <a:lnT w="9525" cap="flat" cmpd="sng" algn="ctr">
+                      <a:solidFill>
+                        <a:srgbClr val="C7CCBE"/>
+                      </a:solidFill>
+                      <a:prstDash val="solid"/>
+                      <a:round/>
+                      <a:headEnd type="none" w="med" len="med"/>
+                      <a:tailEnd type="none" w="med" len="med"/>
+                    </a:lnT>
+                    <a:lnB w="9525" cap="flat" cmpd="sng" algn="ctr">
+                      <a:solidFill>
+                        <a:srgbClr val="C7CCBE"/>
+                      </a:solidFill>
+                      <a:prstDash val="solid"/>
+                      <a:round/>
+                      <a:headEnd type="none" w="med" len="med"/>
+                      <a:tailEnd type="none" w="med" len="med"/>
+                    </a:lnB>
+                    <a:solidFill>
+                      <a:srgbClr val="EFF1EB"/>
+                    </a:solidFill>
+                  </a:tcPr>
+                </a:tc>
+                <a:tc>
+                  <a:txBody>
+                    <a:bodyPr/>
+                    <a:lstStyle/>
+                    <a:p>
+                      <a:pPr algn="just" fontAlgn="t"/>
+                      <a:r>
+                        <a:rPr lang="en-IN">
+                          <a:solidFill>
+                            <a:srgbClr val="333333"/>
+                          </a:solidFill>
+                          <a:effectLst/>
+                          <a:latin typeface="inter-regular"/>
+                        </a:rPr>
+                        <a:t>Rajasthan</a:t>
+                      </a:r>
+                    </a:p>
+                  </a:txBody>
+                  <a:tcPr marL="76200" marR="76200" marT="76200" marB="76200">
+                    <a:lnL w="9525" cap="flat" cmpd="sng" algn="ctr">
+                      <a:solidFill>
+                        <a:srgbClr val="C7CCBE"/>
+                      </a:solidFill>
+                      <a:prstDash val="solid"/>
+                      <a:round/>
+                      <a:headEnd type="none" w="med" len="med"/>
+                      <a:tailEnd type="none" w="med" len="med"/>
+                    </a:lnL>
+                    <a:lnR w="9525" cap="flat" cmpd="sng" algn="ctr">
+                      <a:solidFill>
+                        <a:srgbClr val="C7CCBE"/>
+                      </a:solidFill>
+                      <a:prstDash val="solid"/>
+                      <a:round/>
+                      <a:headEnd type="none" w="med" len="med"/>
+                      <a:tailEnd type="none" w="med" len="med"/>
+                    </a:lnR>
+                    <a:lnT w="9525" cap="flat" cmpd="sng" algn="ctr">
+                      <a:solidFill>
+                        <a:srgbClr val="C7CCBE"/>
+                      </a:solidFill>
+                      <a:prstDash val="solid"/>
+                      <a:round/>
+                      <a:headEnd type="none" w="med" len="med"/>
+                      <a:tailEnd type="none" w="med" len="med"/>
+                    </a:lnT>
+                    <a:lnB w="9525" cap="flat" cmpd="sng" algn="ctr">
+                      <a:solidFill>
+                        <a:srgbClr val="C7CCBE"/>
+                      </a:solidFill>
+                      <a:prstDash val="solid"/>
+                      <a:round/>
+                      <a:headEnd type="none" w="med" len="med"/>
+                      <a:tailEnd type="none" w="med" len="med"/>
+                    </a:lnB>
+                    <a:solidFill>
+                      <a:srgbClr val="EFF1EB"/>
+                    </a:solidFill>
+                  </a:tcPr>
+                </a:tc>
+              </a:tr>
+              <a:tr h="0">
+                <a:tc>
+                  <a:txBody>
+                    <a:bodyPr/>
+                    <a:lstStyle/>
+                    <a:p>
+                      <a:pPr algn="just" fontAlgn="t"/>
+                      <a:r>
+                        <a:rPr lang="en-IN">
+                          <a:solidFill>
+                            <a:srgbClr val="333333"/>
+                          </a:solidFill>
+                          <a:effectLst/>
+                          <a:latin typeface="inter-regular"/>
+                        </a:rPr>
+                        <a:t>1003</a:t>
+                      </a:r>
+                    </a:p>
+                  </a:txBody>
+                  <a:tcPr marL="76200" marR="76200" marT="76200" marB="76200">
+                    <a:lnL w="9525" cap="flat" cmpd="sng" algn="ctr">
+                      <a:solidFill>
+                        <a:srgbClr val="C7CCBE"/>
+                      </a:solidFill>
+                      <a:prstDash val="solid"/>
+                      <a:round/>
+                      <a:headEnd type="none" w="med" len="med"/>
+                      <a:tailEnd type="none" w="med" len="med"/>
+                    </a:lnL>
+                    <a:lnR w="9525" cap="flat" cmpd="sng" algn="ctr">
+                      <a:solidFill>
+                        <a:srgbClr val="C7CCBE"/>
+                      </a:solidFill>
+                      <a:prstDash val="solid"/>
+                      <a:round/>
+                      <a:headEnd type="none" w="med" len="med"/>
+                      <a:tailEnd type="none" w="med" len="med"/>
+                    </a:lnR>
+                    <a:lnT w="9525" cap="flat" cmpd="sng" algn="ctr">
+                      <a:solidFill>
+                        <a:srgbClr val="C7CCBE"/>
+                      </a:solidFill>
+                      <a:prstDash val="solid"/>
+                      <a:round/>
+                      <a:headEnd type="none" w="med" len="med"/>
+                      <a:tailEnd type="none" w="med" len="med"/>
+                    </a:lnT>
+                    <a:lnB w="9525" cap="flat" cmpd="sng" algn="ctr">
+                      <a:solidFill>
+                        <a:srgbClr val="C7CCBE"/>
+                      </a:solidFill>
+                      <a:prstDash val="solid"/>
+                      <a:round/>
+                      <a:headEnd type="none" w="med" len="med"/>
+                      <a:tailEnd type="none" w="med" len="med"/>
+                    </a:lnB>
+                    <a:solidFill>
+                      <a:srgbClr val="FFFFFF"/>
+                    </a:solidFill>
+                  </a:tcPr>
+                </a:tc>
+                <a:tc>
+                  <a:txBody>
+                    <a:bodyPr/>
+                    <a:lstStyle/>
+                    <a:p>
+                      <a:pPr algn="just" fontAlgn="t"/>
+                      <a:r>
+                        <a:rPr lang="en-IN">
+                          <a:solidFill>
+                            <a:srgbClr val="333333"/>
+                          </a:solidFill>
+                          <a:effectLst/>
+                          <a:latin typeface="inter-regular"/>
+                        </a:rPr>
+                        <a:t>Shyam</a:t>
+                      </a:r>
+                    </a:p>
+                  </a:txBody>
+                  <a:tcPr marL="76200" marR="76200" marT="76200" marB="76200">
+                    <a:lnL w="9525" cap="flat" cmpd="sng" algn="ctr">
+                      <a:solidFill>
+                        <a:srgbClr val="C7CCBE"/>
+                      </a:solidFill>
+                      <a:prstDash val="solid"/>
+                      <a:round/>
+                      <a:headEnd type="none" w="med" len="med"/>
+                      <a:tailEnd type="none" w="med" len="med"/>
+                    </a:lnL>
+                    <a:lnR w="9525" cap="flat" cmpd="sng" algn="ctr">
+                      <a:solidFill>
+                        <a:srgbClr val="C7CCBE"/>
+                      </a:solidFill>
+                      <a:prstDash val="solid"/>
+                      <a:round/>
+                      <a:headEnd type="none" w="med" len="med"/>
+                      <a:tailEnd type="none" w="med" len="med"/>
+                    </a:lnR>
+                    <a:lnT w="9525" cap="flat" cmpd="sng" algn="ctr">
+                      <a:solidFill>
+                        <a:srgbClr val="C7CCBE"/>
+                      </a:solidFill>
+                      <a:prstDash val="solid"/>
+                      <a:round/>
+                      <a:headEnd type="none" w="med" len="med"/>
+                      <a:tailEnd type="none" w="med" len="med"/>
+                    </a:lnT>
+                    <a:lnB w="9525" cap="flat" cmpd="sng" algn="ctr">
+                      <a:solidFill>
+                        <a:srgbClr val="C7CCBE"/>
+                      </a:solidFill>
+                      <a:prstDash val="solid"/>
+                      <a:round/>
+                      <a:headEnd type="none" w="med" len="med"/>
+                      <a:tailEnd type="none" w="med" len="med"/>
+                    </a:lnB>
+                    <a:solidFill>
+                      <a:srgbClr val="FFFFFF"/>
+                    </a:solidFill>
+                  </a:tcPr>
+                </a:tc>
+                <a:tc>
+                  <a:txBody>
+                    <a:bodyPr/>
+                    <a:lstStyle/>
+                    <a:p>
+                      <a:pPr algn="just" fontAlgn="t"/>
+                      <a:r>
+                        <a:rPr lang="en-IN">
+                          <a:solidFill>
+                            <a:srgbClr val="333333"/>
+                          </a:solidFill>
+                          <a:effectLst/>
+                          <a:latin typeface="inter-regular"/>
+                        </a:rPr>
+                        <a:t>25000</a:t>
+                      </a:r>
+                    </a:p>
+                  </a:txBody>
+                  <a:tcPr marL="76200" marR="76200" marT="76200" marB="76200">
+                    <a:lnL w="9525" cap="flat" cmpd="sng" algn="ctr">
+                      <a:solidFill>
+                        <a:srgbClr val="C7CCBE"/>
+                      </a:solidFill>
+                      <a:prstDash val="solid"/>
+                      <a:round/>
+                      <a:headEnd type="none" w="med" len="med"/>
+                      <a:tailEnd type="none" w="med" len="med"/>
+                    </a:lnL>
+                    <a:lnR w="9525" cap="flat" cmpd="sng" algn="ctr">
+                      <a:solidFill>
+                        <a:srgbClr val="C7CCBE"/>
+                      </a:solidFill>
+                      <a:prstDash val="solid"/>
+                      <a:round/>
+                      <a:headEnd type="none" w="med" len="med"/>
+                      <a:tailEnd type="none" w="med" len="med"/>
+                    </a:lnR>
+                    <a:lnT w="9525" cap="flat" cmpd="sng" algn="ctr">
+                      <a:solidFill>
+                        <a:srgbClr val="C7CCBE"/>
+                      </a:solidFill>
+                      <a:prstDash val="solid"/>
+                      <a:round/>
+                      <a:headEnd type="none" w="med" len="med"/>
+                      <a:tailEnd type="none" w="med" len="med"/>
+                    </a:lnT>
+                    <a:lnB w="9525" cap="flat" cmpd="sng" algn="ctr">
+                      <a:solidFill>
+                        <a:srgbClr val="C7CCBE"/>
+                      </a:solidFill>
+                      <a:prstDash val="solid"/>
+                      <a:round/>
+                      <a:headEnd type="none" w="med" len="med"/>
+                      <a:tailEnd type="none" w="med" len="med"/>
+                    </a:lnB>
+                    <a:solidFill>
+                      <a:srgbClr val="FFFFFF"/>
+                    </a:solidFill>
+                  </a:tcPr>
+                </a:tc>
+                <a:tc>
+                  <a:txBody>
+                    <a:bodyPr/>
+                    <a:lstStyle/>
+                    <a:p>
+                      <a:pPr algn="just" fontAlgn="t"/>
+                      <a:r>
+                        <a:rPr lang="en-IN">
+                          <a:solidFill>
+                            <a:srgbClr val="333333"/>
+                          </a:solidFill>
+                          <a:effectLst/>
+                          <a:latin typeface="inter-regular"/>
+                        </a:rPr>
+                        <a:t>Gurgaon</a:t>
+                      </a:r>
+                    </a:p>
+                  </a:txBody>
+                  <a:tcPr marL="76200" marR="76200" marT="76200" marB="76200">
+                    <a:lnL w="9525" cap="flat" cmpd="sng" algn="ctr">
+                      <a:solidFill>
+                        <a:srgbClr val="C7CCBE"/>
+                      </a:solidFill>
+                      <a:prstDash val="solid"/>
+                      <a:round/>
+                      <a:headEnd type="none" w="med" len="med"/>
+                      <a:tailEnd type="none" w="med" len="med"/>
+                    </a:lnL>
+                    <a:lnR w="9525" cap="flat" cmpd="sng" algn="ctr">
+                      <a:solidFill>
+                        <a:srgbClr val="C7CCBE"/>
+                      </a:solidFill>
+                      <a:prstDash val="solid"/>
+                      <a:round/>
+                      <a:headEnd type="none" w="med" len="med"/>
+                      <a:tailEnd type="none" w="med" len="med"/>
+                    </a:lnR>
+                    <a:lnT w="9525" cap="flat" cmpd="sng" algn="ctr">
+                      <a:solidFill>
+                        <a:srgbClr val="C7CCBE"/>
+                      </a:solidFill>
+                      <a:prstDash val="solid"/>
+                      <a:round/>
+                      <a:headEnd type="none" w="med" len="med"/>
+                      <a:tailEnd type="none" w="med" len="med"/>
+                    </a:lnT>
+                    <a:lnB w="9525" cap="flat" cmpd="sng" algn="ctr">
+                      <a:solidFill>
+                        <a:srgbClr val="C7CCBE"/>
+                      </a:solidFill>
+                      <a:prstDash val="solid"/>
+                      <a:round/>
+                      <a:headEnd type="none" w="med" len="med"/>
+                      <a:tailEnd type="none" w="med" len="med"/>
+                    </a:lnB>
+                    <a:solidFill>
+                      <a:srgbClr val="FFFFFF"/>
+                    </a:solidFill>
+                  </a:tcPr>
+                </a:tc>
+                <a:tc>
+                  <a:txBody>
+                    <a:bodyPr/>
+                    <a:lstStyle/>
+                    <a:p>
+                      <a:pPr algn="just" fontAlgn="t"/>
+                      <a:r>
+                        <a:rPr lang="en-IN">
+                          <a:solidFill>
+                            <a:srgbClr val="333333"/>
+                          </a:solidFill>
+                          <a:effectLst/>
+                          <a:latin typeface="inter-regular"/>
+                        </a:rPr>
+                        <a:t>Haryana</a:t>
+                      </a:r>
+                    </a:p>
+                  </a:txBody>
+                  <a:tcPr marL="76200" marR="76200" marT="76200" marB="76200">
+                    <a:lnL w="9525" cap="flat" cmpd="sng" algn="ctr">
+                      <a:solidFill>
+                        <a:srgbClr val="C7CCBE"/>
+                      </a:solidFill>
+                      <a:prstDash val="solid"/>
+                      <a:round/>
+                      <a:headEnd type="none" w="med" len="med"/>
+                      <a:tailEnd type="none" w="med" len="med"/>
+                    </a:lnL>
+                    <a:lnR w="9525" cap="flat" cmpd="sng" algn="ctr">
+                      <a:solidFill>
+                        <a:srgbClr val="C7CCBE"/>
+                      </a:solidFill>
+                      <a:prstDash val="solid"/>
+                      <a:round/>
+                      <a:headEnd type="none" w="med" len="med"/>
+                      <a:tailEnd type="none" w="med" len="med"/>
+                    </a:lnR>
+                    <a:lnT w="9525" cap="flat" cmpd="sng" algn="ctr">
+                      <a:solidFill>
+                        <a:srgbClr val="C7CCBE"/>
+                      </a:solidFill>
+                      <a:prstDash val="solid"/>
+                      <a:round/>
+                      <a:headEnd type="none" w="med" len="med"/>
+                      <a:tailEnd type="none" w="med" len="med"/>
+                    </a:lnT>
+                    <a:lnB w="9525" cap="flat" cmpd="sng" algn="ctr">
+                      <a:solidFill>
+                        <a:srgbClr val="C7CCBE"/>
+                      </a:solidFill>
+                      <a:prstDash val="solid"/>
+                      <a:round/>
+                      <a:headEnd type="none" w="med" len="med"/>
+                      <a:tailEnd type="none" w="med" len="med"/>
+                    </a:lnB>
+                    <a:solidFill>
+                      <a:srgbClr val="FFFFFF"/>
+                    </a:solidFill>
+                  </a:tcPr>
+                </a:tc>
+              </a:tr>
+              <a:tr h="0">
+                <a:tc>
+                  <a:txBody>
+                    <a:bodyPr/>
+                    <a:lstStyle/>
+                    <a:p>
+                      <a:pPr algn="just" fontAlgn="t"/>
+                      <a:r>
+                        <a:rPr lang="en-IN">
+                          <a:solidFill>
+                            <a:srgbClr val="333333"/>
+                          </a:solidFill>
+                          <a:effectLst/>
+                          <a:latin typeface="inter-regular"/>
+                        </a:rPr>
+                        <a:t>1004</a:t>
+                      </a:r>
+                    </a:p>
+                  </a:txBody>
+                  <a:tcPr marL="76200" marR="76200" marT="76200" marB="76200">
+                    <a:lnL w="9525" cap="flat" cmpd="sng" algn="ctr">
+                      <a:solidFill>
+                        <a:srgbClr val="C7CCBE"/>
+                      </a:solidFill>
+                      <a:prstDash val="solid"/>
+                      <a:round/>
+                      <a:headEnd type="none" w="med" len="med"/>
+                      <a:tailEnd type="none" w="med" len="med"/>
+                    </a:lnL>
+                    <a:lnR w="9525" cap="flat" cmpd="sng" algn="ctr">
+                      <a:solidFill>
+                        <a:srgbClr val="C7CCBE"/>
+                      </a:solidFill>
+                      <a:prstDash val="solid"/>
+                      <a:round/>
+                      <a:headEnd type="none" w="med" len="med"/>
+                      <a:tailEnd type="none" w="med" len="med"/>
+                    </a:lnR>
+                    <a:lnT w="9525" cap="flat" cmpd="sng" algn="ctr">
+                      <a:solidFill>
+                        <a:srgbClr val="C7CCBE"/>
+                      </a:solidFill>
+                      <a:prstDash val="solid"/>
+                      <a:round/>
+                      <a:headEnd type="none" w="med" len="med"/>
+                      <a:tailEnd type="none" w="med" len="med"/>
+                    </a:lnT>
+                    <a:lnB w="9525" cap="flat" cmpd="sng" algn="ctr">
+                      <a:solidFill>
+                        <a:srgbClr val="C7CCBE"/>
+                      </a:solidFill>
+                      <a:prstDash val="solid"/>
+                      <a:round/>
+                      <a:headEnd type="none" w="med" len="med"/>
+                      <a:tailEnd type="none" w="med" len="med"/>
+                    </a:lnB>
+                    <a:solidFill>
+                      <a:srgbClr val="EFF1EB"/>
+                    </a:solidFill>
+                  </a:tcPr>
+                </a:tc>
+                <a:tc>
+                  <a:txBody>
+                    <a:bodyPr/>
+                    <a:lstStyle/>
+                    <a:p>
+                      <a:pPr algn="just" fontAlgn="t"/>
+                      <a:r>
+                        <a:rPr lang="en-IN">
+                          <a:solidFill>
+                            <a:srgbClr val="333333"/>
+                          </a:solidFill>
+                          <a:effectLst/>
+                          <a:latin typeface="inter-regular"/>
+                        </a:rPr>
+                        <a:t>Yatin</a:t>
+                      </a:r>
+                    </a:p>
+                  </a:txBody>
+                  <a:tcPr marL="76200" marR="76200" marT="76200" marB="76200">
+                    <a:lnL w="9525" cap="flat" cmpd="sng" algn="ctr">
+                      <a:solidFill>
+                        <a:srgbClr val="C7CCBE"/>
+                      </a:solidFill>
+                      <a:prstDash val="solid"/>
+                      <a:round/>
+                      <a:headEnd type="none" w="med" len="med"/>
+                      <a:tailEnd type="none" w="med" len="med"/>
+                    </a:lnL>
+                    <a:lnR w="9525" cap="flat" cmpd="sng" algn="ctr">
+                      <a:solidFill>
+                        <a:srgbClr val="C7CCBE"/>
+                      </a:solidFill>
+                      <a:prstDash val="solid"/>
+                      <a:round/>
+                      <a:headEnd type="none" w="med" len="med"/>
+                      <a:tailEnd type="none" w="med" len="med"/>
+                    </a:lnR>
+                    <a:lnT w="9525" cap="flat" cmpd="sng" algn="ctr">
+                      <a:solidFill>
+                        <a:srgbClr val="C7CCBE"/>
+                      </a:solidFill>
+                      <a:prstDash val="solid"/>
+                      <a:round/>
+                      <a:headEnd type="none" w="med" len="med"/>
+                      <a:tailEnd type="none" w="med" len="med"/>
+                    </a:lnT>
+                    <a:lnB w="9525" cap="flat" cmpd="sng" algn="ctr">
+                      <a:solidFill>
+                        <a:srgbClr val="C7CCBE"/>
+                      </a:solidFill>
+                      <a:prstDash val="solid"/>
+                      <a:round/>
+                      <a:headEnd type="none" w="med" len="med"/>
+                      <a:tailEnd type="none" w="med" len="med"/>
+                    </a:lnB>
+                    <a:solidFill>
+                      <a:srgbClr val="EFF1EB"/>
+                    </a:solidFill>
+                  </a:tcPr>
+                </a:tc>
+                <a:tc>
+                  <a:txBody>
+                    <a:bodyPr/>
+                    <a:lstStyle/>
+                    <a:p>
+                      <a:pPr algn="just" fontAlgn="t"/>
+                      <a:r>
+                        <a:rPr lang="en-IN">
+                          <a:solidFill>
+                            <a:srgbClr val="333333"/>
+                          </a:solidFill>
+                          <a:effectLst/>
+                          <a:latin typeface="inter-regular"/>
+                        </a:rPr>
+                        <a:t>30000</a:t>
+                      </a:r>
+                    </a:p>
+                  </a:txBody>
+                  <a:tcPr marL="76200" marR="76200" marT="76200" marB="76200">
+                    <a:lnL w="9525" cap="flat" cmpd="sng" algn="ctr">
+                      <a:solidFill>
+                        <a:srgbClr val="C7CCBE"/>
+                      </a:solidFill>
+                      <a:prstDash val="solid"/>
+                      <a:round/>
+                      <a:headEnd type="none" w="med" len="med"/>
+                      <a:tailEnd type="none" w="med" len="med"/>
+                    </a:lnL>
+                    <a:lnR w="9525" cap="flat" cmpd="sng" algn="ctr">
+                      <a:solidFill>
+                        <a:srgbClr val="C7CCBE"/>
+                      </a:solidFill>
+                      <a:prstDash val="solid"/>
+                      <a:round/>
+                      <a:headEnd type="none" w="med" len="med"/>
+                      <a:tailEnd type="none" w="med" len="med"/>
+                    </a:lnR>
+                    <a:lnT w="9525" cap="flat" cmpd="sng" algn="ctr">
+                      <a:solidFill>
+                        <a:srgbClr val="C7CCBE"/>
+                      </a:solidFill>
+                      <a:prstDash val="solid"/>
+                      <a:round/>
+                      <a:headEnd type="none" w="med" len="med"/>
+                      <a:tailEnd type="none" w="med" len="med"/>
+                    </a:lnT>
+                    <a:lnB w="9525" cap="flat" cmpd="sng" algn="ctr">
+                      <a:solidFill>
+                        <a:srgbClr val="C7CCBE"/>
+                      </a:solidFill>
+                      <a:prstDash val="solid"/>
+                      <a:round/>
+                      <a:headEnd type="none" w="med" len="med"/>
+                      <a:tailEnd type="none" w="med" len="med"/>
+                    </a:lnB>
+                    <a:solidFill>
+                      <a:srgbClr val="EFF1EB"/>
+                    </a:solidFill>
+                  </a:tcPr>
+                </a:tc>
+                <a:tc>
+                  <a:txBody>
+                    <a:bodyPr/>
+                    <a:lstStyle/>
+                    <a:p>
+                      <a:pPr algn="just" fontAlgn="t"/>
+                      <a:r>
+                        <a:rPr lang="en-IN">
+                          <a:solidFill>
+                            <a:srgbClr val="333333"/>
+                          </a:solidFill>
+                          <a:effectLst/>
+                          <a:latin typeface="inter-regular"/>
+                        </a:rPr>
+                        <a:t>Lucknow</a:t>
+                      </a:r>
+                    </a:p>
+                  </a:txBody>
+                  <a:tcPr marL="76200" marR="76200" marT="76200" marB="76200">
+                    <a:lnL w="9525" cap="flat" cmpd="sng" algn="ctr">
+                      <a:solidFill>
+                        <a:srgbClr val="C7CCBE"/>
+                      </a:solidFill>
+                      <a:prstDash val="solid"/>
+                      <a:round/>
+                      <a:headEnd type="none" w="med" len="med"/>
+                      <a:tailEnd type="none" w="med" len="med"/>
+                    </a:lnL>
+                    <a:lnR w="9525" cap="flat" cmpd="sng" algn="ctr">
+                      <a:solidFill>
+                        <a:srgbClr val="C7CCBE"/>
+                      </a:solidFill>
+                      <a:prstDash val="solid"/>
+                      <a:round/>
+                      <a:headEnd type="none" w="med" len="med"/>
+                      <a:tailEnd type="none" w="med" len="med"/>
+                    </a:lnR>
+                    <a:lnT w="9525" cap="flat" cmpd="sng" algn="ctr">
+                      <a:solidFill>
+                        <a:srgbClr val="C7CCBE"/>
+                      </a:solidFill>
+                      <a:prstDash val="solid"/>
+                      <a:round/>
+                      <a:headEnd type="none" w="med" len="med"/>
+                      <a:tailEnd type="none" w="med" len="med"/>
+                    </a:lnT>
+                    <a:lnB w="9525" cap="flat" cmpd="sng" algn="ctr">
+                      <a:solidFill>
+                        <a:srgbClr val="C7CCBE"/>
+                      </a:solidFill>
+                      <a:prstDash val="solid"/>
+                      <a:round/>
+                      <a:headEnd type="none" w="med" len="med"/>
+                      <a:tailEnd type="none" w="med" len="med"/>
+                    </a:lnB>
+                    <a:solidFill>
+                      <a:srgbClr val="EFF1EB"/>
+                    </a:solidFill>
+                  </a:tcPr>
+                </a:tc>
+                <a:tc>
+                  <a:txBody>
+                    <a:bodyPr/>
+                    <a:lstStyle/>
+                    <a:p>
+                      <a:pPr algn="just" fontAlgn="t"/>
+                      <a:r>
+                        <a:rPr lang="en-IN" dirty="0">
+                          <a:solidFill>
+                            <a:srgbClr val="333333"/>
+                          </a:solidFill>
+                          <a:effectLst/>
+                          <a:latin typeface="inter-regular"/>
+                        </a:rPr>
+                        <a:t>U.P</a:t>
+                      </a:r>
+                    </a:p>
+                  </a:txBody>
+                  <a:tcPr marL="76200" marR="76200" marT="76200" marB="76200">
+                    <a:lnL w="9525" cap="flat" cmpd="sng" algn="ctr">
+                      <a:solidFill>
+                        <a:srgbClr val="C7CCBE"/>
+                      </a:solidFill>
+                      <a:prstDash val="solid"/>
+                      <a:round/>
+                      <a:headEnd type="none" w="med" len="med"/>
+                      <a:tailEnd type="none" w="med" len="med"/>
+                    </a:lnL>
+                    <a:lnR w="9525" cap="flat" cmpd="sng" algn="ctr">
+                      <a:solidFill>
+                        <a:srgbClr val="C7CCBE"/>
+                      </a:solidFill>
+                      <a:prstDash val="solid"/>
+                      <a:round/>
+                      <a:headEnd type="none" w="med" len="med"/>
+                      <a:tailEnd type="none" w="med" len="med"/>
+                    </a:lnR>
+                    <a:lnT w="9525" cap="flat" cmpd="sng" algn="ctr">
+                      <a:solidFill>
+                        <a:srgbClr val="C7CCBE"/>
+                      </a:solidFill>
+                      <a:prstDash val="solid"/>
+                      <a:round/>
+                      <a:headEnd type="none" w="med" len="med"/>
+                      <a:tailEnd type="none" w="med" len="med"/>
+                    </a:lnT>
+                    <a:lnB w="9525" cap="flat" cmpd="sng" algn="ctr">
+                      <a:solidFill>
+                        <a:srgbClr val="C7CCBE"/>
+                      </a:solidFill>
+                      <a:prstDash val="solid"/>
+                      <a:round/>
+                      <a:headEnd type="none" w="med" len="med"/>
+                      <a:tailEnd type="none" w="med" len="med"/>
+                    </a:lnB>
+                    <a:solidFill>
+                      <a:srgbClr val="EFF1EB"/>
+                    </a:solidFill>
+                  </a:tcPr>
+                </a:tc>
+              </a:tr>
+            </a:tbl>
+          </a:graphicData>
+        </a:graphic>
+      </p:graphicFrame>
+    </p:spTree>
+    <p:extLst>
+      <p:ext uri="{BB962C8B-B14F-4D97-AF65-F5344CB8AC3E}">
+        <p14:creationId xmlns:p14="http://schemas.microsoft.com/office/powerpoint/2010/main" val="2979734588"/>
+      </p:ext>
+    </p:extLst>
+  </p:cSld>
+  <p:clrMapOvr>
+    <a:masterClrMapping/>
+  </p:clrMapOvr>
+</p:sld>
+</file>
+
+<file path=ppt/slides/slide37.xml><?xml version="1.0" encoding="utf-8"?>
+<p:sld xmlns:a="http://schemas.openxmlformats.org/drawingml/2006/main" xmlns:r="http://schemas.openxmlformats.org/officeDocument/2006/relationships" xmlns:p="http://schemas.openxmlformats.org/presentationml/2006/main">
+  <p:cSld>
+    <p:spTree>
+      <p:nvGrpSpPr>
+        <p:cNvPr id="1" name=""/>
+        <p:cNvGrpSpPr/>
+        <p:nvPr/>
+      </p:nvGrpSpPr>
+      <p:grpSpPr>
+        <a:xfrm>
+          <a:off x="0" y="0"/>
+          <a:ext cx="0" cy="0"/>
+          <a:chOff x="0" y="0"/>
+          <a:chExt cx="0" cy="0"/>
+        </a:xfrm>
+      </p:grpSpPr>
+      <p:sp>
+        <p:nvSpPr>
+          <p:cNvPr id="2" name="Title 1"/>
+          <p:cNvSpPr>
+            <a:spLocks noGrp="1"/>
+          </p:cNvSpPr>
+          <p:nvPr>
+            <p:ph type="title"/>
+          </p:nvPr>
+        </p:nvSpPr>
+        <p:spPr/>
+        <p:txBody>
+          <a:bodyPr/>
+          <a:lstStyle/>
+          <a:p>
+            <a:endParaRPr lang="en-IN"/>
+          </a:p>
+        </p:txBody>
+      </p:sp>
+      <p:sp>
+        <p:nvSpPr>
+          <p:cNvPr id="3" name="Content Placeholder 2"/>
+          <p:cNvSpPr>
+            <a:spLocks noGrp="1"/>
+          </p:cNvSpPr>
+          <p:nvPr>
+            <p:ph idx="1"/>
+          </p:nvPr>
+        </p:nvSpPr>
+        <p:spPr/>
+        <p:txBody>
+          <a:bodyPr>
+            <a:normAutofit/>
+          </a:bodyPr>
+          <a:lstStyle/>
+          <a:p>
+            <a:r>
+              <a:rPr lang="en-US" sz="1600" dirty="0"/>
+              <a:t>The following SQL query creates an Index </a:t>
+            </a:r>
+            <a:r>
+              <a:rPr lang="en-US" sz="1600" b="1" dirty="0"/>
+              <a:t>'</a:t>
+            </a:r>
+            <a:r>
+              <a:rPr lang="en-US" sz="1600" b="1" dirty="0" err="1"/>
+              <a:t>Index_state</a:t>
+            </a:r>
+            <a:r>
+              <a:rPr lang="en-US" sz="1600" b="1" dirty="0"/>
+              <a:t>'</a:t>
+            </a:r>
+            <a:r>
+              <a:rPr lang="en-US" sz="1600" dirty="0"/>
+              <a:t> on </a:t>
+            </a:r>
+            <a:r>
+              <a:rPr lang="en-US" sz="1600" b="1" dirty="0"/>
+              <a:t>the </a:t>
+            </a:r>
+            <a:r>
+              <a:rPr lang="en-US" sz="1600" b="1" dirty="0" err="1"/>
+              <a:t>Emp_State</a:t>
+            </a:r>
+            <a:r>
+              <a:rPr lang="en-US" sz="1600" dirty="0"/>
+              <a:t> column of the </a:t>
+            </a:r>
+            <a:r>
+              <a:rPr lang="en-US" sz="1600" b="1" dirty="0"/>
+              <a:t>Employee</a:t>
+            </a:r>
+            <a:r>
+              <a:rPr lang="en-US" sz="1600" dirty="0"/>
+              <a:t> table</a:t>
+            </a:r>
+            <a:r>
+              <a:rPr lang="en-US" sz="1600" dirty="0" smtClean="0"/>
+              <a:t>.</a:t>
+            </a:r>
+          </a:p>
+          <a:p>
+            <a:endParaRPr lang="en-US" sz="1600" dirty="0"/>
+          </a:p>
+          <a:p>
+            <a:r>
+              <a:rPr lang="en-US" sz="1600" b="1" dirty="0"/>
+              <a:t>CREATE</a:t>
+            </a:r>
+            <a:r>
+              <a:rPr lang="en-US" sz="1600" dirty="0"/>
+              <a:t> </a:t>
+            </a:r>
+            <a:r>
+              <a:rPr lang="en-US" sz="1600" b="1" dirty="0"/>
+              <a:t>INDEX</a:t>
+            </a:r>
+            <a:r>
+              <a:rPr lang="en-US" sz="1600" dirty="0"/>
+              <a:t> </a:t>
+            </a:r>
+            <a:r>
+              <a:rPr lang="en-US" sz="1600" dirty="0" err="1"/>
+              <a:t>index_state</a:t>
+            </a:r>
+            <a:r>
+              <a:rPr lang="en-US" sz="1600" dirty="0"/>
+              <a:t> </a:t>
+            </a:r>
+            <a:r>
+              <a:rPr lang="en-US" sz="1600" b="1" dirty="0"/>
+              <a:t>ON</a:t>
+            </a:r>
+            <a:r>
+              <a:rPr lang="en-US" sz="1600" dirty="0"/>
+              <a:t> Employee (</a:t>
+            </a:r>
+            <a:r>
+              <a:rPr lang="en-US" sz="1600" dirty="0" err="1"/>
+              <a:t>Emp_State</a:t>
+            </a:r>
+            <a:r>
+              <a:rPr lang="en-US" sz="1600" dirty="0"/>
+              <a:t>);  </a:t>
+            </a:r>
+          </a:p>
+          <a:p>
+            <a:r>
+              <a:rPr lang="en-US" sz="1600" dirty="0"/>
+              <a:t>Suppose we want to create an index on the combination of the </a:t>
+            </a:r>
+            <a:r>
+              <a:rPr lang="en-US" sz="1600" b="1" dirty="0" err="1"/>
+              <a:t>Emp_city</a:t>
+            </a:r>
+            <a:r>
+              <a:rPr lang="en-US" sz="1600" dirty="0"/>
+              <a:t> and the </a:t>
+            </a:r>
+            <a:r>
+              <a:rPr lang="en-US" sz="1600" b="1" dirty="0" err="1"/>
+              <a:t>Emp_State</a:t>
+            </a:r>
+            <a:r>
+              <a:rPr lang="en-US" sz="1600" dirty="0"/>
+              <a:t> column of the above </a:t>
+            </a:r>
+            <a:r>
+              <a:rPr lang="en-US" sz="1600" b="1" dirty="0"/>
+              <a:t>Employee</a:t>
+            </a:r>
+            <a:r>
+              <a:rPr lang="en-US" sz="1600" dirty="0"/>
+              <a:t> table. For this, we have to use the following query:</a:t>
+            </a:r>
+          </a:p>
+          <a:p>
+            <a:r>
+              <a:rPr lang="en-US" sz="1600" b="1" dirty="0"/>
+              <a:t>CREATE</a:t>
+            </a:r>
+            <a:r>
+              <a:rPr lang="en-US" sz="1600" dirty="0"/>
+              <a:t> </a:t>
+            </a:r>
+            <a:r>
+              <a:rPr lang="en-US" sz="1600" b="1" dirty="0"/>
+              <a:t>INDEX</a:t>
+            </a:r>
+            <a:r>
+              <a:rPr lang="en-US" sz="1600" dirty="0"/>
+              <a:t> </a:t>
+            </a:r>
+            <a:r>
+              <a:rPr lang="en-US" sz="1600" dirty="0" err="1"/>
+              <a:t>index_city_State</a:t>
+            </a:r>
+            <a:r>
+              <a:rPr lang="en-US" sz="1600" dirty="0"/>
+              <a:t> </a:t>
+            </a:r>
+            <a:r>
+              <a:rPr lang="en-US" sz="1600" b="1" dirty="0"/>
+              <a:t>ON</a:t>
+            </a:r>
+            <a:r>
+              <a:rPr lang="en-US" sz="1600" dirty="0"/>
+              <a:t> Employee (</a:t>
+            </a:r>
+            <a:r>
+              <a:rPr lang="en-US" sz="1600" dirty="0" err="1"/>
+              <a:t>Emp_City</a:t>
+            </a:r>
+            <a:r>
+              <a:rPr lang="en-US" sz="1600" dirty="0"/>
+              <a:t>, </a:t>
+            </a:r>
+            <a:r>
+              <a:rPr lang="en-US" sz="1600" dirty="0" err="1"/>
+              <a:t>Emp_State</a:t>
+            </a:r>
+            <a:r>
+              <a:rPr lang="en-US" sz="1600" dirty="0"/>
+              <a:t>);  </a:t>
+            </a:r>
+          </a:p>
+          <a:p>
+            <a:endParaRPr lang="en-IN" sz="1600" dirty="0"/>
+          </a:p>
+        </p:txBody>
+      </p:sp>
+    </p:spTree>
+    <p:extLst>
+      <p:ext uri="{BB962C8B-B14F-4D97-AF65-F5344CB8AC3E}">
+        <p14:creationId xmlns:p14="http://schemas.microsoft.com/office/powerpoint/2010/main" val="122340350"/>
+      </p:ext>
+    </p:extLst>
+  </p:cSld>
+  <p:clrMapOvr>
+    <a:masterClrMapping/>
+  </p:clrMapOvr>
+</p:sld>
+</file>
+
+<file path=ppt/slides/slide38.xml><?xml version="1.0" encoding="utf-8"?>
+<p:sld xmlns:a="http://schemas.openxmlformats.org/drawingml/2006/main" xmlns:r="http://schemas.openxmlformats.org/officeDocument/2006/relationships" xmlns:p="http://schemas.openxmlformats.org/presentationml/2006/main">
+  <p:cSld>
+    <p:spTree>
+      <p:nvGrpSpPr>
+        <p:cNvPr id="1" name=""/>
+        <p:cNvGrpSpPr/>
+        <p:nvPr/>
+      </p:nvGrpSpPr>
+      <p:grpSpPr>
+        <a:xfrm>
+          <a:off x="0" y="0"/>
+          <a:ext cx="0" cy="0"/>
+          <a:chOff x="0" y="0"/>
+          <a:chExt cx="0" cy="0"/>
+        </a:xfrm>
+      </p:grpSpPr>
+      <p:sp>
+        <p:nvSpPr>
+          <p:cNvPr id="2" name="Title 1"/>
+          <p:cNvSpPr>
+            <a:spLocks noGrp="1"/>
+          </p:cNvSpPr>
+          <p:nvPr>
+            <p:ph type="title"/>
+          </p:nvPr>
+        </p:nvSpPr>
+        <p:spPr/>
+        <p:txBody>
+          <a:bodyPr/>
+          <a:lstStyle/>
+          <a:p>
+            <a:endParaRPr lang="en-IN"/>
+          </a:p>
+        </p:txBody>
+      </p:sp>
+      <p:sp>
+        <p:nvSpPr>
+          <p:cNvPr id="3" name="Content Placeholder 2"/>
+          <p:cNvSpPr>
+            <a:spLocks noGrp="1"/>
+          </p:cNvSpPr>
+          <p:nvPr>
+            <p:ph idx="1"/>
+          </p:nvPr>
+        </p:nvSpPr>
+        <p:spPr/>
+        <p:txBody>
+          <a:bodyPr>
+            <a:normAutofit/>
+          </a:bodyPr>
+          <a:lstStyle/>
+          <a:p>
+            <a:r>
+              <a:rPr lang="en-US" sz="2400" dirty="0"/>
+              <a:t>Create UNIQUE INDEX</a:t>
+            </a:r>
+          </a:p>
+          <a:p>
+            <a:r>
+              <a:rPr lang="en-US" sz="1600" dirty="0"/>
+              <a:t>Unique Index is the same as the Primary key in SQL. The unique index does not allow selecting those columns which contain duplicate values.</a:t>
+            </a:r>
+          </a:p>
+          <a:p>
+            <a:r>
+              <a:rPr lang="en-US" sz="1600" dirty="0"/>
+              <a:t>This index is the best way to maintain the data integrity of the SQL tables.</a:t>
+            </a:r>
+          </a:p>
+          <a:p>
+            <a:r>
+              <a:rPr lang="en-US" sz="1600" b="1" dirty="0"/>
+              <a:t>Syntax for creating the Unique Index is as follows:</a:t>
+            </a:r>
+            <a:endParaRPr lang="en-US" sz="1600" dirty="0"/>
+          </a:p>
+          <a:p>
+            <a:r>
+              <a:rPr lang="en-US" sz="1600" b="1" dirty="0"/>
+              <a:t>CREATE</a:t>
+            </a:r>
+            <a:r>
+              <a:rPr lang="en-US" sz="1600" dirty="0"/>
+              <a:t> </a:t>
+            </a:r>
+            <a:r>
+              <a:rPr lang="en-US" sz="1600" b="1" dirty="0"/>
+              <a:t>UNIQUE</a:t>
+            </a:r>
+            <a:r>
+              <a:rPr lang="en-US" sz="1600" dirty="0"/>
+              <a:t> </a:t>
+            </a:r>
+            <a:r>
+              <a:rPr lang="en-US" sz="1600" b="1" dirty="0"/>
+              <a:t>INDEX</a:t>
+            </a:r>
+            <a:r>
+              <a:rPr lang="en-US" sz="1600" dirty="0"/>
+              <a:t> </a:t>
+            </a:r>
+            <a:r>
+              <a:rPr lang="en-US" sz="1600" dirty="0" err="1"/>
+              <a:t>Index_Name</a:t>
+            </a:r>
+            <a:r>
+              <a:rPr lang="en-US" sz="1600" dirty="0"/>
+              <a:t> </a:t>
+            </a:r>
+            <a:r>
+              <a:rPr lang="en-US" sz="1600" b="1" dirty="0"/>
+              <a:t>ON</a:t>
+            </a:r>
+            <a:r>
+              <a:rPr lang="en-US" sz="1600" dirty="0"/>
+              <a:t> </a:t>
+            </a:r>
+            <a:r>
+              <a:rPr lang="en-US" sz="1600" dirty="0" err="1"/>
+              <a:t>Table_Name</a:t>
+            </a:r>
+            <a:r>
+              <a:rPr lang="en-US" sz="1600" dirty="0"/>
+              <a:t> ( </a:t>
+            </a:r>
+            <a:r>
+              <a:rPr lang="en-US" sz="1600" dirty="0" err="1"/>
+              <a:t>Column_Name</a:t>
+            </a:r>
+            <a:r>
+              <a:rPr lang="en-US" sz="1600" dirty="0"/>
+              <a:t>);  </a:t>
+            </a:r>
+          </a:p>
+          <a:p>
+            <a:r>
+              <a:rPr lang="en-US" sz="1600" b="1" dirty="0"/>
+              <a:t>Example for creating a Unique Index in SQL:</a:t>
+            </a:r>
+            <a:endParaRPr lang="en-US" sz="1600" dirty="0"/>
+          </a:p>
+          <a:p>
+            <a:r>
+              <a:rPr lang="en-US" sz="1600" dirty="0"/>
+              <a:t>Let's take the above Employee table. The following SQL query creates the unique index </a:t>
+            </a:r>
+            <a:r>
+              <a:rPr lang="en-US" sz="1600" dirty="0" err="1"/>
+              <a:t>i</a:t>
+            </a:r>
+            <a:r>
+              <a:rPr lang="en-US" sz="1600" b="1" dirty="0" err="1"/>
+              <a:t>ndex_salary</a:t>
+            </a:r>
+            <a:r>
+              <a:rPr lang="en-US" sz="1600" dirty="0"/>
+              <a:t> on the </a:t>
+            </a:r>
+            <a:r>
+              <a:rPr lang="en-US" sz="1600" b="1" dirty="0" err="1"/>
+              <a:t>Emp_Salary</a:t>
+            </a:r>
+            <a:r>
+              <a:rPr lang="en-US" sz="1600" dirty="0"/>
+              <a:t> column of the </a:t>
+            </a:r>
+            <a:r>
+              <a:rPr lang="en-US" sz="1600" b="1" dirty="0"/>
+              <a:t>Employee</a:t>
+            </a:r>
+            <a:r>
+              <a:rPr lang="en-US" sz="1600" dirty="0"/>
+              <a:t> table.</a:t>
+            </a:r>
+          </a:p>
+          <a:p>
+            <a:r>
+              <a:rPr lang="en-US" sz="1600" b="1" dirty="0"/>
+              <a:t>CREATE</a:t>
+            </a:r>
+            <a:r>
+              <a:rPr lang="en-US" sz="1600" dirty="0"/>
+              <a:t> </a:t>
+            </a:r>
+            <a:r>
+              <a:rPr lang="en-US" sz="1600" b="1" dirty="0"/>
+              <a:t>UNIQUE</a:t>
+            </a:r>
+            <a:r>
+              <a:rPr lang="en-US" sz="1600" dirty="0"/>
+              <a:t> </a:t>
+            </a:r>
+            <a:r>
+              <a:rPr lang="en-US" sz="1600" b="1" dirty="0"/>
+              <a:t>INDEX</a:t>
+            </a:r>
+            <a:r>
+              <a:rPr lang="en-US" sz="1600" dirty="0"/>
+              <a:t> </a:t>
+            </a:r>
+            <a:r>
+              <a:rPr lang="en-US" sz="1600" dirty="0" err="1"/>
+              <a:t>index_salary</a:t>
+            </a:r>
+            <a:r>
+              <a:rPr lang="en-US" sz="1600" dirty="0"/>
+              <a:t> </a:t>
+            </a:r>
+            <a:r>
+              <a:rPr lang="en-US" sz="1600" b="1" dirty="0"/>
+              <a:t>ON</a:t>
+            </a:r>
+            <a:r>
+              <a:rPr lang="en-US" sz="1600" dirty="0"/>
+              <a:t> Employee (</a:t>
+            </a:r>
+            <a:r>
+              <a:rPr lang="en-US" sz="1600" dirty="0" err="1"/>
+              <a:t>Emp_Salary</a:t>
+            </a:r>
+            <a:r>
+              <a:rPr lang="en-US" sz="1600" dirty="0"/>
+              <a:t>);  </a:t>
+            </a:r>
+          </a:p>
+          <a:p>
+            <a:endParaRPr lang="en-IN" sz="1600" dirty="0"/>
+          </a:p>
+        </p:txBody>
+      </p:sp>
+    </p:spTree>
+    <p:extLst>
+      <p:ext uri="{BB962C8B-B14F-4D97-AF65-F5344CB8AC3E}">
+        <p14:creationId xmlns:p14="http://schemas.microsoft.com/office/powerpoint/2010/main" val="1696079010"/>
+      </p:ext>
+    </p:extLst>
+  </p:cSld>
+  <p:clrMapOvr>
+    <a:masterClrMapping/>
+  </p:clrMapOvr>
+</p:sld>
+</file>
+
+<file path=ppt/slides/slide39.xml><?xml version="1.0" encoding="utf-8"?>
+<p:sld xmlns:a="http://schemas.openxmlformats.org/drawingml/2006/main" xmlns:r="http://schemas.openxmlformats.org/officeDocument/2006/relationships" xmlns:p="http://schemas.openxmlformats.org/presentationml/2006/main">
+  <p:cSld>
+    <p:spTree>
+      <p:nvGrpSpPr>
+        <p:cNvPr id="1" name=""/>
+        <p:cNvGrpSpPr/>
+        <p:nvPr/>
+      </p:nvGrpSpPr>
+      <p:grpSpPr>
+        <a:xfrm>
+          <a:off x="0" y="0"/>
+          <a:ext cx="0" cy="0"/>
+          <a:chOff x="0" y="0"/>
+          <a:chExt cx="0" cy="0"/>
+        </a:xfrm>
+      </p:grpSpPr>
+      <p:sp>
+        <p:nvSpPr>
+          <p:cNvPr id="2" name="Title 1"/>
+          <p:cNvSpPr>
+            <a:spLocks noGrp="1"/>
+          </p:cNvSpPr>
+          <p:nvPr>
+            <p:ph type="title"/>
+          </p:nvPr>
+        </p:nvSpPr>
+        <p:spPr/>
+        <p:txBody>
+          <a:bodyPr/>
+          <a:lstStyle/>
+          <a:p>
+            <a:endParaRPr lang="en-IN"/>
+          </a:p>
+        </p:txBody>
+      </p:sp>
+      <p:sp>
+        <p:nvSpPr>
+          <p:cNvPr id="3" name="Content Placeholder 2"/>
+          <p:cNvSpPr>
+            <a:spLocks noGrp="1"/>
+          </p:cNvSpPr>
+          <p:nvPr>
+            <p:ph idx="1"/>
+          </p:nvPr>
+        </p:nvSpPr>
+        <p:spPr/>
+        <p:txBody>
+          <a:bodyPr>
+            <a:normAutofit/>
+          </a:bodyPr>
+          <a:lstStyle/>
+          <a:p>
+            <a:r>
+              <a:rPr lang="en-US" sz="1400" dirty="0"/>
+              <a:t>Rename an INDEX</a:t>
+            </a:r>
+          </a:p>
+          <a:p>
+            <a:r>
+              <a:rPr lang="en-US" sz="1400" dirty="0"/>
+              <a:t>We can easily rename the index of the table in the relational database using the ALTER command.</a:t>
+            </a:r>
+          </a:p>
+          <a:p>
+            <a:r>
+              <a:rPr lang="en-US" sz="1400" b="1" dirty="0"/>
+              <a:t>Syntax:</a:t>
+            </a:r>
+            <a:endParaRPr lang="en-US" sz="1400" dirty="0"/>
+          </a:p>
+          <a:p>
+            <a:r>
+              <a:rPr lang="en-US" sz="1400" b="1" dirty="0"/>
+              <a:t>ALTER</a:t>
+            </a:r>
+            <a:r>
+              <a:rPr lang="en-US" sz="1400" dirty="0"/>
+              <a:t> </a:t>
+            </a:r>
+            <a:r>
+              <a:rPr lang="en-US" sz="1400" b="1" dirty="0"/>
+              <a:t>INDEX</a:t>
+            </a:r>
+            <a:r>
+              <a:rPr lang="en-US" sz="1400" dirty="0"/>
+              <a:t> </a:t>
+            </a:r>
+            <a:r>
+              <a:rPr lang="en-US" sz="1400" dirty="0" err="1"/>
+              <a:t>old_Index_Name</a:t>
+            </a:r>
+            <a:r>
+              <a:rPr lang="en-US" sz="1400" dirty="0"/>
+              <a:t> RENAME </a:t>
+            </a:r>
+            <a:r>
+              <a:rPr lang="en-US" sz="1400" b="1" dirty="0"/>
+              <a:t>TO</a:t>
+            </a:r>
+            <a:r>
+              <a:rPr lang="en-US" sz="1400" dirty="0"/>
+              <a:t> </a:t>
+            </a:r>
+            <a:r>
+              <a:rPr lang="en-US" sz="1400" dirty="0" err="1"/>
+              <a:t>new_Index_Name</a:t>
+            </a:r>
+            <a:r>
+              <a:rPr lang="en-US" sz="1400" dirty="0"/>
+              <a:t>;  </a:t>
+            </a:r>
+          </a:p>
+          <a:p>
+            <a:r>
+              <a:rPr lang="en-US" sz="1400" b="1" dirty="0"/>
+              <a:t>Example for Renaming the Index in SQL:</a:t>
+            </a:r>
+            <a:endParaRPr lang="en-US" sz="1400" dirty="0"/>
+          </a:p>
+          <a:p>
+            <a:r>
+              <a:rPr lang="en-US" sz="1400" dirty="0"/>
+              <a:t>The following SQL query renames the index </a:t>
+            </a:r>
+            <a:r>
+              <a:rPr lang="en-US" sz="1400" b="1" dirty="0"/>
+              <a:t>'</a:t>
+            </a:r>
+            <a:r>
+              <a:rPr lang="en-US" sz="1400" b="1" dirty="0" err="1"/>
+              <a:t>index_Salary</a:t>
+            </a:r>
+            <a:r>
+              <a:rPr lang="en-US" sz="1400" b="1" dirty="0"/>
+              <a:t>'</a:t>
+            </a:r>
+            <a:r>
+              <a:rPr lang="en-US" sz="1400" dirty="0"/>
+              <a:t> to </a:t>
+            </a:r>
+            <a:r>
+              <a:rPr lang="en-US" sz="1400" b="1" dirty="0"/>
+              <a:t>'</a:t>
+            </a:r>
+            <a:r>
+              <a:rPr lang="en-US" sz="1400" b="1" dirty="0" err="1"/>
+              <a:t>index_Employee_Salary</a:t>
+            </a:r>
+            <a:r>
+              <a:rPr lang="en-US" sz="1400" b="1" dirty="0"/>
+              <a:t>'</a:t>
+            </a:r>
+            <a:r>
+              <a:rPr lang="en-US" sz="1400" dirty="0"/>
+              <a:t> of the above Employee table:</a:t>
+            </a:r>
+          </a:p>
+          <a:p>
+            <a:r>
+              <a:rPr lang="en-US" sz="1400" b="1" dirty="0"/>
+              <a:t>ALTER</a:t>
+            </a:r>
+            <a:r>
+              <a:rPr lang="en-US" sz="1400" dirty="0"/>
+              <a:t> </a:t>
+            </a:r>
+            <a:r>
+              <a:rPr lang="en-US" sz="1400" b="1" dirty="0"/>
+              <a:t>INDEX</a:t>
+            </a:r>
+            <a:r>
+              <a:rPr lang="en-US" sz="1400" dirty="0"/>
+              <a:t> </a:t>
+            </a:r>
+            <a:r>
+              <a:rPr lang="en-US" sz="1400" dirty="0" err="1"/>
+              <a:t>index_Salary</a:t>
+            </a:r>
+            <a:r>
+              <a:rPr lang="en-US" sz="1400" dirty="0"/>
+              <a:t> RENAME </a:t>
+            </a:r>
+            <a:r>
+              <a:rPr lang="en-US" sz="1400" b="1" dirty="0"/>
+              <a:t>TO</a:t>
+            </a:r>
+            <a:r>
+              <a:rPr lang="en-US" sz="1400" dirty="0"/>
+              <a:t> </a:t>
+            </a:r>
+            <a:r>
+              <a:rPr lang="en-US" sz="1400" dirty="0" err="1"/>
+              <a:t>index_Employee_Salary</a:t>
+            </a:r>
+            <a:r>
+              <a:rPr lang="en-US" sz="1400" dirty="0"/>
+              <a:t>;  </a:t>
+            </a:r>
+          </a:p>
+          <a:p>
+            <a:endParaRPr lang="en-IN" sz="1400" dirty="0"/>
+          </a:p>
+        </p:txBody>
+      </p:sp>
+    </p:spTree>
+    <p:extLst>
+      <p:ext uri="{BB962C8B-B14F-4D97-AF65-F5344CB8AC3E}">
+        <p14:creationId xmlns:p14="http://schemas.microsoft.com/office/powerpoint/2010/main" val="59319659"/>
+      </p:ext>
+    </p:extLst>
+  </p:cSld>
+  <p:clrMapOvr>
+    <a:masterClrMapping/>
+  </p:clrMapOvr>
+</p:sld>
+</file>
+
+<file path=ppt/slides/slide4.xml><?xml version="1.0" encoding="utf-8"?>
+<p:sld xmlns:a="http://schemas.openxmlformats.org/drawingml/2006/main" xmlns:r="http://schemas.openxmlformats.org/officeDocument/2006/relationships" xmlns:p="http://schemas.openxmlformats.org/presentationml/2006/main">
+  <p:cSld>
+    <p:spTree>
+      <p:nvGrpSpPr>
+        <p:cNvPr id="1" name=""/>
+        <p:cNvGrpSpPr/>
+        <p:nvPr/>
+      </p:nvGrpSpPr>
+      <p:grpSpPr>
+        <a:xfrm>
+          <a:off x="0" y="0"/>
+          <a:ext cx="0" cy="0"/>
+          <a:chOff x="0" y="0"/>
+          <a:chExt cx="0" cy="0"/>
+        </a:xfrm>
+      </p:grpSpPr>
+      <p:sp>
+        <p:nvSpPr>
+          <p:cNvPr id="2" name="Title 1"/>
+          <p:cNvSpPr>
+            <a:spLocks noGrp="1"/>
+          </p:cNvSpPr>
+          <p:nvPr>
+            <p:ph type="title"/>
+          </p:nvPr>
+        </p:nvSpPr>
+        <p:spPr/>
+        <p:txBody>
+          <a:bodyPr/>
+          <a:lstStyle/>
+          <a:p>
+            <a:endParaRPr lang="en-IN"/>
+          </a:p>
+        </p:txBody>
+      </p:sp>
+      <p:sp>
+        <p:nvSpPr>
+          <p:cNvPr id="3" name="Content Placeholder 2"/>
+          <p:cNvSpPr>
+            <a:spLocks noGrp="1"/>
+          </p:cNvSpPr>
+          <p:nvPr>
+            <p:ph idx="1"/>
+          </p:nvPr>
+        </p:nvSpPr>
+        <p:spPr/>
+        <p:txBody>
+          <a:bodyPr>
+            <a:normAutofit lnSpcReduction="10000"/>
+          </a:bodyPr>
+          <a:lstStyle/>
+          <a:p>
+            <a:r>
+              <a:rPr lang="en-IN" sz="1600" b="1" dirty="0"/>
+              <a:t>What is DBMS?</a:t>
+            </a:r>
+          </a:p>
+          <a:p>
+            <a:r>
+              <a:rPr lang="en-IN" sz="1600" dirty="0"/>
+              <a:t>A DBMS is a software used to store and manage data. The DBMS was introduced during 1960’s to store any data. It also offers manipulation of the data like insertion, deletion, and updating of the data.</a:t>
+            </a:r>
+          </a:p>
+          <a:p>
+            <a:r>
+              <a:rPr lang="en-IN" sz="1600" dirty="0"/>
+              <a:t>DBMS system also performs the functions like defining, creating, revising and controlling the database. It is specially designed to create and maintain data and enable the individual business application to extract the desired </a:t>
+            </a:r>
+            <a:r>
+              <a:rPr lang="en-IN" sz="1600" dirty="0" smtClean="0"/>
+              <a:t>data</a:t>
+            </a:r>
+          </a:p>
+          <a:p>
+            <a:endParaRPr lang="en-US" sz="1600" dirty="0"/>
+          </a:p>
+          <a:p>
+            <a:r>
+              <a:rPr lang="en-IN" sz="1600" b="1" dirty="0"/>
+              <a:t>What is RDBMS?</a:t>
+            </a:r>
+          </a:p>
+          <a:p>
+            <a:r>
+              <a:rPr lang="en-IN" sz="1600" dirty="0"/>
+              <a:t>Relational Database Management System (RDBMS) is an advanced version of a DBMS system. It came into existence during 1970’s. RDBMS system also allows the organization to access data more efficiently then DBMS.</a:t>
+            </a:r>
+          </a:p>
+          <a:p>
+            <a:r>
+              <a:rPr lang="en-IN" sz="1600" dirty="0"/>
+              <a:t>RDBMS is a software system which is used to store only data which need to be stored in the form of tables. In this kind of system, data is managed and stored in rows and columns which is known as tuples and attributes. RDBMS is a powerful data management system and is widely used across the world.</a:t>
+            </a:r>
+          </a:p>
+          <a:p>
+            <a:r>
+              <a:rPr lang="en-IN" sz="1600" dirty="0"/>
+              <a:t> </a:t>
+            </a:r>
+          </a:p>
+          <a:p>
+            <a:endParaRPr lang="en-IN" sz="1600" dirty="0"/>
+          </a:p>
+        </p:txBody>
+      </p:sp>
+    </p:spTree>
+    <p:extLst>
+      <p:ext uri="{BB962C8B-B14F-4D97-AF65-F5344CB8AC3E}">
+        <p14:creationId xmlns:p14="http://schemas.microsoft.com/office/powerpoint/2010/main" val="2752260182"/>
+      </p:ext>
+    </p:extLst>
+  </p:cSld>
+  <p:clrMapOvr>
+    <a:masterClrMapping/>
+  </p:clrMapOvr>
+</p:sld>
+</file>
+
+<file path=ppt/slides/slide40.xml><?xml version="1.0" encoding="utf-8"?>
+<p:sld xmlns:a="http://schemas.openxmlformats.org/drawingml/2006/main" xmlns:r="http://schemas.openxmlformats.org/officeDocument/2006/relationships" xmlns:p="http://schemas.openxmlformats.org/presentationml/2006/main">
+  <p:cSld>
+    <p:spTree>
+      <p:nvGrpSpPr>
+        <p:cNvPr id="1" name=""/>
+        <p:cNvGrpSpPr/>
+        <p:nvPr/>
+      </p:nvGrpSpPr>
+      <p:grpSpPr>
+        <a:xfrm>
+          <a:off x="0" y="0"/>
+          <a:ext cx="0" cy="0"/>
+          <a:chOff x="0" y="0"/>
+          <a:chExt cx="0" cy="0"/>
+        </a:xfrm>
+      </p:grpSpPr>
+      <p:sp>
+        <p:nvSpPr>
+          <p:cNvPr id="2" name="Title 1"/>
+          <p:cNvSpPr>
+            <a:spLocks noGrp="1"/>
+          </p:cNvSpPr>
+          <p:nvPr>
+            <p:ph type="title"/>
+          </p:nvPr>
+        </p:nvSpPr>
+        <p:spPr/>
+        <p:txBody>
+          <a:bodyPr/>
+          <a:lstStyle/>
+          <a:p>
+            <a:endParaRPr lang="en-IN"/>
+          </a:p>
+        </p:txBody>
+      </p:sp>
+      <p:sp>
+        <p:nvSpPr>
+          <p:cNvPr id="3" name="Content Placeholder 2"/>
+          <p:cNvSpPr>
+            <a:spLocks noGrp="1"/>
+          </p:cNvSpPr>
+          <p:nvPr>
+            <p:ph idx="1"/>
+          </p:nvPr>
+        </p:nvSpPr>
+        <p:spPr/>
+        <p:txBody>
+          <a:bodyPr>
+            <a:normAutofit/>
+          </a:bodyPr>
+          <a:lstStyle/>
+          <a:p>
+            <a:r>
+              <a:rPr lang="en-US" sz="1800" b="1" dirty="0" smtClean="0"/>
+              <a:t>Drop Index:</a:t>
+            </a:r>
+            <a:endParaRPr lang="en-IN" sz="1800" b="1" dirty="0" smtClean="0"/>
+          </a:p>
+          <a:p>
+            <a:endParaRPr lang="en-IN" sz="1800" b="1" dirty="0"/>
+          </a:p>
+          <a:p>
+            <a:r>
+              <a:rPr lang="en-IN" sz="1800" b="1" dirty="0" smtClean="0"/>
+              <a:t>DROP</a:t>
+            </a:r>
+            <a:r>
+              <a:rPr lang="en-IN" sz="1800" dirty="0"/>
+              <a:t> </a:t>
+            </a:r>
+            <a:r>
+              <a:rPr lang="en-IN" sz="1800" b="1" dirty="0"/>
+              <a:t>INDEX</a:t>
+            </a:r>
+            <a:r>
+              <a:rPr lang="en-IN" sz="1800" dirty="0"/>
+              <a:t> </a:t>
+            </a:r>
+            <a:r>
+              <a:rPr lang="en-IN" sz="1800" dirty="0" err="1"/>
+              <a:t>Index_Name</a:t>
+            </a:r>
+            <a:r>
+              <a:rPr lang="en-IN" sz="1800" dirty="0"/>
+              <a:t>;  </a:t>
+            </a:r>
+          </a:p>
+          <a:p>
+            <a:endParaRPr lang="en-IN" sz="1800" dirty="0"/>
+          </a:p>
+        </p:txBody>
+      </p:sp>
+    </p:spTree>
+    <p:extLst>
+      <p:ext uri="{BB962C8B-B14F-4D97-AF65-F5344CB8AC3E}">
+        <p14:creationId xmlns:p14="http://schemas.microsoft.com/office/powerpoint/2010/main" val="3852965596"/>
+      </p:ext>
+    </p:extLst>
+  </p:cSld>
+  <p:clrMapOvr>
+    <a:masterClrMapping/>
+  </p:clrMapOvr>
+</p:sld>
+</file>
+
+<file path=ppt/slides/slide41.xml><?xml version="1.0" encoding="utf-8"?>
+<p:sld xmlns:a="http://schemas.openxmlformats.org/drawingml/2006/main" xmlns:r="http://schemas.openxmlformats.org/officeDocument/2006/relationships" xmlns:p="http://schemas.openxmlformats.org/presentationml/2006/main">
+  <p:cSld>
+    <p:spTree>
+      <p:nvGrpSpPr>
+        <p:cNvPr id="1" name=""/>
+        <p:cNvGrpSpPr/>
+        <p:nvPr/>
+      </p:nvGrpSpPr>
+      <p:grpSpPr>
+        <a:xfrm>
+          <a:off x="0" y="0"/>
+          <a:ext cx="0" cy="0"/>
+          <a:chOff x="0" y="0"/>
+          <a:chExt cx="0" cy="0"/>
+        </a:xfrm>
+      </p:grpSpPr>
+      <p:sp>
+        <p:nvSpPr>
+          <p:cNvPr id="2" name="Title 1"/>
+          <p:cNvSpPr>
+            <a:spLocks noGrp="1"/>
+          </p:cNvSpPr>
+          <p:nvPr>
+            <p:ph type="title"/>
+          </p:nvPr>
+        </p:nvSpPr>
+        <p:spPr/>
+        <p:txBody>
+          <a:bodyPr/>
+          <a:lstStyle/>
+          <a:p>
+            <a:endParaRPr lang="en-IN"/>
+          </a:p>
+        </p:txBody>
+      </p:sp>
+      <p:sp>
+        <p:nvSpPr>
+          <p:cNvPr id="3" name="Content Placeholder 2"/>
+          <p:cNvSpPr>
+            <a:spLocks noGrp="1"/>
+          </p:cNvSpPr>
+          <p:nvPr>
+            <p:ph idx="1"/>
+          </p:nvPr>
+        </p:nvSpPr>
+        <p:spPr/>
+        <p:txBody>
+          <a:bodyPr>
+            <a:normAutofit/>
+          </a:bodyPr>
+          <a:lstStyle/>
+          <a:p>
+            <a:r>
+              <a:rPr lang="en-US" sz="1800" dirty="0"/>
+              <a:t>Data Controlling Language (DCL) helps users to retrieve and modify the data stored in the database with some specified queries. Grant and Revoke belong to these types of commands of the Data controlling Language. DCL is a component of </a:t>
+            </a:r>
+            <a:r>
+              <a:rPr lang="en-US" sz="1800" u="sng" dirty="0">
+                <a:hlinkClick r:id="rId2"/>
+              </a:rPr>
+              <a:t>SQL commands</a:t>
+            </a:r>
+            <a:r>
+              <a:rPr lang="en-US" sz="1800" dirty="0"/>
+              <a:t>. </a:t>
+            </a:r>
+            <a:endParaRPr lang="en-US" sz="1800" dirty="0" smtClean="0"/>
+          </a:p>
+          <a:p>
+            <a:endParaRPr lang="en-US" sz="1800" dirty="0"/>
+          </a:p>
+          <a:p>
+            <a:r>
+              <a:rPr lang="en-US" sz="1800" b="1" dirty="0"/>
+              <a:t>1. Grant :</a:t>
+            </a:r>
+            <a:r>
+              <a:rPr lang="en-US" sz="1800" dirty="0"/>
+              <a:t> </a:t>
+            </a:r>
+            <a:r>
+              <a:rPr lang="en-US" sz="1800" dirty="0"/>
+              <a:t/>
+            </a:r>
+            <a:br>
+              <a:rPr lang="en-US" sz="1800" dirty="0"/>
+            </a:br>
+            <a:r>
+              <a:rPr lang="en-US" sz="1800" dirty="0"/>
+              <a:t>SQL Grant command is specifically used to provide privileges to </a:t>
+            </a:r>
+            <a:r>
+              <a:rPr lang="en-US" sz="1800" u="sng" dirty="0">
+                <a:hlinkClick r:id="rId3"/>
+              </a:rPr>
+              <a:t>database objects</a:t>
+            </a:r>
+            <a:r>
+              <a:rPr lang="en-US" sz="1800" dirty="0"/>
+              <a:t> for a user. This command also allows users to grant permissions to other users too. </a:t>
+            </a:r>
+            <a:endParaRPr lang="en-US" sz="1800" dirty="0" smtClean="0"/>
+          </a:p>
+          <a:p>
+            <a:endParaRPr lang="en-US" sz="1800" dirty="0"/>
+          </a:p>
+          <a:p>
+            <a:pPr fontAlgn="base"/>
+            <a:r>
+              <a:rPr lang="en-US" sz="1800" b="1" dirty="0"/>
+              <a:t>Syntax:</a:t>
+            </a:r>
+            <a:r>
+              <a:rPr lang="en-US" sz="1800" dirty="0"/>
+              <a:t> </a:t>
+            </a:r>
+          </a:p>
+          <a:p>
+            <a:r>
+              <a:rPr lang="en-US" sz="1800" dirty="0"/>
+              <a:t>grant </a:t>
+            </a:r>
+            <a:r>
+              <a:rPr lang="en-US" sz="1800" dirty="0" err="1" smtClean="0"/>
+              <a:t>privilege_name</a:t>
+            </a:r>
+            <a:r>
+              <a:rPr lang="en-US" sz="1800" dirty="0" smtClean="0"/>
+              <a:t> </a:t>
+            </a:r>
+            <a:r>
+              <a:rPr lang="en-US" sz="1800" dirty="0"/>
+              <a:t>on </a:t>
+            </a:r>
+            <a:r>
+              <a:rPr lang="en-US" sz="1800" dirty="0" err="1"/>
+              <a:t>object_name</a:t>
+            </a:r>
+            <a:r>
+              <a:rPr lang="en-US" sz="1800" dirty="0"/>
+              <a:t> to {</a:t>
+            </a:r>
+            <a:r>
+              <a:rPr lang="en-US" sz="1800" dirty="0" err="1"/>
+              <a:t>user_name</a:t>
+            </a:r>
+            <a:r>
+              <a:rPr lang="en-US" sz="1800" dirty="0"/>
+              <a:t> | public | </a:t>
+            </a:r>
+            <a:r>
+              <a:rPr lang="en-US" sz="1800" dirty="0" err="1"/>
+              <a:t>role_name</a:t>
+            </a:r>
+            <a:r>
+              <a:rPr lang="en-US" sz="1800" dirty="0"/>
+              <a:t>} </a:t>
+            </a:r>
+            <a:endParaRPr lang="en-US" sz="1800" dirty="0" smtClean="0"/>
+          </a:p>
+          <a:p>
+            <a:r>
+              <a:rPr lang="en-US" sz="1400" dirty="0"/>
+              <a:t>Here </a:t>
+            </a:r>
+            <a:r>
+              <a:rPr lang="en-US" sz="1400" dirty="0" err="1"/>
+              <a:t>privilege_name</a:t>
+            </a:r>
+            <a:r>
+              <a:rPr lang="en-US" sz="1400" dirty="0"/>
+              <a:t> is which permission has to be granted, </a:t>
+            </a:r>
+            <a:r>
+              <a:rPr lang="en-US" sz="1400" dirty="0" err="1"/>
+              <a:t>object_name</a:t>
+            </a:r>
+            <a:r>
+              <a:rPr lang="en-US" sz="1400" dirty="0"/>
+              <a:t> is the name of the database object, </a:t>
+            </a:r>
+            <a:r>
+              <a:rPr lang="en-US" sz="1400" dirty="0" err="1"/>
+              <a:t>user_name</a:t>
+            </a:r>
+            <a:r>
+              <a:rPr lang="en-US" sz="1400" dirty="0"/>
+              <a:t> is the user to which access should be provided, the public is used to permit access to all the users. </a:t>
+            </a:r>
+            <a:endParaRPr lang="en-IN" sz="1400" dirty="0"/>
+          </a:p>
+        </p:txBody>
+      </p:sp>
+    </p:spTree>
+    <p:extLst>
+      <p:ext uri="{BB962C8B-B14F-4D97-AF65-F5344CB8AC3E}">
+        <p14:creationId xmlns:p14="http://schemas.microsoft.com/office/powerpoint/2010/main" val="2508621414"/>
+      </p:ext>
+    </p:extLst>
+  </p:cSld>
+  <p:clrMapOvr>
+    <a:masterClrMapping/>
+  </p:clrMapOvr>
+</p:sld>
+</file>
+
+<file path=ppt/slides/slide42.xml><?xml version="1.0" encoding="utf-8"?>
+<p:sld xmlns:a="http://schemas.openxmlformats.org/drawingml/2006/main" xmlns:r="http://schemas.openxmlformats.org/officeDocument/2006/relationships" xmlns:p="http://schemas.openxmlformats.org/presentationml/2006/main">
+  <p:cSld>
+    <p:spTree>
+      <p:nvGrpSpPr>
+        <p:cNvPr id="1" name=""/>
+        <p:cNvGrpSpPr/>
+        <p:nvPr/>
+      </p:nvGrpSpPr>
+      <p:grpSpPr>
+        <a:xfrm>
+          <a:off x="0" y="0"/>
+          <a:ext cx="0" cy="0"/>
+          <a:chOff x="0" y="0"/>
+          <a:chExt cx="0" cy="0"/>
+        </a:xfrm>
+      </p:grpSpPr>
+      <p:sp>
+        <p:nvSpPr>
+          <p:cNvPr id="2" name="Title 1"/>
+          <p:cNvSpPr>
+            <a:spLocks noGrp="1"/>
+          </p:cNvSpPr>
+          <p:nvPr>
+            <p:ph type="title"/>
+          </p:nvPr>
+        </p:nvSpPr>
+        <p:spPr/>
+        <p:txBody>
+          <a:bodyPr/>
+          <a:lstStyle/>
+          <a:p>
+            <a:endParaRPr lang="en-IN"/>
+          </a:p>
+        </p:txBody>
+      </p:sp>
+      <p:sp>
+        <p:nvSpPr>
+          <p:cNvPr id="3" name="Content Placeholder 2"/>
+          <p:cNvSpPr>
+            <a:spLocks noGrp="1"/>
+          </p:cNvSpPr>
+          <p:nvPr>
+            <p:ph idx="1"/>
+          </p:nvPr>
+        </p:nvSpPr>
+        <p:spPr/>
+        <p:txBody>
+          <a:bodyPr>
+            <a:normAutofit/>
+          </a:bodyPr>
+          <a:lstStyle/>
+          <a:p>
+            <a:pPr fontAlgn="base"/>
+            <a:r>
+              <a:rPr lang="en-US" sz="1400" b="1" dirty="0"/>
+              <a:t>Example:</a:t>
+            </a:r>
+            <a:r>
+              <a:rPr lang="en-US" sz="1400" dirty="0"/>
+              <a:t>  </a:t>
+            </a:r>
+          </a:p>
+          <a:p>
+            <a:pPr fontAlgn="base"/>
+            <a:r>
+              <a:rPr lang="en-US" sz="1400" dirty="0"/>
+              <a:t>grant insert, select on accounts to </a:t>
+            </a:r>
+            <a:r>
+              <a:rPr lang="en-US" sz="1400" dirty="0" smtClean="0"/>
+              <a:t>Ram</a:t>
+            </a:r>
+          </a:p>
+          <a:p>
+            <a:pPr fontAlgn="base"/>
+            <a:endParaRPr lang="en-US" sz="1400" dirty="0"/>
+          </a:p>
+          <a:p>
+            <a:pPr fontAlgn="base"/>
+            <a:r>
+              <a:rPr lang="en-US" sz="1400" dirty="0" smtClean="0"/>
+              <a:t>By </a:t>
+            </a:r>
+            <a:r>
+              <a:rPr lang="en-US" sz="1400" dirty="0"/>
+              <a:t>the above command user ram has granted permissions on accounts database object like he can query or insert into accounts. </a:t>
+            </a:r>
+            <a:endParaRPr lang="en-US" sz="1400" dirty="0" smtClean="0"/>
+          </a:p>
+          <a:p>
+            <a:pPr fontAlgn="base"/>
+            <a:endParaRPr lang="en-US" sz="1400" dirty="0"/>
+          </a:p>
+          <a:p>
+            <a:pPr fontAlgn="base"/>
+            <a:r>
+              <a:rPr lang="en-US" sz="1400" b="1" dirty="0"/>
+              <a:t>2. Revoke :</a:t>
+            </a:r>
+            <a:r>
+              <a:rPr lang="en-US" sz="1400" dirty="0"/>
+              <a:t> </a:t>
+            </a:r>
+            <a:r>
+              <a:rPr lang="en-US" sz="1400" dirty="0"/>
+              <a:t/>
+            </a:r>
+            <a:br>
+              <a:rPr lang="en-US" sz="1400" dirty="0"/>
+            </a:br>
+            <a:r>
+              <a:rPr lang="en-US" sz="1400" dirty="0"/>
+              <a:t>Revoke command withdraw user privileges on database objects if any granted. It does operations opposite to the Grant command. When a privilege is revoked from a particular user U, then the privileges granted to all other users by user U will be revoked. </a:t>
+            </a:r>
+            <a:endParaRPr lang="en-US" sz="1400" dirty="0" smtClean="0"/>
+          </a:p>
+          <a:p>
+            <a:pPr fontAlgn="base"/>
+            <a:endParaRPr lang="en-US" sz="1400" dirty="0"/>
+          </a:p>
+          <a:p>
+            <a:pPr fontAlgn="base"/>
+            <a:r>
+              <a:rPr lang="en-US" sz="1400" b="1" dirty="0"/>
+              <a:t>Syntax:</a:t>
+            </a:r>
+            <a:r>
+              <a:rPr lang="en-US" sz="1400" dirty="0"/>
+              <a:t> </a:t>
+            </a:r>
+          </a:p>
+          <a:p>
+            <a:r>
+              <a:rPr lang="en-US" sz="1400" dirty="0"/>
+              <a:t>revoke </a:t>
+            </a:r>
+            <a:r>
+              <a:rPr lang="en-US" sz="1400" dirty="0" err="1"/>
+              <a:t>privilege_name</a:t>
+            </a:r>
+            <a:r>
+              <a:rPr lang="en-US" sz="1400" dirty="0"/>
+              <a:t> on </a:t>
+            </a:r>
+            <a:r>
+              <a:rPr lang="en-US" sz="1400" dirty="0" err="1"/>
+              <a:t>object_name</a:t>
+            </a:r>
+            <a:r>
+              <a:rPr lang="en-US" sz="1400" dirty="0"/>
+              <a:t> from {</a:t>
+            </a:r>
+            <a:r>
+              <a:rPr lang="en-US" sz="1400" dirty="0" err="1"/>
+              <a:t>user_name</a:t>
+            </a:r>
+            <a:r>
+              <a:rPr lang="en-US" sz="1400" dirty="0"/>
+              <a:t> | public | </a:t>
+            </a:r>
+            <a:r>
+              <a:rPr lang="en-US" sz="1400" dirty="0" err="1"/>
+              <a:t>role_name</a:t>
+            </a:r>
+            <a:r>
+              <a:rPr lang="en-US" sz="1400" dirty="0" smtClean="0"/>
+              <a:t>}</a:t>
+            </a:r>
+          </a:p>
+          <a:p>
+            <a:endParaRPr lang="en-US" sz="1400" dirty="0"/>
+          </a:p>
+          <a:p>
+            <a:pPr fontAlgn="base"/>
+            <a:r>
+              <a:rPr lang="en-US" sz="1400" dirty="0"/>
+              <a:t>revoke insert, select on accounts from </a:t>
+            </a:r>
+            <a:r>
+              <a:rPr lang="en-US" sz="1400" dirty="0" smtClean="0"/>
+              <a:t>Ram</a:t>
+            </a:r>
+          </a:p>
+          <a:p>
+            <a:pPr fontAlgn="base"/>
+            <a:r>
+              <a:rPr lang="en-US" sz="1400" dirty="0" smtClean="0"/>
+              <a:t>By </a:t>
+            </a:r>
+            <a:r>
+              <a:rPr lang="en-US" sz="1400" dirty="0"/>
+              <a:t>the above command user ram’s permissions like query or insert on accounts database object has been removed. </a:t>
+            </a:r>
+          </a:p>
+          <a:p>
+            <a:pPr fontAlgn="base"/>
+            <a:r>
+              <a:rPr lang="en-US" sz="1400" dirty="0"/>
+              <a:t> </a:t>
+            </a:r>
+          </a:p>
+          <a:p>
+            <a:endParaRPr lang="en-US" sz="1400" dirty="0"/>
+          </a:p>
+          <a:p>
+            <a:endParaRPr lang="en-IN" sz="1400" dirty="0"/>
+          </a:p>
+        </p:txBody>
+      </p:sp>
+    </p:spTree>
+    <p:extLst>
+      <p:ext uri="{BB962C8B-B14F-4D97-AF65-F5344CB8AC3E}">
+        <p14:creationId xmlns:p14="http://schemas.microsoft.com/office/powerpoint/2010/main" val="538788724"/>
+      </p:ext>
+    </p:extLst>
+  </p:cSld>
+  <p:clrMapOvr>
+    <a:masterClrMapping/>
+  </p:clrMapOvr>
+</p:sld>
+</file>
+
+<file path=ppt/slides/slide43.xml><?xml version="1.0" encoding="utf-8"?>
+<p:sld xmlns:a="http://schemas.openxmlformats.org/drawingml/2006/main" xmlns:r="http://schemas.openxmlformats.org/officeDocument/2006/relationships" xmlns:p="http://schemas.openxmlformats.org/presentationml/2006/main">
+  <p:cSld>
+    <p:spTree>
+      <p:nvGrpSpPr>
+        <p:cNvPr id="1" name=""/>
+        <p:cNvGrpSpPr/>
+        <p:nvPr/>
+      </p:nvGrpSpPr>
+      <p:grpSpPr>
+        <a:xfrm>
+          <a:off x="0" y="0"/>
+          <a:ext cx="0" cy="0"/>
+          <a:chOff x="0" y="0"/>
+          <a:chExt cx="0" cy="0"/>
+        </a:xfrm>
+      </p:grpSpPr>
+      <p:sp>
+        <p:nvSpPr>
+          <p:cNvPr id="2" name="Title 1"/>
+          <p:cNvSpPr>
+            <a:spLocks noGrp="1"/>
+          </p:cNvSpPr>
+          <p:nvPr>
+            <p:ph type="title"/>
+          </p:nvPr>
+        </p:nvSpPr>
+        <p:spPr/>
+        <p:txBody>
+          <a:bodyPr>
+            <a:normAutofit/>
+          </a:bodyPr>
+          <a:lstStyle/>
+          <a:p>
+            <a:r>
               <a:rPr lang="en-US" dirty="0"/>
               <a:t>D</a:t>
             </a:r>
@@ -13077,7 +18948,7 @@
 </p:sld>
 </file>
 
-<file path=ppt/slides/slide26.xml><?xml version="1.0" encoding="utf-8"?>
+<file path=ppt/slides/slide44.xml><?xml version="1.0" encoding="utf-8"?>
 <p:sld xmlns:a="http://schemas.openxmlformats.org/drawingml/2006/main" xmlns:r="http://schemas.openxmlformats.org/officeDocument/2006/relationships" xmlns:p="http://schemas.openxmlformats.org/presentationml/2006/main">
   <p:cSld>
     <p:spTree>
@@ -13112,7 +18983,7 @@
         </p:spPr>
         <p:txBody>
           <a:bodyPr>
-            <a:normAutofit/>
+            <a:normAutofit fontScale="92500" lnSpcReduction="20000"/>
           </a:bodyPr>
           <a:lstStyle/>
           <a:p>
@@ -13276,7 +19147,26 @@
             </a:r>
             <a:r>
               <a:rPr lang="en-US" sz="2400" dirty="0" smtClean="0"/>
-              <a:t>=1;</a:t>
+              <a:t>=1</a:t>
+            </a:r>
+            <a:r>
+              <a:rPr lang="en-US" sz="2400" dirty="0" smtClean="0"/>
+              <a:t>;</a:t>
+            </a:r>
+          </a:p>
+          <a:p>
+            <a:r>
+              <a:rPr lang="en-US" sz="2400" dirty="0"/>
+              <a:t>TRUNCATE : used to delete all the rows from the table and free the containing space</a:t>
+            </a:r>
+          </a:p>
+          <a:p>
+            <a:pPr>
+              <a:buNone/>
+            </a:pPr>
+            <a:r>
+              <a:rPr lang="en-US" sz="2400" dirty="0"/>
+              <a:t>Syntax: TRUNCATE TABLE employee;</a:t>
             </a:r>
             <a:endParaRPr lang="en-US" sz="2400" dirty="0"/>
           </a:p>
@@ -13290,7 +19180,7 @@
 </p:sld>
 </file>
 
-<file path=ppt/slides/slide27.xml><?xml version="1.0" encoding="utf-8"?>
+<file path=ppt/slides/slide45.xml><?xml version="1.0" encoding="utf-8"?>
 <p:sld xmlns:a="http://schemas.openxmlformats.org/drawingml/2006/main" xmlns:r="http://schemas.openxmlformats.org/officeDocument/2006/relationships" xmlns:p="http://schemas.openxmlformats.org/presentationml/2006/main">
   <p:cSld>
     <p:spTree>
@@ -15245,7 +21135,7 @@
 </p:sld>
 </file>
 
-<file path=ppt/slides/slide28.xml><?xml version="1.0" encoding="utf-8"?>
+<file path=ppt/slides/slide46.xml><?xml version="1.0" encoding="utf-8"?>
 <p:sld xmlns:a="http://schemas.openxmlformats.org/drawingml/2006/main" xmlns:r="http://schemas.openxmlformats.org/officeDocument/2006/relationships" xmlns:p="http://schemas.openxmlformats.org/presentationml/2006/main">
   <p:cSld>
     <p:spTree>
@@ -15404,7 +21294,7 @@
 </p:sld>
 </file>
 
-<file path=ppt/slides/slide29.xml><?xml version="1.0" encoding="utf-8"?>
+<file path=ppt/slides/slide47.xml><?xml version="1.0" encoding="utf-8"?>
 <p:sld xmlns:a="http://schemas.openxmlformats.org/drawingml/2006/main" xmlns:r="http://schemas.openxmlformats.org/officeDocument/2006/relationships" xmlns:p="http://schemas.openxmlformats.org/presentationml/2006/main">
   <p:cSld>
     <p:spTree>
@@ -15512,153 +21402,7 @@
 </p:sld>
 </file>
 
-<file path=ppt/slides/slide3.xml><?xml version="1.0" encoding="utf-8"?>
-<p:sld xmlns:a="http://schemas.openxmlformats.org/drawingml/2006/main" xmlns:r="http://schemas.openxmlformats.org/officeDocument/2006/relationships" xmlns:p="http://schemas.openxmlformats.org/presentationml/2006/main">
-  <p:cSld>
-    <p:spTree>
-      <p:nvGrpSpPr>
-        <p:cNvPr id="1" name=""/>
-        <p:cNvGrpSpPr/>
-        <p:nvPr/>
-      </p:nvGrpSpPr>
-      <p:grpSpPr>
-        <a:xfrm>
-          <a:off x="0" y="0"/>
-          <a:ext cx="0" cy="0"/>
-          <a:chOff x="0" y="0"/>
-          <a:chExt cx="0" cy="0"/>
-        </a:xfrm>
-      </p:grpSpPr>
-      <p:sp>
-        <p:nvSpPr>
-          <p:cNvPr id="2" name="Title 1"/>
-          <p:cNvSpPr>
-            <a:spLocks noGrp="1"/>
-          </p:cNvSpPr>
-          <p:nvPr>
-            <p:ph type="title"/>
-          </p:nvPr>
-        </p:nvSpPr>
-        <p:spPr/>
-        <p:txBody>
-          <a:bodyPr>
-            <a:normAutofit/>
-          </a:bodyPr>
-          <a:lstStyle/>
-          <a:p>
-            <a:r>
-              <a:rPr lang="en-IN" sz="1600" dirty="0"/>
-              <a:t>What is field</a:t>
-            </a:r>
-            <a:r>
-              <a:rPr lang="en-IN" sz="1600" b="1" dirty="0"/>
-              <a:t/>
-            </a:r>
-            <a:br>
-              <a:rPr lang="en-IN" sz="1600" b="1" dirty="0"/>
-            </a:br>
-            <a:r>
-              <a:rPr lang="en-IN" sz="1600" dirty="0" err="1"/>
-              <a:t>Field</a:t>
-            </a:r>
-            <a:r>
-              <a:rPr lang="en-IN" sz="1600" dirty="0"/>
-              <a:t> is a smaller entity of the table which contains specific information about every record in the table. In the above example, the field in the student table consist of id, name, age, course.</a:t>
-            </a:r>
-            <a:br>
-              <a:rPr lang="en-IN" sz="1600" dirty="0"/>
-            </a:br>
-            <a:endParaRPr lang="en-IN" sz="1600" dirty="0"/>
-          </a:p>
-        </p:txBody>
-      </p:sp>
-      <p:sp>
-        <p:nvSpPr>
-          <p:cNvPr id="3" name="Content Placeholder 2"/>
-          <p:cNvSpPr>
-            <a:spLocks noGrp="1"/>
-          </p:cNvSpPr>
-          <p:nvPr>
-            <p:ph idx="1"/>
-          </p:nvPr>
-        </p:nvSpPr>
-        <p:spPr/>
-        <p:txBody>
-          <a:bodyPr>
-            <a:normAutofit/>
-          </a:bodyPr>
-          <a:lstStyle/>
-          <a:p>
-            <a:r>
-              <a:rPr lang="en-IN" sz="1600" dirty="0"/>
-              <a:t>What is row or record</a:t>
-            </a:r>
-            <a:endParaRPr lang="en-IN" sz="1600" b="1" dirty="0"/>
-          </a:p>
-          <a:p>
-            <a:r>
-              <a:rPr lang="en-IN" sz="1600" dirty="0"/>
-              <a:t>A row of a table is also called record. It contains the specific information of each individual entry in the table. It is a horizontal entity in the table. For example: The above table contains 5 records.</a:t>
-            </a:r>
-          </a:p>
-          <a:p>
-            <a:r>
-              <a:rPr lang="en-IN" sz="1600" dirty="0"/>
-              <a:t>Let's see one record/row in the table.</a:t>
-            </a:r>
-          </a:p>
-          <a:p>
-            <a:r>
-              <a:rPr lang="en-IN" sz="1600" dirty="0"/>
-              <a:t>What is column</a:t>
-            </a:r>
-            <a:endParaRPr lang="en-IN" sz="1600" b="1" dirty="0"/>
-          </a:p>
-          <a:p>
-            <a:r>
-              <a:rPr lang="en-IN" sz="1600" dirty="0"/>
-              <a:t>A column is a vertical entity in the table which contains all information associated with a specific field in a table. For example: "name" is a column in the above table which contains all information about student's </a:t>
-            </a:r>
-            <a:r>
-              <a:rPr lang="en-IN" sz="1600" dirty="0" smtClean="0"/>
-              <a:t>name</a:t>
-            </a:r>
-          </a:p>
-          <a:p>
-            <a:endParaRPr lang="en-US" sz="1600" dirty="0"/>
-          </a:p>
-          <a:p>
-            <a:r>
-              <a:rPr lang="en-IN" sz="1600" dirty="0"/>
-              <a:t>NULL Values</a:t>
-            </a:r>
-            <a:endParaRPr lang="en-IN" sz="1600" b="1" dirty="0"/>
-          </a:p>
-          <a:p>
-            <a:r>
-              <a:rPr lang="en-IN" sz="1600" dirty="0"/>
-              <a:t>The NULL value of the table specifies that the field has been left blank during record creation. It is totally different from the value filled with zero or a field that contains space.</a:t>
-            </a:r>
-          </a:p>
-          <a:p>
-            <a:endParaRPr lang="en-IN" sz="1600" dirty="0"/>
-          </a:p>
-        </p:txBody>
-      </p:sp>
-    </p:spTree>
-    <p:extLst>
-      <p:ext uri="{BB962C8B-B14F-4D97-AF65-F5344CB8AC3E}">
-        <p14:creationId xmlns:p14="http://schemas.microsoft.com/office/powerpoint/2010/main" val="3944194929"/>
-      </p:ext>
-    </p:extLst>
-  </p:cSld>
-  <p:clrMapOvr>
-    <a:masterClrMapping/>
-  </p:clrMapOvr>
-</p:sld>
-</file>
-
-<file path=ppt/slides/slide30.xml><?xml version="1.0" encoding="utf-8"?>
+<file path=ppt/slides/slide48.xml><?xml version="1.0" encoding="utf-8"?>
 <p:sld xmlns:a="http://schemas.openxmlformats.org/drawingml/2006/main" xmlns:r="http://schemas.openxmlformats.org/officeDocument/2006/relationships" xmlns:p="http://schemas.openxmlformats.org/presentationml/2006/main">
   <p:cSld>
     <p:spTree>
@@ -16047,7 +21791,7 @@
 </p:sld>
 </file>
 
-<file path=ppt/slides/slide31.xml><?xml version="1.0" encoding="utf-8"?>
+<file path=ppt/slides/slide49.xml><?xml version="1.0" encoding="utf-8"?>
 <p:sld xmlns:a="http://schemas.openxmlformats.org/drawingml/2006/main" xmlns:r="http://schemas.openxmlformats.org/officeDocument/2006/relationships" xmlns:p="http://schemas.openxmlformats.org/presentationml/2006/main">
   <p:cSld>
     <p:spTree>
@@ -16114,7 +21858,178 @@
 </p:sld>
 </file>
 
-<file path=ppt/slides/slide32.xml><?xml version="1.0" encoding="utf-8"?>
+<file path=ppt/slides/slide5.xml><?xml version="1.0" encoding="utf-8"?>
+<p:sld xmlns:a="http://schemas.openxmlformats.org/drawingml/2006/main" xmlns:r="http://schemas.openxmlformats.org/officeDocument/2006/relationships" xmlns:p="http://schemas.openxmlformats.org/presentationml/2006/main">
+  <p:cSld>
+    <p:spTree>
+      <p:nvGrpSpPr>
+        <p:cNvPr id="1" name=""/>
+        <p:cNvGrpSpPr/>
+        <p:nvPr/>
+      </p:nvGrpSpPr>
+      <p:grpSpPr>
+        <a:xfrm>
+          <a:off x="0" y="0"/>
+          <a:ext cx="0" cy="0"/>
+          <a:chOff x="0" y="0"/>
+          <a:chExt cx="0" cy="0"/>
+        </a:xfrm>
+      </p:grpSpPr>
+      <p:sp>
+        <p:nvSpPr>
+          <p:cNvPr id="2" name="Title 1"/>
+          <p:cNvSpPr>
+            <a:spLocks noGrp="1"/>
+          </p:cNvSpPr>
+          <p:nvPr>
+            <p:ph type="title"/>
+          </p:nvPr>
+        </p:nvSpPr>
+        <p:spPr/>
+        <p:txBody>
+          <a:bodyPr/>
+          <a:lstStyle/>
+          <a:p>
+            <a:r>
+              <a:rPr lang="en-US" dirty="0" smtClean="0"/>
+              <a:t>RDBMS</a:t>
+            </a:r>
+            <a:endParaRPr lang="en-US" dirty="0"/>
+          </a:p>
+        </p:txBody>
+      </p:sp>
+      <p:pic>
+        <p:nvPicPr>
+          <p:cNvPr id="4" name="Content Placeholder 3"/>
+          <p:cNvPicPr>
+            <a:picLocks noGrp="1"/>
+          </p:cNvPicPr>
+          <p:nvPr>
+            <p:ph idx="1"/>
+          </p:nvPr>
+        </p:nvPicPr>
+        <p:blipFill>
+          <a:blip r:embed="rId2"/>
+          <a:srcRect/>
+          <a:stretch>
+            <a:fillRect/>
+          </a:stretch>
+        </p:blipFill>
+        <p:spPr bwMode="auto">
+          <a:xfrm>
+            <a:off x="1143000" y="1447800"/>
+            <a:ext cx="6705600" cy="2305168"/>
+          </a:xfrm>
+          <a:prstGeom prst="rect">
+            <a:avLst/>
+          </a:prstGeom>
+          <a:noFill/>
+          <a:ln w="9525">
+            <a:noFill/>
+            <a:miter lim="800000"/>
+            <a:headEnd/>
+            <a:tailEnd/>
+          </a:ln>
+        </p:spPr>
+      </p:pic>
+      <p:sp>
+        <p:nvSpPr>
+          <p:cNvPr id="6" name="TextBox 5"/>
+          <p:cNvSpPr txBox="1"/>
+          <p:nvPr/>
+        </p:nvSpPr>
+        <p:spPr>
+          <a:xfrm>
+            <a:off x="914400" y="4267200"/>
+            <a:ext cx="7315200" cy="1200329"/>
+          </a:xfrm>
+          <a:prstGeom prst="rect">
+            <a:avLst/>
+          </a:prstGeom>
+          <a:noFill/>
+        </p:spPr>
+        <p:txBody>
+          <a:bodyPr wrap="square" rtlCol="0" anchor="ctr">
+            <a:spAutoFit/>
+          </a:bodyPr>
+          <a:lstStyle/>
+          <a:p>
+            <a:pPr>
+              <a:buFont typeface="Arial" pitchFamily="34" charset="0"/>
+              <a:buChar char="•"/>
+            </a:pPr>
+            <a:r>
+              <a:rPr lang="en-US" dirty="0" smtClean="0"/>
+              <a:t> A program that allows us to create, delete and update a relational DB</a:t>
+            </a:r>
+          </a:p>
+          <a:p>
+            <a:pPr>
+              <a:buFont typeface="Arial" pitchFamily="34" charset="0"/>
+              <a:buChar char="•"/>
+            </a:pPr>
+            <a:r>
+              <a:rPr lang="en-US" dirty="0" smtClean="0"/>
+              <a:t> A </a:t>
+            </a:r>
+            <a:r>
+              <a:rPr lang="en-US" dirty="0"/>
+              <a:t>database system that stores and retrieves data in a </a:t>
+            </a:r>
+            <a:r>
+              <a:rPr lang="en-US" dirty="0" smtClean="0"/>
+              <a:t>structured format </a:t>
+            </a:r>
+            <a:r>
+              <a:rPr lang="en-US" dirty="0"/>
+              <a:t>organized in the form of rows and </a:t>
+            </a:r>
+            <a:r>
+              <a:rPr lang="en-US" dirty="0" smtClean="0"/>
+              <a:t>columns</a:t>
+            </a:r>
+          </a:p>
+          <a:p>
+            <a:pPr>
+              <a:buFont typeface="Arial" pitchFamily="34" charset="0"/>
+              <a:buChar char="•"/>
+            </a:pPr>
+            <a:r>
+              <a:rPr lang="en-US" dirty="0"/>
+              <a:t> </a:t>
+            </a:r>
+            <a:r>
+              <a:rPr lang="en-US" dirty="0" smtClean="0"/>
+              <a:t>“Relational</a:t>
+            </a:r>
+            <a:r>
+              <a:rPr lang="en-US" dirty="0"/>
+              <a:t>" because the values within each </a:t>
+            </a:r>
+            <a:r>
+              <a:rPr lang="en-US" dirty="0" smtClean="0"/>
+              <a:t>table</a:t>
+            </a:r>
+            <a:r>
+              <a:rPr lang="en-US" dirty="0"/>
+              <a:t> are related to each </a:t>
+            </a:r>
+            <a:r>
+              <a:rPr lang="en-US" dirty="0" smtClean="0"/>
+              <a:t>other</a:t>
+            </a:r>
+          </a:p>
+        </p:txBody>
+      </p:sp>
+    </p:spTree>
+  </p:cSld>
+  <p:clrMapOvr>
+    <a:masterClrMapping/>
+  </p:clrMapOvr>
+</p:sld>
+</file>
+
+<file path=ppt/slides/slide50.xml><?xml version="1.0" encoding="utf-8"?>
 <p:sld xmlns:a="http://schemas.openxmlformats.org/drawingml/2006/main" xmlns:r="http://schemas.openxmlformats.org/officeDocument/2006/relationships" xmlns:p="http://schemas.openxmlformats.org/presentationml/2006/main">
   <p:cSld>
     <p:spTree>
@@ -16376,7 +22291,7 @@
 </p:sld>
 </file>
 
-<file path=ppt/slides/slide33.xml><?xml version="1.0" encoding="utf-8"?>
+<file path=ppt/slides/slide51.xml><?xml version="1.0" encoding="utf-8"?>
 <p:sld xmlns:a="http://schemas.openxmlformats.org/drawingml/2006/main" xmlns:r="http://schemas.openxmlformats.org/officeDocument/2006/relationships" xmlns:p="http://schemas.openxmlformats.org/presentationml/2006/main">
   <p:cSld>
     <p:spTree>
@@ -16730,7 +22645,7 @@
 </p:sld>
 </file>
 
-<file path=ppt/slides/slide34.xml><?xml version="1.0" encoding="utf-8"?>
+<file path=ppt/slides/slide52.xml><?xml version="1.0" encoding="utf-8"?>
 <p:sld xmlns:a="http://schemas.openxmlformats.org/drawingml/2006/main" xmlns:r="http://schemas.openxmlformats.org/officeDocument/2006/relationships" xmlns:p="http://schemas.openxmlformats.org/presentationml/2006/main">
   <p:cSld>
     <p:spTree>
@@ -16890,7 +22805,7 @@
 </p:sld>
 </file>
 
-<file path=ppt/slides/slide35.xml><?xml version="1.0" encoding="utf-8"?>
+<file path=ppt/slides/slide53.xml><?xml version="1.0" encoding="utf-8"?>
 <p:sld xmlns:a="http://schemas.openxmlformats.org/drawingml/2006/main" xmlns:r="http://schemas.openxmlformats.org/officeDocument/2006/relationships" xmlns:p="http://schemas.openxmlformats.org/presentationml/2006/main">
   <p:cSld>
     <p:spTree>
@@ -17889,7 +23804,7 @@
 </p:sld>
 </file>
 
-<file path=ppt/slides/slide36.xml><?xml version="1.0" encoding="utf-8"?>
+<file path=ppt/slides/slide54.xml><?xml version="1.0" encoding="utf-8"?>
 <p:sld xmlns:a="http://schemas.openxmlformats.org/drawingml/2006/main" xmlns:r="http://schemas.openxmlformats.org/officeDocument/2006/relationships" xmlns:p="http://schemas.openxmlformats.org/presentationml/2006/main">
   <p:cSld>
     <p:spTree>
@@ -18113,7 +24028,7 @@
 </p:sld>
 </file>
 
-<file path=ppt/slides/slide37.xml><?xml version="1.0" encoding="utf-8"?>
+<file path=ppt/slides/slide55.xml><?xml version="1.0" encoding="utf-8"?>
 <p:sld xmlns:a="http://schemas.openxmlformats.org/drawingml/2006/main" xmlns:r="http://schemas.openxmlformats.org/officeDocument/2006/relationships" xmlns:p="http://schemas.openxmlformats.org/presentationml/2006/main">
   <p:cSld>
     <p:spTree>
@@ -18322,7 +24237,7 @@
 </p:sld>
 </file>
 
-<file path=ppt/slides/slide38.xml><?xml version="1.0" encoding="utf-8"?>
+<file path=ppt/slides/slide56.xml><?xml version="1.0" encoding="utf-8"?>
 <p:sld xmlns:a="http://schemas.openxmlformats.org/drawingml/2006/main" xmlns:r="http://schemas.openxmlformats.org/officeDocument/2006/relationships" xmlns:p="http://schemas.openxmlformats.org/presentationml/2006/main">
   <p:cSld>
     <p:spTree>
@@ -18576,7 +24491,7 @@
 </p:sld>
 </file>
 
-<file path=ppt/slides/slide39.xml><?xml version="1.0" encoding="utf-8"?>
+<file path=ppt/slides/slide57.xml><?xml version="1.0" encoding="utf-8"?>
 <p:sld xmlns:a="http://schemas.openxmlformats.org/drawingml/2006/main" xmlns:r="http://schemas.openxmlformats.org/officeDocument/2006/relationships" xmlns:p="http://schemas.openxmlformats.org/presentationml/2006/main">
   <p:cSld>
     <p:spTree>
@@ -18704,126 +24619,7 @@
 </p:sld>
 </file>
 
-<file path=ppt/slides/slide4.xml><?xml version="1.0" encoding="utf-8"?>
-<p:sld xmlns:a="http://schemas.openxmlformats.org/drawingml/2006/main" xmlns:r="http://schemas.openxmlformats.org/officeDocument/2006/relationships" xmlns:p="http://schemas.openxmlformats.org/presentationml/2006/main">
-  <p:cSld>
-    <p:spTree>
-      <p:nvGrpSpPr>
-        <p:cNvPr id="1" name=""/>
-        <p:cNvGrpSpPr/>
-        <p:nvPr/>
-      </p:nvGrpSpPr>
-      <p:grpSpPr>
-        <a:xfrm>
-          <a:off x="0" y="0"/>
-          <a:ext cx="0" cy="0"/>
-          <a:chOff x="0" y="0"/>
-          <a:chExt cx="0" cy="0"/>
-        </a:xfrm>
-      </p:grpSpPr>
-      <p:sp>
-        <p:nvSpPr>
-          <p:cNvPr id="2" name="Title 1"/>
-          <p:cNvSpPr>
-            <a:spLocks noGrp="1"/>
-          </p:cNvSpPr>
-          <p:nvPr>
-            <p:ph type="title"/>
-          </p:nvPr>
-        </p:nvSpPr>
-        <p:spPr/>
-        <p:txBody>
-          <a:bodyPr/>
-          <a:lstStyle/>
-          <a:p>
-            <a:endParaRPr lang="en-IN"/>
-          </a:p>
-        </p:txBody>
-      </p:sp>
-      <p:sp>
-        <p:nvSpPr>
-          <p:cNvPr id="3" name="Content Placeholder 2"/>
-          <p:cNvSpPr>
-            <a:spLocks noGrp="1"/>
-          </p:cNvSpPr>
-          <p:nvPr>
-            <p:ph idx="1"/>
-          </p:nvPr>
-        </p:nvSpPr>
-        <p:spPr/>
-        <p:txBody>
-          <a:bodyPr>
-            <a:normAutofit lnSpcReduction="10000"/>
-          </a:bodyPr>
-          <a:lstStyle/>
-          <a:p>
-            <a:r>
-              <a:rPr lang="en-IN" sz="1600" b="1" dirty="0"/>
-              <a:t>What is DBMS?</a:t>
-            </a:r>
-          </a:p>
-          <a:p>
-            <a:r>
-              <a:rPr lang="en-IN" sz="1600" dirty="0"/>
-              <a:t>A DBMS is a software used to store and manage data. The DBMS was introduced during 1960’s to store any data. It also offers manipulation of the data like insertion, deletion, and updating of the data.</a:t>
-            </a:r>
-          </a:p>
-          <a:p>
-            <a:r>
-              <a:rPr lang="en-IN" sz="1600" dirty="0"/>
-              <a:t>DBMS system also performs the functions like defining, creating, revising and controlling the database. It is specially designed to create and maintain data and enable the individual business application to extract the desired </a:t>
-            </a:r>
-            <a:r>
-              <a:rPr lang="en-IN" sz="1600" dirty="0" smtClean="0"/>
-              <a:t>data</a:t>
-            </a:r>
-          </a:p>
-          <a:p>
-            <a:endParaRPr lang="en-US" sz="1600" dirty="0"/>
-          </a:p>
-          <a:p>
-            <a:r>
-              <a:rPr lang="en-IN" sz="1600" b="1" dirty="0"/>
-              <a:t>What is RDBMS?</a:t>
-            </a:r>
-          </a:p>
-          <a:p>
-            <a:r>
-              <a:rPr lang="en-IN" sz="1600" dirty="0"/>
-              <a:t>Relational Database Management System (RDBMS) is an advanced version of a DBMS system. It came into existence during 1970’s. RDBMS system also allows the organization to access data more efficiently then DBMS.</a:t>
-            </a:r>
-          </a:p>
-          <a:p>
-            <a:r>
-              <a:rPr lang="en-IN" sz="1600" dirty="0"/>
-              <a:t>RDBMS is a software system which is used to store only data which need to be stored in the form of tables. In this kind of system, data is managed and stored in rows and columns which is known as tuples and attributes. RDBMS is a powerful data management system and is widely used across the world.</a:t>
-            </a:r>
-          </a:p>
-          <a:p>
-            <a:r>
-              <a:rPr lang="en-IN" sz="1600" dirty="0"/>
-              <a:t> </a:t>
-            </a:r>
-          </a:p>
-          <a:p>
-            <a:endParaRPr lang="en-IN" sz="1600" dirty="0"/>
-          </a:p>
-        </p:txBody>
-      </p:sp>
-    </p:spTree>
-    <p:extLst>
-      <p:ext uri="{BB962C8B-B14F-4D97-AF65-F5344CB8AC3E}">
-        <p14:creationId xmlns:p14="http://schemas.microsoft.com/office/powerpoint/2010/main" val="2752260182"/>
-      </p:ext>
-    </p:extLst>
-  </p:cSld>
-  <p:clrMapOvr>
-    <a:masterClrMapping/>
-  </p:clrMapOvr>
-</p:sld>
-</file>
-
-<file path=ppt/slides/slide40.xml><?xml version="1.0" encoding="utf-8"?>
+<file path=ppt/slides/slide58.xml><?xml version="1.0" encoding="utf-8"?>
 <p:sld xmlns:a="http://schemas.openxmlformats.org/drawingml/2006/main" xmlns:r="http://schemas.openxmlformats.org/officeDocument/2006/relationships" xmlns:p="http://schemas.openxmlformats.org/presentationml/2006/main">
   <p:cSld>
     <p:spTree>
@@ -19071,7 +24867,7 @@
 </p:sld>
 </file>
 
-<file path=ppt/slides/slide41.xml><?xml version="1.0" encoding="utf-8"?>
+<file path=ppt/slides/slide59.xml><?xml version="1.0" encoding="utf-8"?>
 <p:sld xmlns:a="http://schemas.openxmlformats.org/drawingml/2006/main" xmlns:r="http://schemas.openxmlformats.org/officeDocument/2006/relationships" xmlns:p="http://schemas.openxmlformats.org/presentationml/2006/main">
   <p:cSld>
     <p:spTree>
@@ -19197,7 +24993,109 @@
 </p:sld>
 </file>
 
-<file path=ppt/slides/slide42.xml><?xml version="1.0" encoding="utf-8"?>
+<file path=ppt/slides/slide6.xml><?xml version="1.0" encoding="utf-8"?>
+<p:sld xmlns:a="http://schemas.openxmlformats.org/drawingml/2006/main" xmlns:r="http://schemas.openxmlformats.org/officeDocument/2006/relationships" xmlns:p="http://schemas.openxmlformats.org/presentationml/2006/main">
+  <p:cSld>
+    <p:spTree>
+      <p:nvGrpSpPr>
+        <p:cNvPr id="1" name=""/>
+        <p:cNvGrpSpPr/>
+        <p:nvPr/>
+      </p:nvGrpSpPr>
+      <p:grpSpPr>
+        <a:xfrm>
+          <a:off x="0" y="0"/>
+          <a:ext cx="0" cy="0"/>
+          <a:chOff x="0" y="0"/>
+          <a:chExt cx="0" cy="0"/>
+        </a:xfrm>
+      </p:grpSpPr>
+      <p:sp>
+        <p:nvSpPr>
+          <p:cNvPr id="2" name="Title 1"/>
+          <p:cNvSpPr>
+            <a:spLocks noGrp="1"/>
+          </p:cNvSpPr>
+          <p:nvPr>
+            <p:ph type="title"/>
+          </p:nvPr>
+        </p:nvSpPr>
+        <p:spPr/>
+        <p:txBody>
+          <a:bodyPr/>
+          <a:lstStyle/>
+          <a:p>
+            <a:r>
+              <a:rPr lang="en-US" dirty="0"/>
+              <a:t>Structured Query Language</a:t>
+            </a:r>
+            <a:endParaRPr lang="en-IN" dirty="0"/>
+          </a:p>
+        </p:txBody>
+      </p:sp>
+      <p:sp>
+        <p:nvSpPr>
+          <p:cNvPr id="3" name="Content Placeholder 2"/>
+          <p:cNvSpPr>
+            <a:spLocks noGrp="1"/>
+          </p:cNvSpPr>
+          <p:nvPr>
+            <p:ph idx="1"/>
+          </p:nvPr>
+        </p:nvSpPr>
+        <p:spPr/>
+        <p:txBody>
+          <a:bodyPr/>
+          <a:lstStyle/>
+          <a:p>
+            <a:r>
+              <a:rPr lang="en-US" dirty="0"/>
+              <a:t> RDBMS</a:t>
+            </a:r>
+          </a:p>
+          <a:p>
+            <a:r>
+              <a:rPr lang="en-US" dirty="0"/>
+              <a:t> DDL</a:t>
+            </a:r>
+          </a:p>
+          <a:p>
+            <a:r>
+              <a:rPr lang="en-US" dirty="0"/>
+              <a:t> DML</a:t>
+            </a:r>
+          </a:p>
+          <a:p>
+            <a:r>
+              <a:rPr lang="en-US" dirty="0"/>
+              <a:t> DCL</a:t>
+            </a:r>
+          </a:p>
+          <a:p>
+            <a:r>
+              <a:rPr lang="en-US" dirty="0"/>
+              <a:t> TCL</a:t>
+            </a:r>
+          </a:p>
+          <a:p>
+            <a:endParaRPr lang="en-IN" dirty="0"/>
+          </a:p>
+        </p:txBody>
+      </p:sp>
+    </p:spTree>
+    <p:extLst>
+      <p:ext uri="{BB962C8B-B14F-4D97-AF65-F5344CB8AC3E}">
+        <p14:creationId xmlns:p14="http://schemas.microsoft.com/office/powerpoint/2010/main" val="377467532"/>
+      </p:ext>
+    </p:extLst>
+  </p:cSld>
+  <p:clrMapOvr>
+    <a:masterClrMapping/>
+  </p:clrMapOvr>
+</p:sld>
+</file>
+
+<file path=ppt/slides/slide60.xml><?xml version="1.0" encoding="utf-8"?>
 <p:sld xmlns:a="http://schemas.openxmlformats.org/drawingml/2006/main" xmlns:r="http://schemas.openxmlformats.org/officeDocument/2006/relationships" xmlns:p="http://schemas.openxmlformats.org/presentationml/2006/main">
   <p:cSld>
     <p:spTree>
@@ -19449,7 +25347,7 @@
 </p:sld>
 </file>
 
-<file path=ppt/slides/slide43.xml><?xml version="1.0" encoding="utf-8"?>
+<file path=ppt/slides/slide61.xml><?xml version="1.0" encoding="utf-8"?>
 <p:sld xmlns:a="http://schemas.openxmlformats.org/drawingml/2006/main" xmlns:r="http://schemas.openxmlformats.org/officeDocument/2006/relationships" xmlns:p="http://schemas.openxmlformats.org/presentationml/2006/main">
   <p:cSld>
     <p:spTree>
@@ -19596,7 +25494,7 @@
 </p:sld>
 </file>
 
-<file path=ppt/slides/slide44.xml><?xml version="1.0" encoding="utf-8"?>
+<file path=ppt/slides/slide62.xml><?xml version="1.0" encoding="utf-8"?>
 <p:sld xmlns:a="http://schemas.openxmlformats.org/drawingml/2006/main" xmlns:r="http://schemas.openxmlformats.org/officeDocument/2006/relationships" xmlns:p="http://schemas.openxmlformats.org/presentationml/2006/main">
   <p:cSld>
     <p:spTree>
@@ -19839,7 +25737,7 @@
 </p:sld>
 </file>
 
-<file path=ppt/slides/slide45.xml><?xml version="1.0" encoding="utf-8"?>
+<file path=ppt/slides/slide63.xml><?xml version="1.0" encoding="utf-8"?>
 <p:sld xmlns:a="http://schemas.openxmlformats.org/drawingml/2006/main" xmlns:r="http://schemas.openxmlformats.org/officeDocument/2006/relationships" xmlns:p="http://schemas.openxmlformats.org/presentationml/2006/main">
   <p:cSld>
     <p:spTree>
@@ -19994,7 +25892,7 @@
 </p:sld>
 </file>
 
-<file path=ppt/slides/slide46.xml><?xml version="1.0" encoding="utf-8"?>
+<file path=ppt/slides/slide64.xml><?xml version="1.0" encoding="utf-8"?>
 <p:sld xmlns:a="http://schemas.openxmlformats.org/drawingml/2006/main" xmlns:r="http://schemas.openxmlformats.org/officeDocument/2006/relationships" xmlns:p="http://schemas.openxmlformats.org/presentationml/2006/main">
   <p:cSld>
     <p:spTree>
@@ -20254,7 +26152,7 @@
 </p:sld>
 </file>
 
-<file path=ppt/slides/slide47.xml><?xml version="1.0" encoding="utf-8"?>
+<file path=ppt/slides/slide65.xml><?xml version="1.0" encoding="utf-8"?>
 <p:sld xmlns:a="http://schemas.openxmlformats.org/drawingml/2006/main" xmlns:r="http://schemas.openxmlformats.org/officeDocument/2006/relationships" xmlns:p="http://schemas.openxmlformats.org/presentationml/2006/main">
   <p:cSld>
     <p:spTree>
@@ -20395,7 +26293,7 @@
 </p:sld>
 </file>
 
-<file path=ppt/slides/slide48.xml><?xml version="1.0" encoding="utf-8"?>
+<file path=ppt/slides/slide66.xml><?xml version="1.0" encoding="utf-8"?>
 <p:sld xmlns:a="http://schemas.openxmlformats.org/drawingml/2006/main" xmlns:r="http://schemas.openxmlformats.org/officeDocument/2006/relationships" xmlns:p="http://schemas.openxmlformats.org/presentationml/2006/main">
   <p:cSld>
     <p:spTree>
@@ -20599,7 +26497,7 @@
 </p:sld>
 </file>
 
-<file path=ppt/slides/slide49.xml><?xml version="1.0" encoding="utf-8"?>
+<file path=ppt/slides/slide67.xml><?xml version="1.0" encoding="utf-8"?>
 <p:sld xmlns:a="http://schemas.openxmlformats.org/drawingml/2006/main" xmlns:r="http://schemas.openxmlformats.org/officeDocument/2006/relationships" xmlns:p="http://schemas.openxmlformats.org/presentationml/2006/main">
   <p:cSld>
     <p:spTree>
@@ -20823,178 +26721,7 @@
 </p:sld>
 </file>
 
-<file path=ppt/slides/slide5.xml><?xml version="1.0" encoding="utf-8"?>
-<p:sld xmlns:a="http://schemas.openxmlformats.org/drawingml/2006/main" xmlns:r="http://schemas.openxmlformats.org/officeDocument/2006/relationships" xmlns:p="http://schemas.openxmlformats.org/presentationml/2006/main">
-  <p:cSld>
-    <p:spTree>
-      <p:nvGrpSpPr>
-        <p:cNvPr id="1" name=""/>
-        <p:cNvGrpSpPr/>
-        <p:nvPr/>
-      </p:nvGrpSpPr>
-      <p:grpSpPr>
-        <a:xfrm>
-          <a:off x="0" y="0"/>
-          <a:ext cx="0" cy="0"/>
-          <a:chOff x="0" y="0"/>
-          <a:chExt cx="0" cy="0"/>
-        </a:xfrm>
-      </p:grpSpPr>
-      <p:sp>
-        <p:nvSpPr>
-          <p:cNvPr id="2" name="Title 1"/>
-          <p:cNvSpPr>
-            <a:spLocks noGrp="1"/>
-          </p:cNvSpPr>
-          <p:nvPr>
-            <p:ph type="title"/>
-          </p:nvPr>
-        </p:nvSpPr>
-        <p:spPr/>
-        <p:txBody>
-          <a:bodyPr/>
-          <a:lstStyle/>
-          <a:p>
-            <a:r>
-              <a:rPr lang="en-US" dirty="0" smtClean="0"/>
-              <a:t>RDBMS</a:t>
-            </a:r>
-            <a:endParaRPr lang="en-US" dirty="0"/>
-          </a:p>
-        </p:txBody>
-      </p:sp>
-      <p:pic>
-        <p:nvPicPr>
-          <p:cNvPr id="4" name="Content Placeholder 3"/>
-          <p:cNvPicPr>
-            <a:picLocks noGrp="1"/>
-          </p:cNvPicPr>
-          <p:nvPr>
-            <p:ph idx="1"/>
-          </p:nvPr>
-        </p:nvPicPr>
-        <p:blipFill>
-          <a:blip r:embed="rId2"/>
-          <a:srcRect/>
-          <a:stretch>
-            <a:fillRect/>
-          </a:stretch>
-        </p:blipFill>
-        <p:spPr bwMode="auto">
-          <a:xfrm>
-            <a:off x="1143000" y="1447800"/>
-            <a:ext cx="6705600" cy="2305168"/>
-          </a:xfrm>
-          <a:prstGeom prst="rect">
-            <a:avLst/>
-          </a:prstGeom>
-          <a:noFill/>
-          <a:ln w="9525">
-            <a:noFill/>
-            <a:miter lim="800000"/>
-            <a:headEnd/>
-            <a:tailEnd/>
-          </a:ln>
-        </p:spPr>
-      </p:pic>
-      <p:sp>
-        <p:nvSpPr>
-          <p:cNvPr id="6" name="TextBox 5"/>
-          <p:cNvSpPr txBox="1"/>
-          <p:nvPr/>
-        </p:nvSpPr>
-        <p:spPr>
-          <a:xfrm>
-            <a:off x="914400" y="4267200"/>
-            <a:ext cx="7315200" cy="1200329"/>
-          </a:xfrm>
-          <a:prstGeom prst="rect">
-            <a:avLst/>
-          </a:prstGeom>
-          <a:noFill/>
-        </p:spPr>
-        <p:txBody>
-          <a:bodyPr wrap="square" rtlCol="0" anchor="ctr">
-            <a:spAutoFit/>
-          </a:bodyPr>
-          <a:lstStyle/>
-          <a:p>
-            <a:pPr>
-              <a:buFont typeface="Arial" pitchFamily="34" charset="0"/>
-              <a:buChar char="•"/>
-            </a:pPr>
-            <a:r>
-              <a:rPr lang="en-US" dirty="0" smtClean="0"/>
-              <a:t> A program that allows us to create, delete and update a relational DB</a:t>
-            </a:r>
-          </a:p>
-          <a:p>
-            <a:pPr>
-              <a:buFont typeface="Arial" pitchFamily="34" charset="0"/>
-              <a:buChar char="•"/>
-            </a:pPr>
-            <a:r>
-              <a:rPr lang="en-US" dirty="0" smtClean="0"/>
-              <a:t> A </a:t>
-            </a:r>
-            <a:r>
-              <a:rPr lang="en-US" dirty="0"/>
-              <a:t>database system that stores and retrieves data in a </a:t>
-            </a:r>
-            <a:r>
-              <a:rPr lang="en-US" dirty="0" smtClean="0"/>
-              <a:t>structured format </a:t>
-            </a:r>
-            <a:r>
-              <a:rPr lang="en-US" dirty="0"/>
-              <a:t>organized in the form of rows and </a:t>
-            </a:r>
-            <a:r>
-              <a:rPr lang="en-US" dirty="0" smtClean="0"/>
-              <a:t>columns</a:t>
-            </a:r>
-          </a:p>
-          <a:p>
-            <a:pPr>
-              <a:buFont typeface="Arial" pitchFamily="34" charset="0"/>
-              <a:buChar char="•"/>
-            </a:pPr>
-            <a:r>
-              <a:rPr lang="en-US" dirty="0"/>
-              <a:t> </a:t>
-            </a:r>
-            <a:r>
-              <a:rPr lang="en-US" dirty="0" smtClean="0"/>
-              <a:t>“Relational</a:t>
-            </a:r>
-            <a:r>
-              <a:rPr lang="en-US" dirty="0"/>
-              <a:t>" because the values within each </a:t>
-            </a:r>
-            <a:r>
-              <a:rPr lang="en-US" dirty="0" smtClean="0"/>
-              <a:t>table</a:t>
-            </a:r>
-            <a:r>
-              <a:rPr lang="en-US" dirty="0"/>
-              <a:t> are related to each </a:t>
-            </a:r>
-            <a:r>
-              <a:rPr lang="en-US" dirty="0" smtClean="0"/>
-              <a:t>other</a:t>
-            </a:r>
-          </a:p>
-        </p:txBody>
-      </p:sp>
-    </p:spTree>
-  </p:cSld>
-  <p:clrMapOvr>
-    <a:masterClrMapping/>
-  </p:clrMapOvr>
-</p:sld>
-</file>
-
-<file path=ppt/slides/slide50.xml><?xml version="1.0" encoding="utf-8"?>
+<file path=ppt/slides/slide68.xml><?xml version="1.0" encoding="utf-8"?>
 <p:sld xmlns:a="http://schemas.openxmlformats.org/drawingml/2006/main" xmlns:r="http://schemas.openxmlformats.org/officeDocument/2006/relationships" xmlns:p="http://schemas.openxmlformats.org/presentationml/2006/main">
   <p:cSld>
     <p:spTree>
@@ -21240,7 +26967,7 @@
 </p:sld>
 </file>
 
-<file path=ppt/slides/slide51.xml><?xml version="1.0" encoding="utf-8"?>
+<file path=ppt/slides/slide69.xml><?xml version="1.0" encoding="utf-8"?>
 <p:sld xmlns:a="http://schemas.openxmlformats.org/drawingml/2006/main" xmlns:r="http://schemas.openxmlformats.org/officeDocument/2006/relationships" xmlns:p="http://schemas.openxmlformats.org/presentationml/2006/main">
   <p:cSld>
     <p:spTree>
@@ -21504,7 +27231,161 @@
 </p:sld>
 </file>
 
-<file path=ppt/slides/slide52.xml><?xml version="1.0" encoding="utf-8"?>
+<file path=ppt/slides/slide7.xml><?xml version="1.0" encoding="utf-8"?>
+<p:sld xmlns:a="http://schemas.openxmlformats.org/drawingml/2006/main" xmlns:r="http://schemas.openxmlformats.org/officeDocument/2006/relationships" xmlns:p="http://schemas.openxmlformats.org/presentationml/2006/main">
+  <p:cSld>
+    <p:spTree>
+      <p:nvGrpSpPr>
+        <p:cNvPr id="1" name=""/>
+        <p:cNvGrpSpPr/>
+        <p:nvPr/>
+      </p:nvGrpSpPr>
+      <p:grpSpPr>
+        <a:xfrm>
+          <a:off x="0" y="0"/>
+          <a:ext cx="0" cy="0"/>
+          <a:chOff x="0" y="0"/>
+          <a:chExt cx="0" cy="0"/>
+        </a:xfrm>
+      </p:grpSpPr>
+      <p:sp>
+        <p:nvSpPr>
+          <p:cNvPr id="2" name="Title 1"/>
+          <p:cNvSpPr>
+            <a:spLocks noGrp="1"/>
+          </p:cNvSpPr>
+          <p:nvPr>
+            <p:ph type="title"/>
+          </p:nvPr>
+        </p:nvSpPr>
+        <p:spPr/>
+        <p:txBody>
+          <a:bodyPr/>
+          <a:lstStyle/>
+          <a:p>
+            <a:endParaRPr lang="en-IN"/>
+          </a:p>
+        </p:txBody>
+      </p:sp>
+      <p:sp>
+        <p:nvSpPr>
+          <p:cNvPr id="3" name="Content Placeholder 2"/>
+          <p:cNvSpPr>
+            <a:spLocks noGrp="1"/>
+          </p:cNvSpPr>
+          <p:nvPr>
+            <p:ph idx="1"/>
+          </p:nvPr>
+        </p:nvSpPr>
+        <p:spPr/>
+        <p:txBody>
+          <a:bodyPr>
+            <a:normAutofit/>
+          </a:bodyPr>
+          <a:lstStyle/>
+          <a:p>
+            <a:r>
+              <a:rPr lang="en-US" sz="1600" dirty="0"/>
+              <a:t>What is SQL?</a:t>
+            </a:r>
+          </a:p>
+          <a:p>
+            <a:r>
+              <a:rPr lang="en-US" sz="1600" dirty="0"/>
+              <a:t>SQL stands for Structured Query Language</a:t>
+            </a:r>
+          </a:p>
+          <a:p>
+            <a:r>
+              <a:rPr lang="en-US" sz="1600" dirty="0"/>
+              <a:t>SQL lets you access and manipulate databases</a:t>
+            </a:r>
+          </a:p>
+          <a:p>
+            <a:r>
+              <a:rPr lang="en-US" sz="1600" dirty="0"/>
+              <a:t>SQL became a standard of the American National Standards Institute (ANSI) in 1986, and of the International Organization for Standardization (ISO) in 1987</a:t>
+            </a:r>
+          </a:p>
+          <a:p>
+            <a:r>
+              <a:rPr lang="en-US" sz="1600" dirty="0"/>
+              <a:t>What Can SQL do?</a:t>
+            </a:r>
+          </a:p>
+          <a:p>
+            <a:r>
+              <a:rPr lang="en-US" sz="1600" dirty="0"/>
+              <a:t>SQL can execute queries against a database</a:t>
+            </a:r>
+          </a:p>
+          <a:p>
+            <a:r>
+              <a:rPr lang="en-US" sz="1600" dirty="0"/>
+              <a:t>SQL can retrieve data from a database</a:t>
+            </a:r>
+          </a:p>
+          <a:p>
+            <a:r>
+              <a:rPr lang="en-US" sz="1600" dirty="0"/>
+              <a:t>SQL can insert records in a database</a:t>
+            </a:r>
+          </a:p>
+          <a:p>
+            <a:r>
+              <a:rPr lang="en-US" sz="1600" dirty="0"/>
+              <a:t>SQL can update records in a database</a:t>
+            </a:r>
+          </a:p>
+          <a:p>
+            <a:r>
+              <a:rPr lang="en-US" sz="1600" dirty="0"/>
+              <a:t>SQL can delete records from a database</a:t>
+            </a:r>
+          </a:p>
+          <a:p>
+            <a:r>
+              <a:rPr lang="en-US" sz="1600" dirty="0"/>
+              <a:t>SQL can create new databases</a:t>
+            </a:r>
+          </a:p>
+          <a:p>
+            <a:r>
+              <a:rPr lang="en-US" sz="1600" dirty="0"/>
+              <a:t>SQL can create new tables in a database</a:t>
+            </a:r>
+          </a:p>
+          <a:p>
+            <a:r>
+              <a:rPr lang="en-US" sz="1600" dirty="0"/>
+              <a:t>SQL can create stored procedures in a database</a:t>
+            </a:r>
+          </a:p>
+          <a:p>
+            <a:r>
+              <a:rPr lang="en-US" sz="1600" dirty="0"/>
+              <a:t>SQL can create views in a database</a:t>
+            </a:r>
+          </a:p>
+          <a:p>
+            <a:endParaRPr lang="en-IN" sz="1600" dirty="0"/>
+          </a:p>
+        </p:txBody>
+      </p:sp>
+    </p:spTree>
+    <p:extLst>
+      <p:ext uri="{BB962C8B-B14F-4D97-AF65-F5344CB8AC3E}">
+        <p14:creationId xmlns:p14="http://schemas.microsoft.com/office/powerpoint/2010/main" val="2625521462"/>
+      </p:ext>
+    </p:extLst>
+  </p:cSld>
+  <p:clrMapOvr>
+    <a:masterClrMapping/>
+  </p:clrMapOvr>
+</p:sld>
+</file>
+
+<file path=ppt/slides/slide70.xml><?xml version="1.0" encoding="utf-8"?>
 <p:sld xmlns:a="http://schemas.openxmlformats.org/drawingml/2006/main" xmlns:r="http://schemas.openxmlformats.org/officeDocument/2006/relationships" xmlns:p="http://schemas.openxmlformats.org/presentationml/2006/main">
   <p:cSld>
     <p:spTree>
@@ -21748,7 +27629,7 @@
 </p:sld>
 </file>
 
-<file path=ppt/slides/slide53.xml><?xml version="1.0" encoding="utf-8"?>
+<file path=ppt/slides/slide71.xml><?xml version="1.0" encoding="utf-8"?>
 <p:sld xmlns:a="http://schemas.openxmlformats.org/drawingml/2006/main" xmlns:r="http://schemas.openxmlformats.org/officeDocument/2006/relationships" xmlns:p="http://schemas.openxmlformats.org/presentationml/2006/main">
   <p:cSld>
     <p:spTree>
@@ -21905,7 +27786,7 @@
 </p:sld>
 </file>
 
-<file path=ppt/slides/slide54.xml><?xml version="1.0" encoding="utf-8"?>
+<file path=ppt/slides/slide72.xml><?xml version="1.0" encoding="utf-8"?>
 <p:sld xmlns:a="http://schemas.openxmlformats.org/drawingml/2006/main" xmlns:r="http://schemas.openxmlformats.org/officeDocument/2006/relationships" xmlns:p="http://schemas.openxmlformats.org/presentationml/2006/main">
   <p:cSld>
     <p:spTree>
@@ -22081,7 +27962,7 @@
 </p:sld>
 </file>
 
-<file path=ppt/slides/slide55.xml><?xml version="1.0" encoding="utf-8"?>
+<file path=ppt/slides/slide73.xml><?xml version="1.0" encoding="utf-8"?>
 <p:sld xmlns:a="http://schemas.openxmlformats.org/drawingml/2006/main" xmlns:r="http://schemas.openxmlformats.org/officeDocument/2006/relationships" xmlns:p="http://schemas.openxmlformats.org/presentationml/2006/main">
   <p:cSld>
     <p:spTree>
@@ -22226,7 +28107,7 @@
 </p:sld>
 </file>
 
-<file path=ppt/slides/slide56.xml><?xml version="1.0" encoding="utf-8"?>
+<file path=ppt/slides/slide74.xml><?xml version="1.0" encoding="utf-8"?>
 <p:sld xmlns:a="http://schemas.openxmlformats.org/drawingml/2006/main" xmlns:r="http://schemas.openxmlformats.org/officeDocument/2006/relationships" xmlns:p="http://schemas.openxmlformats.org/presentationml/2006/main">
   <p:cSld>
     <p:spTree>
@@ -22474,7 +28355,7 @@
 </p:sld>
 </file>
 
-<file path=ppt/slides/slide57.xml><?xml version="1.0" encoding="utf-8"?>
+<file path=ppt/slides/slide75.xml><?xml version="1.0" encoding="utf-8"?>
 <p:sld xmlns:a="http://schemas.openxmlformats.org/drawingml/2006/main" xmlns:r="http://schemas.openxmlformats.org/officeDocument/2006/relationships" xmlns:p="http://schemas.openxmlformats.org/presentationml/2006/main">
   <p:cSld>
     <p:spTree>
@@ -22634,7 +28515,7 @@
 </p:sld>
 </file>
 
-<file path=ppt/slides/slide58.xml><?xml version="1.0" encoding="utf-8"?>
+<file path=ppt/slides/slide76.xml><?xml version="1.0" encoding="utf-8"?>
 <p:sld xmlns:a="http://schemas.openxmlformats.org/drawingml/2006/main" xmlns:r="http://schemas.openxmlformats.org/officeDocument/2006/relationships" xmlns:p="http://schemas.openxmlformats.org/presentationml/2006/main">
   <p:cSld>
     <p:spTree>
@@ -22813,7 +28694,7 @@
 </p:sld>
 </file>
 
-<file path=ppt/slides/slide59.xml><?xml version="1.0" encoding="utf-8"?>
+<file path=ppt/slides/slide77.xml><?xml version="1.0" encoding="utf-8"?>
 <p:sld xmlns:a="http://schemas.openxmlformats.org/drawingml/2006/main" xmlns:r="http://schemas.openxmlformats.org/officeDocument/2006/relationships" xmlns:p="http://schemas.openxmlformats.org/presentationml/2006/main">
   <p:cSld>
     <p:spTree>
@@ -23015,7 +28896,7 @@
 </p:sld>
 </file>
 
-<file path=ppt/slides/slide6.xml><?xml version="1.0" encoding="utf-8"?>
+<file path=ppt/slides/slide78.xml><?xml version="1.0" encoding="utf-8"?>
 <p:sld xmlns:a="http://schemas.openxmlformats.org/drawingml/2006/main" xmlns:r="http://schemas.openxmlformats.org/officeDocument/2006/relationships" xmlns:p="http://schemas.openxmlformats.org/presentationml/2006/main">
   <p:cSld>
     <p:spTree>
@@ -23047,11 +28928,7 @@
           <a:bodyPr/>
           <a:lstStyle/>
           <a:p>
-            <a:r>
-              <a:rPr lang="en-US" dirty="0"/>
-              <a:t>Structured Query Language</a:t>
-            </a:r>
-            <a:endParaRPr lang="en-IN" dirty="0"/>
+            <a:endParaRPr lang="en-IN"/>
           </a:p>
         </p:txBody>
       </p:sp>
@@ -23067,47 +28944,226 @@
         </p:nvSpPr>
         <p:spPr/>
         <p:txBody>
-          <a:bodyPr/>
+          <a:bodyPr>
+            <a:normAutofit/>
+          </a:bodyPr>
           <a:lstStyle/>
           <a:p>
             <a:r>
-              <a:rPr lang="en-US" dirty="0"/>
-              <a:t> RDBMS</a:t>
-            </a:r>
-          </a:p>
-          <a:p>
-            <a:r>
-              <a:rPr lang="en-US" dirty="0"/>
-              <a:t> DDL</a:t>
-            </a:r>
-          </a:p>
-          <a:p>
-            <a:r>
-              <a:rPr lang="en-US" dirty="0"/>
-              <a:t> DML</a:t>
-            </a:r>
-          </a:p>
-          <a:p>
-            <a:r>
-              <a:rPr lang="en-US" dirty="0"/>
-              <a:t> DCL</a:t>
-            </a:r>
-          </a:p>
-          <a:p>
-            <a:r>
-              <a:rPr lang="en-US" dirty="0"/>
-              <a:t> TCL</a:t>
-            </a:r>
-          </a:p>
-          <a:p>
-            <a:endParaRPr lang="en-IN" dirty="0"/>
+              <a:rPr lang="en-US" sz="1800" b="1" dirty="0"/>
+              <a:t>CREATE</a:t>
+            </a:r>
+            <a:r>
+              <a:rPr lang="en-US" sz="1800" dirty="0"/>
+              <a:t> </a:t>
+            </a:r>
+            <a:r>
+              <a:rPr lang="en-US" sz="1800" b="1" dirty="0"/>
+              <a:t>TABLE</a:t>
+            </a:r>
+            <a:r>
+              <a:rPr lang="en-US" sz="1800" dirty="0"/>
+              <a:t> students  </a:t>
+            </a:r>
+          </a:p>
+          <a:p>
+            <a:r>
+              <a:rPr lang="en-US" sz="1800" dirty="0"/>
+              <a:t>(  </a:t>
+            </a:r>
+          </a:p>
+          <a:p>
+            <a:r>
+              <a:rPr lang="en-US" sz="1800" dirty="0" err="1"/>
+              <a:t>S_Id</a:t>
+            </a:r>
+            <a:r>
+              <a:rPr lang="en-US" sz="1800" dirty="0"/>
+              <a:t> </a:t>
+            </a:r>
+            <a:r>
+              <a:rPr lang="en-US" sz="1800" b="1" dirty="0" err="1"/>
+              <a:t>int</a:t>
+            </a:r>
+            <a:r>
+              <a:rPr lang="en-US" sz="1800" dirty="0"/>
+              <a:t> NOT NULL,  </a:t>
+            </a:r>
+          </a:p>
+          <a:p>
+            <a:r>
+              <a:rPr lang="en-US" sz="1800" dirty="0" err="1"/>
+              <a:t>LastName</a:t>
+            </a:r>
+            <a:r>
+              <a:rPr lang="en-US" sz="1800" dirty="0"/>
+              <a:t> </a:t>
+            </a:r>
+            <a:r>
+              <a:rPr lang="en-US" sz="1800" b="1" dirty="0" err="1"/>
+              <a:t>varchar</a:t>
+            </a:r>
+            <a:r>
+              <a:rPr lang="en-US" sz="1800" dirty="0"/>
+              <a:t> (255) NOT NULL,  </a:t>
+            </a:r>
+          </a:p>
+          <a:p>
+            <a:r>
+              <a:rPr lang="en-US" sz="1800" dirty="0" err="1"/>
+              <a:t>FirstName</a:t>
+            </a:r>
+            <a:r>
+              <a:rPr lang="en-US" sz="1800" dirty="0"/>
+              <a:t> </a:t>
+            </a:r>
+            <a:r>
+              <a:rPr lang="en-US" sz="1800" b="1" dirty="0" err="1"/>
+              <a:t>varchar</a:t>
+            </a:r>
+            <a:r>
+              <a:rPr lang="en-US" sz="1800" dirty="0"/>
+              <a:t> (255),  </a:t>
+            </a:r>
+          </a:p>
+          <a:p>
+            <a:r>
+              <a:rPr lang="en-US" sz="1800" dirty="0"/>
+              <a:t>Address </a:t>
+            </a:r>
+            <a:r>
+              <a:rPr lang="en-US" sz="1800" b="1" dirty="0" err="1"/>
+              <a:t>varchar</a:t>
+            </a:r>
+            <a:r>
+              <a:rPr lang="en-US" sz="1800" dirty="0"/>
+              <a:t> (255),  </a:t>
+            </a:r>
+          </a:p>
+          <a:p>
+            <a:r>
+              <a:rPr lang="en-US" sz="1800" dirty="0"/>
+              <a:t>City </a:t>
+            </a:r>
+            <a:r>
+              <a:rPr lang="en-US" sz="1800" b="1" dirty="0" err="1"/>
+              <a:t>varchar</a:t>
+            </a:r>
+            <a:r>
+              <a:rPr lang="en-US" sz="1800" dirty="0"/>
+              <a:t> (255),  </a:t>
+            </a:r>
+          </a:p>
+          <a:p>
+            <a:r>
+              <a:rPr lang="en-US" sz="1800" b="1" dirty="0"/>
+              <a:t>CONSTRAINT</a:t>
+            </a:r>
+            <a:r>
+              <a:rPr lang="en-US" sz="1800" dirty="0"/>
+              <a:t> </a:t>
+            </a:r>
+            <a:r>
+              <a:rPr lang="en-US" sz="1800" dirty="0" err="1"/>
+              <a:t>pk_StudentID</a:t>
+            </a:r>
+            <a:r>
+              <a:rPr lang="en-US" sz="1800" dirty="0"/>
+              <a:t> </a:t>
+            </a:r>
+            <a:r>
+              <a:rPr lang="en-US" sz="1800" b="1" dirty="0"/>
+              <a:t>PRIMARY</a:t>
+            </a:r>
+            <a:r>
+              <a:rPr lang="en-US" sz="1800" dirty="0"/>
+              <a:t> </a:t>
+            </a:r>
+            <a:r>
+              <a:rPr lang="en-US" sz="1800" b="1" dirty="0"/>
+              <a:t>KEY</a:t>
+            </a:r>
+            <a:r>
+              <a:rPr lang="en-US" sz="1800" dirty="0"/>
+              <a:t> (</a:t>
+            </a:r>
+            <a:r>
+              <a:rPr lang="en-US" sz="1800" dirty="0" err="1"/>
+              <a:t>S_Id</a:t>
+            </a:r>
+            <a:r>
+              <a:rPr lang="en-US" sz="1800" dirty="0"/>
+              <a:t>, </a:t>
+            </a:r>
+            <a:r>
+              <a:rPr lang="en-US" sz="1800" dirty="0" err="1"/>
+              <a:t>LastName</a:t>
+            </a:r>
+            <a:r>
+              <a:rPr lang="en-US" sz="1800" dirty="0"/>
+              <a:t>)  </a:t>
+            </a:r>
+          </a:p>
+          <a:p>
+            <a:r>
+              <a:rPr lang="en-US" sz="1800" dirty="0"/>
+              <a:t>)  </a:t>
+            </a:r>
+          </a:p>
+          <a:p>
+            <a:r>
+              <a:rPr lang="en-US" sz="1800" b="1" dirty="0" err="1"/>
+              <a:t>Note:</a:t>
+            </a:r>
+            <a:r>
+              <a:rPr lang="en-US" sz="1800" dirty="0" err="1"/>
+              <a:t>you</a:t>
+            </a:r>
+            <a:r>
+              <a:rPr lang="en-US" sz="1800" dirty="0"/>
+              <a:t> should note that in the above example there is only one PRIMARY KEY (</a:t>
+            </a:r>
+            <a:r>
+              <a:rPr lang="en-US" sz="1800" dirty="0" err="1"/>
+              <a:t>pk_StudentID</a:t>
+            </a:r>
+            <a:r>
+              <a:rPr lang="en-US" sz="1800" dirty="0"/>
+              <a:t>). However it is made up of two columns (</a:t>
+            </a:r>
+            <a:r>
+              <a:rPr lang="en-US" sz="1800" dirty="0" err="1"/>
+              <a:t>S_Id</a:t>
+            </a:r>
+            <a:r>
+              <a:rPr lang="en-US" sz="1800" dirty="0"/>
+              <a:t> and </a:t>
+            </a:r>
+            <a:r>
+              <a:rPr lang="en-US" sz="1800" dirty="0" err="1"/>
+              <a:t>LastName</a:t>
+            </a:r>
+            <a:r>
+              <a:rPr lang="en-US" sz="1800" dirty="0"/>
+              <a:t>).</a:t>
+            </a:r>
+          </a:p>
+          <a:p>
+            <a:r>
+              <a:rPr lang="en-US" sz="1800" dirty="0"/>
+              <a:t/>
+            </a:r>
+            <a:br>
+              <a:rPr lang="en-US" sz="1800" dirty="0"/>
+            </a:br>
+            <a:endParaRPr lang="en-IN" sz="1800" dirty="0"/>
           </a:p>
         </p:txBody>
       </p:sp>
     </p:spTree>
     <p:extLst>
       <p:ext uri="{BB962C8B-B14F-4D97-AF65-F5344CB8AC3E}">
-        <p14:creationId xmlns:p14="http://schemas.microsoft.com/office/powerpoint/2010/main" val="377467532"/>
+        <p14:creationId xmlns:p14="http://schemas.microsoft.com/office/powerpoint/2010/main" val="4006375477"/>
       </p:ext>
     </p:extLst>
   </p:cSld>
@@ -23117,7 +29173,7 @@
 </p:sld>
 </file>
 
-<file path=ppt/slides/slide60.xml><?xml version="1.0" encoding="utf-8"?>
+<file path=ppt/slides/slide79.xml><?xml version="1.0" encoding="utf-8"?>
 <p:sld xmlns:a="http://schemas.openxmlformats.org/drawingml/2006/main" xmlns:r="http://schemas.openxmlformats.org/officeDocument/2006/relationships" xmlns:p="http://schemas.openxmlformats.org/presentationml/2006/main">
   <p:cSld>
     <p:spTree>
@@ -23171,8 +29227,21 @@
           <a:lstStyle/>
           <a:p>
             <a:r>
+              <a:rPr lang="en-US" dirty="0" smtClean="0"/>
+              <a:t>Example:</a:t>
+            </a:r>
+          </a:p>
+          <a:p>
+            <a:r>
               <a:rPr lang="en-US" sz="1800" b="1" dirty="0"/>
-              <a:t>CREATE</a:t>
+              <a:t>Primary key on one column:</a:t>
+            </a:r>
+            <a:endParaRPr lang="en-US" sz="1800" dirty="0"/>
+          </a:p>
+          <a:p>
+            <a:r>
+              <a:rPr lang="en-US" sz="1800" b="1" dirty="0"/>
+              <a:t>ALTER</a:t>
             </a:r>
             <a:r>
               <a:rPr lang="en-US" sz="1800" dirty="0"/>
@@ -23189,93 +29258,76 @@
           </a:p>
           <a:p>
             <a:r>
-              <a:rPr lang="en-US" sz="1800" dirty="0"/>
-              <a:t>(  </a:t>
-            </a:r>
-          </a:p>
-          <a:p>
+              <a:rPr lang="en-US" sz="1800" b="1" dirty="0"/>
+              <a:t>ADD</a:t>
+            </a:r>
+            <a:r>
+              <a:rPr lang="en-US" sz="1800" dirty="0"/>
+              <a:t> </a:t>
+            </a:r>
+            <a:r>
+              <a:rPr lang="en-US" sz="1800" b="1" dirty="0"/>
+              <a:t>PRIMARY</a:t>
+            </a:r>
+            <a:r>
+              <a:rPr lang="en-US" sz="1800" dirty="0"/>
+              <a:t> </a:t>
+            </a:r>
+            <a:r>
+              <a:rPr lang="en-US" sz="1800" b="1" dirty="0"/>
+              <a:t>KEY</a:t>
+            </a:r>
+            <a:r>
+              <a:rPr lang="en-US" sz="1800" dirty="0"/>
+              <a:t> (</a:t>
+            </a:r>
             <a:r>
               <a:rPr lang="en-US" sz="1800" dirty="0" err="1"/>
               <a:t>S_Id</a:t>
             </a:r>
             <a:r>
               <a:rPr lang="en-US" sz="1800" dirty="0"/>
+              <a:t>)  </a:t>
+            </a:r>
+            <a:endParaRPr lang="en-US" sz="1800" dirty="0" smtClean="0"/>
+          </a:p>
+          <a:p>
+            <a:endParaRPr lang="en-US" sz="1800" dirty="0"/>
+          </a:p>
+          <a:p>
+            <a:r>
+              <a:rPr lang="en-US" sz="1800" b="1" dirty="0"/>
+              <a:t>Primary key on multiple column:</a:t>
+            </a:r>
+            <a:endParaRPr lang="en-US" sz="1800" dirty="0"/>
+          </a:p>
+          <a:p>
+            <a:r>
+              <a:rPr lang="en-US" sz="1800" b="1" dirty="0"/>
+              <a:t>ALTER</a:t>
+            </a:r>
+            <a:r>
+              <a:rPr lang="en-US" sz="1800" dirty="0"/>
               <a:t> </a:t>
             </a:r>
             <a:r>
-              <a:rPr lang="en-US" sz="1800" b="1" dirty="0" err="1"/>
-              <a:t>int</a:t>
-            </a:r>
-            <a:r>
-              <a:rPr lang="en-US" sz="1800" dirty="0"/>
-              <a:t> NOT NULL,  </a:t>
-            </a:r>
-          </a:p>
-          <a:p>
-            <a:r>
-              <a:rPr lang="en-US" sz="1800" dirty="0" err="1"/>
-              <a:t>LastName</a:t>
+              <a:rPr lang="en-US" sz="1800" b="1" dirty="0"/>
+              <a:t>TABLE</a:t>
+            </a:r>
+            <a:r>
+              <a:rPr lang="en-US" sz="1800" dirty="0"/>
+              <a:t> students  </a:t>
+            </a:r>
+          </a:p>
+          <a:p>
+            <a:r>
+              <a:rPr lang="en-US" sz="1800" b="1" dirty="0"/>
+              <a:t>ADD</a:t>
             </a:r>
             <a:r>
               <a:rPr lang="en-US" sz="1800" dirty="0"/>
               <a:t> </a:t>
             </a:r>
-            <a:r>
-              <a:rPr lang="en-US" sz="1800" b="1" dirty="0" err="1"/>
-              <a:t>varchar</a:t>
-            </a:r>
-            <a:r>
-              <a:rPr lang="en-US" sz="1800" dirty="0"/>
-              <a:t> (255) NOT NULL,  </a:t>
-            </a:r>
-          </a:p>
-          <a:p>
-            <a:r>
-              <a:rPr lang="en-US" sz="1800" dirty="0" err="1"/>
-              <a:t>FirstName</a:t>
-            </a:r>
-            <a:r>
-              <a:rPr lang="en-US" sz="1800" dirty="0"/>
-              <a:t> </a:t>
-            </a:r>
-            <a:r>
-              <a:rPr lang="en-US" sz="1800" b="1" dirty="0" err="1"/>
-              <a:t>varchar</a:t>
-            </a:r>
-            <a:r>
-              <a:rPr lang="en-US" sz="1800" dirty="0"/>
-              <a:t> (255),  </a:t>
-            </a:r>
-          </a:p>
-          <a:p>
-            <a:r>
-              <a:rPr lang="en-US" sz="1800" dirty="0"/>
-              <a:t>Address </a:t>
-            </a:r>
-            <a:r>
-              <a:rPr lang="en-US" sz="1800" b="1" dirty="0" err="1"/>
-              <a:t>varchar</a:t>
-            </a:r>
-            <a:r>
-              <a:rPr lang="en-US" sz="1800" dirty="0"/>
-              <a:t> (255),  </a:t>
-            </a:r>
-          </a:p>
-          <a:p>
-            <a:r>
-              <a:rPr lang="en-US" sz="1800" dirty="0"/>
-              <a:t>City </a:t>
-            </a:r>
-            <a:r>
-              <a:rPr lang="en-US" sz="1800" b="1" dirty="0" err="1"/>
-              <a:t>varchar</a:t>
-            </a:r>
-            <a:r>
-              <a:rPr lang="en-US" sz="1800" dirty="0"/>
-              <a:t> (255),  </a:t>
-            </a:r>
-          </a:p>
-          <a:p>
             <a:r>
               <a:rPr lang="en-US" sz="1800" b="1" dirty="0"/>
               <a:t>CONSTRAINT</a:t>
@@ -23310,81 +29362,26 @@
             </a:r>
             <a:r>
               <a:rPr lang="en-US" sz="1800" dirty="0" err="1"/>
-              <a:t>S_Id</a:t>
-            </a:r>
-            <a:r>
-              <a:rPr lang="en-US" sz="1800" dirty="0"/>
-              <a:t>, </a:t>
-            </a:r>
-            <a:r>
-              <a:rPr lang="en-US" sz="1800" dirty="0" err="1"/>
-              <a:t>LastName</a:t>
-            </a:r>
-            <a:r>
-              <a:rPr lang="en-US" sz="1800" dirty="0"/>
-              <a:t>)  </a:t>
-            </a:r>
-          </a:p>
-          <a:p>
-            <a:r>
-              <a:rPr lang="en-US" sz="1800" dirty="0"/>
-              <a:t>)  </a:t>
-            </a:r>
-          </a:p>
-          <a:p>
-            <a:r>
-              <a:rPr lang="en-US" sz="1800" b="1" dirty="0" err="1"/>
-              <a:t>Note:</a:t>
-            </a:r>
-            <a:r>
-              <a:rPr lang="en-US" sz="1800" dirty="0" err="1"/>
-              <a:t>you</a:t>
-            </a:r>
-            <a:r>
-              <a:rPr lang="en-US" sz="1800" dirty="0"/>
-              <a:t> should note that in the above example there is only one PRIMARY KEY (</a:t>
-            </a:r>
-            <a:r>
-              <a:rPr lang="en-US" sz="1800" dirty="0" err="1"/>
-              <a:t>pk_StudentID</a:t>
-            </a:r>
-            <a:r>
-              <a:rPr lang="en-US" sz="1800" dirty="0"/>
-              <a:t>). However it is made up of two columns (</a:t>
-            </a:r>
-            <a:r>
-              <a:rPr lang="en-US" sz="1800" dirty="0" err="1"/>
-              <a:t>S_Id</a:t>
-            </a:r>
-            <a:r>
-              <a:rPr lang="en-US" sz="1800" dirty="0"/>
-              <a:t> and </a:t>
-            </a:r>
-            <a:r>
-              <a:rPr lang="en-US" sz="1800" dirty="0" err="1"/>
-              <a:t>LastName</a:t>
-            </a:r>
-            <a:r>
-              <a:rPr lang="en-US" sz="1800" dirty="0"/>
-              <a:t>).</a:t>
-            </a:r>
-          </a:p>
-          <a:p>
-            <a:r>
-              <a:rPr lang="en-US" sz="1800" dirty="0"/>
-              <a:t/>
-            </a:r>
-            <a:br>
-              <a:rPr lang="en-US" sz="1800" dirty="0"/>
-            </a:br>
-            <a:endParaRPr lang="en-IN" sz="1800" dirty="0"/>
+              <a:t>S_Id,LastName</a:t>
+            </a:r>
+            <a:r>
+              <a:rPr lang="en-US" sz="1800" dirty="0"/>
+              <a:t>) </a:t>
+            </a:r>
+            <a:r>
+              <a:rPr lang="en-US" dirty="0"/>
+              <a:t> </a:t>
+            </a:r>
+          </a:p>
+          <a:p>
+            <a:endParaRPr lang="en-IN" dirty="0"/>
           </a:p>
         </p:txBody>
       </p:sp>
     </p:spTree>
     <p:extLst>
       <p:ext uri="{BB962C8B-B14F-4D97-AF65-F5344CB8AC3E}">
-        <p14:creationId xmlns:p14="http://schemas.microsoft.com/office/powerpoint/2010/main" val="4006375477"/>
+        <p14:creationId xmlns:p14="http://schemas.microsoft.com/office/powerpoint/2010/main" val="781656487"/>
       </p:ext>
     </p:extLst>
   </p:cSld>
@@ -23394,7 +29391,7 @@
 </p:sld>
 </file>
 
-<file path=ppt/slides/slide61.xml><?xml version="1.0" encoding="utf-8"?>
+<file path=ppt/slides/slide8.xml><?xml version="1.0" encoding="utf-8"?>
 <p:sld xmlns:a="http://schemas.openxmlformats.org/drawingml/2006/main" xmlns:r="http://schemas.openxmlformats.org/officeDocument/2006/relationships" xmlns:p="http://schemas.openxmlformats.org/presentationml/2006/main">
   <p:cSld>
     <p:spTree>
@@ -23448,161 +29445,37 @@
           <a:lstStyle/>
           <a:p>
             <a:r>
-              <a:rPr lang="en-US" dirty="0" smtClean="0"/>
-              <a:t>Example:</a:t>
-            </a:r>
-          </a:p>
-          <a:p>
-            <a:r>
-              <a:rPr lang="en-US" sz="1800" b="1" dirty="0"/>
-              <a:t>Primary key on one column:</a:t>
-            </a:r>
-            <a:endParaRPr lang="en-US" sz="1800" dirty="0"/>
-          </a:p>
-          <a:p>
-            <a:r>
-              <a:rPr lang="en-US" sz="1800" b="1" dirty="0"/>
-              <a:t>ALTER</a:t>
-            </a:r>
-            <a:r>
-              <a:rPr lang="en-US" sz="1800" dirty="0"/>
-              <a:t> </a:t>
-            </a:r>
-            <a:r>
-              <a:rPr lang="en-US" sz="1800" b="1" dirty="0"/>
-              <a:t>TABLE</a:t>
-            </a:r>
-            <a:r>
-              <a:rPr lang="en-US" sz="1800" dirty="0"/>
-              <a:t> students  </a:t>
-            </a:r>
-          </a:p>
-          <a:p>
-            <a:r>
-              <a:rPr lang="en-US" sz="1800" b="1" dirty="0"/>
-              <a:t>ADD</a:t>
-            </a:r>
-            <a:r>
-              <a:rPr lang="en-US" sz="1800" dirty="0"/>
-              <a:t> </a:t>
-            </a:r>
-            <a:r>
-              <a:rPr lang="en-US" sz="1800" b="1" dirty="0"/>
-              <a:t>PRIMARY</a:t>
-            </a:r>
-            <a:r>
-              <a:rPr lang="en-US" sz="1800" dirty="0"/>
-              <a:t> </a:t>
-            </a:r>
-            <a:r>
-              <a:rPr lang="en-US" sz="1800" b="1" dirty="0"/>
-              <a:t>KEY</a:t>
-            </a:r>
-            <a:r>
-              <a:rPr lang="en-US" sz="1800" dirty="0"/>
-              <a:t> (</a:t>
-            </a:r>
-            <a:r>
-              <a:rPr lang="en-US" sz="1800" dirty="0" err="1"/>
-              <a:t>S_Id</a:t>
-            </a:r>
-            <a:r>
-              <a:rPr lang="en-US" sz="1800" dirty="0"/>
-              <a:t>)  </a:t>
-            </a:r>
-            <a:endParaRPr lang="en-US" sz="1800" dirty="0" smtClean="0"/>
-          </a:p>
-          <a:p>
-            <a:endParaRPr lang="en-US" sz="1800" dirty="0"/>
-          </a:p>
-          <a:p>
-            <a:r>
-              <a:rPr lang="en-US" sz="1800" b="1" dirty="0"/>
-              <a:t>Primary key on multiple column:</a:t>
-            </a:r>
-            <a:endParaRPr lang="en-US" sz="1800" dirty="0"/>
-          </a:p>
-          <a:p>
-            <a:r>
-              <a:rPr lang="en-US" sz="1800" b="1" dirty="0"/>
-              <a:t>ALTER</a:t>
-            </a:r>
-            <a:r>
-              <a:rPr lang="en-US" sz="1800" dirty="0"/>
-              <a:t> </a:t>
-            </a:r>
-            <a:r>
-              <a:rPr lang="en-US" sz="1800" b="1" dirty="0"/>
-              <a:t>TABLE</a:t>
-            </a:r>
-            <a:r>
-              <a:rPr lang="en-US" sz="1800" dirty="0"/>
-              <a:t> students  </a:t>
-            </a:r>
-          </a:p>
-          <a:p>
-            <a:r>
-              <a:rPr lang="en-US" sz="1800" b="1" dirty="0"/>
-              <a:t>ADD</a:t>
-            </a:r>
-            <a:r>
-              <a:rPr lang="en-US" sz="1800" dirty="0"/>
-              <a:t> </a:t>
-            </a:r>
-            <a:r>
-              <a:rPr lang="en-US" sz="1800" b="1" dirty="0"/>
-              <a:t>CONSTRAINT</a:t>
-            </a:r>
-            <a:r>
-              <a:rPr lang="en-US" sz="1800" dirty="0"/>
-              <a:t> </a:t>
-            </a:r>
-            <a:r>
-              <a:rPr lang="en-US" sz="1800" dirty="0" err="1"/>
-              <a:t>pk_StudentID</a:t>
-            </a:r>
-            <a:r>
-              <a:rPr lang="en-US" sz="1800" dirty="0"/>
-              <a:t> </a:t>
-            </a:r>
-            <a:r>
-              <a:rPr lang="en-US" sz="1800" b="1" dirty="0"/>
-              <a:t>PRIMARY</a:t>
-            </a:r>
-            <a:r>
-              <a:rPr lang="en-US" sz="1800" dirty="0"/>
-              <a:t> </a:t>
-            </a:r>
-            <a:r>
-              <a:rPr lang="en-US" sz="1800" b="1" dirty="0"/>
-              <a:t>KEY</a:t>
-            </a:r>
-            <a:r>
-              <a:rPr lang="en-US" sz="1800" dirty="0"/>
-              <a:t> (</a:t>
-            </a:r>
-            <a:r>
-              <a:rPr lang="en-US" sz="1800" dirty="0" err="1"/>
-              <a:t>S_Id,LastName</a:t>
-            </a:r>
-            <a:r>
-              <a:rPr lang="en-US" sz="1800" dirty="0"/>
-              <a:t>) </a:t>
-            </a:r>
-            <a:r>
-              <a:rPr lang="en-US" dirty="0"/>
-              <a:t> </a:t>
-            </a:r>
-          </a:p>
-          <a:p>
-            <a:endParaRPr lang="en-IN" dirty="0"/>
+              <a:rPr lang="en-US" sz="1600" dirty="0"/>
+              <a:t>RDBMS</a:t>
+            </a:r>
+          </a:p>
+          <a:p>
+            <a:r>
+              <a:rPr lang="en-US" sz="1600" dirty="0"/>
+              <a:t>RDBMS stands for Relational Database Management System.</a:t>
+            </a:r>
+          </a:p>
+          <a:p>
+            <a:r>
+              <a:rPr lang="en-US" sz="1600" dirty="0"/>
+              <a:t>RDBMS is the basis for SQL, and for all modern database systems such as MS SQL Server, IBM DB2, Oracle, MySQL, and Microsoft Access.</a:t>
+            </a:r>
+          </a:p>
+          <a:p>
+            <a:r>
+              <a:rPr lang="en-US" sz="1600" dirty="0"/>
+              <a:t>The data in RDBMS is stored in database objects called tables. A table is a collection of related data entries and it consists of columns and rows.</a:t>
+            </a:r>
+          </a:p>
+          <a:p>
+            <a:endParaRPr lang="en-IN" sz="1600" dirty="0"/>
           </a:p>
         </p:txBody>
       </p:sp>
     </p:spTree>
     <p:extLst>
       <p:ext uri="{BB962C8B-B14F-4D97-AF65-F5344CB8AC3E}">
-        <p14:creationId xmlns:p14="http://schemas.microsoft.com/office/powerpoint/2010/main" val="781656487"/>
+        <p14:creationId xmlns:p14="http://schemas.microsoft.com/office/powerpoint/2010/main" val="2564813039"/>
       </p:ext>
     </p:extLst>
   </p:cSld>
@@ -23612,7 +29485,7 @@
 </p:sld>
 </file>
 
-<file path=ppt/slides/slide62.xml><?xml version="1.0" encoding="utf-8"?>
+<file path=ppt/slides/slide80.xml><?xml version="1.0" encoding="utf-8"?>
 <p:sld xmlns:a="http://schemas.openxmlformats.org/drawingml/2006/main" xmlns:r="http://schemas.openxmlformats.org/officeDocument/2006/relationships" xmlns:p="http://schemas.openxmlformats.org/presentationml/2006/main">
   <p:cSld>
     <p:spTree>
@@ -23732,7 +29605,7 @@
 </p:sld>
 </file>
 
-<file path=ppt/slides/slide63.xml><?xml version="1.0" encoding="utf-8"?>
+<file path=ppt/slides/slide81.xml><?xml version="1.0" encoding="utf-8"?>
 <p:sld xmlns:a="http://schemas.openxmlformats.org/drawingml/2006/main" xmlns:r="http://schemas.openxmlformats.org/officeDocument/2006/relationships" xmlns:p="http://schemas.openxmlformats.org/presentationml/2006/main">
   <p:cSld>
     <p:spTree>
@@ -24876,7 +30749,7 @@
 </p:sld>
 </file>
 
-<file path=ppt/slides/slide64.xml><?xml version="1.0" encoding="utf-8"?>
+<file path=ppt/slides/slide82.xml><?xml version="1.0" encoding="utf-8"?>
 <p:sld xmlns:a="http://schemas.openxmlformats.org/drawingml/2006/main" xmlns:r="http://schemas.openxmlformats.org/officeDocument/2006/relationships" xmlns:p="http://schemas.openxmlformats.org/presentationml/2006/main">
   <p:cSld>
     <p:spTree>
@@ -25893,7 +31766,7 @@
 </p:sld>
 </file>
 
-<file path=ppt/slides/slide65.xml><?xml version="1.0" encoding="utf-8"?>
+<file path=ppt/slides/slide83.xml><?xml version="1.0" encoding="utf-8"?>
 <p:sld xmlns:a="http://schemas.openxmlformats.org/drawingml/2006/main" xmlns:r="http://schemas.openxmlformats.org/officeDocument/2006/relationships" xmlns:p="http://schemas.openxmlformats.org/presentationml/2006/main">
   <p:cSld>
     <p:spTree>
@@ -26169,7 +32042,7 @@
 </p:sld>
 </file>
 
-<file path=ppt/slides/slide66.xml><?xml version="1.0" encoding="utf-8"?>
+<file path=ppt/slides/slide84.xml><?xml version="1.0" encoding="utf-8"?>
 <p:sld xmlns:a="http://schemas.openxmlformats.org/drawingml/2006/main" xmlns:r="http://schemas.openxmlformats.org/officeDocument/2006/relationships" xmlns:p="http://schemas.openxmlformats.org/presentationml/2006/main">
   <p:cSld>
     <p:spTree>
@@ -26281,7 +32154,7 @@
 </p:sld>
 </file>
 
-<file path=ppt/slides/slide67.xml><?xml version="1.0" encoding="utf-8"?>
+<file path=ppt/slides/slide85.xml><?xml version="1.0" encoding="utf-8"?>
 <p:sld xmlns:a="http://schemas.openxmlformats.org/drawingml/2006/main" xmlns:r="http://schemas.openxmlformats.org/officeDocument/2006/relationships" xmlns:p="http://schemas.openxmlformats.org/presentationml/2006/main">
   <p:cSld>
     <p:spTree>
@@ -26431,7 +32304,7 @@
 </p:sld>
 </file>
 
-<file path=ppt/slides/slide68.xml><?xml version="1.0" encoding="utf-8"?>
+<file path=ppt/slides/slide86.xml><?xml version="1.0" encoding="utf-8"?>
 <p:sld xmlns:a="http://schemas.openxmlformats.org/drawingml/2006/main" xmlns:r="http://schemas.openxmlformats.org/officeDocument/2006/relationships" xmlns:p="http://schemas.openxmlformats.org/presentationml/2006/main">
   <p:cSld>
     <p:spTree>
@@ -26625,254 +32498,6 @@
     <p:extLst>
       <p:ext uri="{BB962C8B-B14F-4D97-AF65-F5344CB8AC3E}">
         <p14:creationId xmlns:p14="http://schemas.microsoft.com/office/powerpoint/2010/main" val="3288158107"/>
-      </p:ext>
-    </p:extLst>
-  </p:cSld>
-  <p:clrMapOvr>
-    <a:masterClrMapping/>
-  </p:clrMapOvr>
-</p:sld>
-</file>
-
-<file path=ppt/slides/slide7.xml><?xml version="1.0" encoding="utf-8"?>
-<p:sld xmlns:a="http://schemas.openxmlformats.org/drawingml/2006/main" xmlns:r="http://schemas.openxmlformats.org/officeDocument/2006/relationships" xmlns:p="http://schemas.openxmlformats.org/presentationml/2006/main">
-  <p:cSld>
-    <p:spTree>
-      <p:nvGrpSpPr>
-        <p:cNvPr id="1" name=""/>
-        <p:cNvGrpSpPr/>
-        <p:nvPr/>
-      </p:nvGrpSpPr>
-      <p:grpSpPr>
-        <a:xfrm>
-          <a:off x="0" y="0"/>
-          <a:ext cx="0" cy="0"/>
-          <a:chOff x="0" y="0"/>
-          <a:chExt cx="0" cy="0"/>
-        </a:xfrm>
-      </p:grpSpPr>
-      <p:sp>
-        <p:nvSpPr>
-          <p:cNvPr id="2" name="Title 1"/>
-          <p:cNvSpPr>
-            <a:spLocks noGrp="1"/>
-          </p:cNvSpPr>
-          <p:nvPr>
-            <p:ph type="title"/>
-          </p:nvPr>
-        </p:nvSpPr>
-        <p:spPr/>
-        <p:txBody>
-          <a:bodyPr/>
-          <a:lstStyle/>
-          <a:p>
-            <a:endParaRPr lang="en-IN"/>
-          </a:p>
-        </p:txBody>
-      </p:sp>
-      <p:sp>
-        <p:nvSpPr>
-          <p:cNvPr id="3" name="Content Placeholder 2"/>
-          <p:cNvSpPr>
-            <a:spLocks noGrp="1"/>
-          </p:cNvSpPr>
-          <p:nvPr>
-            <p:ph idx="1"/>
-          </p:nvPr>
-        </p:nvSpPr>
-        <p:spPr/>
-        <p:txBody>
-          <a:bodyPr>
-            <a:normAutofit/>
-          </a:bodyPr>
-          <a:lstStyle/>
-          <a:p>
-            <a:r>
-              <a:rPr lang="en-US" sz="1600" dirty="0"/>
-              <a:t>What is SQL?</a:t>
-            </a:r>
-          </a:p>
-          <a:p>
-            <a:r>
-              <a:rPr lang="en-US" sz="1600" dirty="0"/>
-              <a:t>SQL stands for Structured Query Language</a:t>
-            </a:r>
-          </a:p>
-          <a:p>
-            <a:r>
-              <a:rPr lang="en-US" sz="1600" dirty="0"/>
-              <a:t>SQL lets you access and manipulate databases</a:t>
-            </a:r>
-          </a:p>
-          <a:p>
-            <a:r>
-              <a:rPr lang="en-US" sz="1600" dirty="0"/>
-              <a:t>SQL became a standard of the American National Standards Institute (ANSI) in 1986, and of the International Organization for Standardization (ISO) in 1987</a:t>
-            </a:r>
-          </a:p>
-          <a:p>
-            <a:r>
-              <a:rPr lang="en-US" sz="1600" dirty="0"/>
-              <a:t>What Can SQL do?</a:t>
-            </a:r>
-          </a:p>
-          <a:p>
-            <a:r>
-              <a:rPr lang="en-US" sz="1600" dirty="0"/>
-              <a:t>SQL can execute queries against a database</a:t>
-            </a:r>
-          </a:p>
-          <a:p>
-            <a:r>
-              <a:rPr lang="en-US" sz="1600" dirty="0"/>
-              <a:t>SQL can retrieve data from a database</a:t>
-            </a:r>
-          </a:p>
-          <a:p>
-            <a:r>
-              <a:rPr lang="en-US" sz="1600" dirty="0"/>
-              <a:t>SQL can insert records in a database</a:t>
-            </a:r>
-          </a:p>
-          <a:p>
-            <a:r>
-              <a:rPr lang="en-US" sz="1600" dirty="0"/>
-              <a:t>SQL can update records in a database</a:t>
-            </a:r>
-          </a:p>
-          <a:p>
-            <a:r>
-              <a:rPr lang="en-US" sz="1600" dirty="0"/>
-              <a:t>SQL can delete records from a database</a:t>
-            </a:r>
-          </a:p>
-          <a:p>
-            <a:r>
-              <a:rPr lang="en-US" sz="1600" dirty="0"/>
-              <a:t>SQL can create new databases</a:t>
-            </a:r>
-          </a:p>
-          <a:p>
-            <a:r>
-              <a:rPr lang="en-US" sz="1600" dirty="0"/>
-              <a:t>SQL can create new tables in a database</a:t>
-            </a:r>
-          </a:p>
-          <a:p>
-            <a:r>
-              <a:rPr lang="en-US" sz="1600" dirty="0"/>
-              <a:t>SQL can create stored procedures in a database</a:t>
-            </a:r>
-          </a:p>
-          <a:p>
-            <a:r>
-              <a:rPr lang="en-US" sz="1600" dirty="0"/>
-              <a:t>SQL can create views in a database</a:t>
-            </a:r>
-          </a:p>
-          <a:p>
-            <a:endParaRPr lang="en-IN" sz="1600" dirty="0"/>
-          </a:p>
-        </p:txBody>
-      </p:sp>
-    </p:spTree>
-    <p:extLst>
-      <p:ext uri="{BB962C8B-B14F-4D97-AF65-F5344CB8AC3E}">
-        <p14:creationId xmlns:p14="http://schemas.microsoft.com/office/powerpoint/2010/main" val="2625521462"/>
-      </p:ext>
-    </p:extLst>
-  </p:cSld>
-  <p:clrMapOvr>
-    <a:masterClrMapping/>
-  </p:clrMapOvr>
-</p:sld>
-</file>
-
-<file path=ppt/slides/slide8.xml><?xml version="1.0" encoding="utf-8"?>
-<p:sld xmlns:a="http://schemas.openxmlformats.org/drawingml/2006/main" xmlns:r="http://schemas.openxmlformats.org/officeDocument/2006/relationships" xmlns:p="http://schemas.openxmlformats.org/presentationml/2006/main">
-  <p:cSld>
-    <p:spTree>
-      <p:nvGrpSpPr>
-        <p:cNvPr id="1" name=""/>
-        <p:cNvGrpSpPr/>
-        <p:nvPr/>
-      </p:nvGrpSpPr>
-      <p:grpSpPr>
-        <a:xfrm>
-          <a:off x="0" y="0"/>
-          <a:ext cx="0" cy="0"/>
-          <a:chOff x="0" y="0"/>
-          <a:chExt cx="0" cy="0"/>
-        </a:xfrm>
-      </p:grpSpPr>
-      <p:sp>
-        <p:nvSpPr>
-          <p:cNvPr id="2" name="Title 1"/>
-          <p:cNvSpPr>
-            <a:spLocks noGrp="1"/>
-          </p:cNvSpPr>
-          <p:nvPr>
-            <p:ph type="title"/>
-          </p:nvPr>
-        </p:nvSpPr>
-        <p:spPr/>
-        <p:txBody>
-          <a:bodyPr/>
-          <a:lstStyle/>
-          <a:p>
-            <a:endParaRPr lang="en-IN"/>
-          </a:p>
-        </p:txBody>
-      </p:sp>
-      <p:sp>
-        <p:nvSpPr>
-          <p:cNvPr id="3" name="Content Placeholder 2"/>
-          <p:cNvSpPr>
-            <a:spLocks noGrp="1"/>
-          </p:cNvSpPr>
-          <p:nvPr>
-            <p:ph idx="1"/>
-          </p:nvPr>
-        </p:nvSpPr>
-        <p:spPr/>
-        <p:txBody>
-          <a:bodyPr>
-            <a:normAutofit/>
-          </a:bodyPr>
-          <a:lstStyle/>
-          <a:p>
-            <a:r>
-              <a:rPr lang="en-US" sz="1600" dirty="0"/>
-              <a:t>RDBMS</a:t>
-            </a:r>
-          </a:p>
-          <a:p>
-            <a:r>
-              <a:rPr lang="en-US" sz="1600" dirty="0"/>
-              <a:t>RDBMS stands for Relational Database Management System.</a:t>
-            </a:r>
-          </a:p>
-          <a:p>
-            <a:r>
-              <a:rPr lang="en-US" sz="1600" dirty="0"/>
-              <a:t>RDBMS is the basis for SQL, and for all modern database systems such as MS SQL Server, IBM DB2, Oracle, MySQL, and Microsoft Access.</a:t>
-            </a:r>
-          </a:p>
-          <a:p>
-            <a:r>
-              <a:rPr lang="en-US" sz="1600" dirty="0"/>
-              <a:t>The data in RDBMS is stored in database objects called tables. A table is a collection of related data entries and it consists of columns and rows.</a:t>
-            </a:r>
-          </a:p>
-          <a:p>
-            <a:endParaRPr lang="en-IN" sz="1600" dirty="0"/>
-          </a:p>
-        </p:txBody>
-      </p:sp>
-    </p:spTree>
-    <p:extLst>
-      <p:ext uri="{BB962C8B-B14F-4D97-AF65-F5344CB8AC3E}">
-        <p14:creationId xmlns:p14="http://schemas.microsoft.com/office/powerpoint/2010/main" val="2564813039"/>
       </p:ext>
     </p:extLst>
   </p:cSld>
